--- a/presentations/voice-rec.pptx
+++ b/presentations/voice-rec.pptx
@@ -4,16 +4,26 @@
   <p:sldMasterIdLst>
     <p:sldMasterId id="2147483690" r:id="rId1"/>
   </p:sldMasterIdLst>
+  <p:notesMasterIdLst>
+    <p:notesMasterId r:id="rId18"/>
+  </p:notesMasterIdLst>
   <p:sldIdLst>
     <p:sldId id="256" r:id="rId2"/>
     <p:sldId id="257" r:id="rId3"/>
-    <p:sldId id="260" r:id="rId4"/>
-    <p:sldId id="261" r:id="rId5"/>
-    <p:sldId id="262" r:id="rId6"/>
-    <p:sldId id="263" r:id="rId7"/>
-    <p:sldId id="258" r:id="rId8"/>
-    <p:sldId id="264" r:id="rId9"/>
-    <p:sldId id="265" r:id="rId10"/>
+    <p:sldId id="272" r:id="rId4"/>
+    <p:sldId id="262" r:id="rId5"/>
+    <p:sldId id="260" r:id="rId6"/>
+    <p:sldId id="261" r:id="rId7"/>
+    <p:sldId id="263" r:id="rId8"/>
+    <p:sldId id="258" r:id="rId9"/>
+    <p:sldId id="264" r:id="rId10"/>
+    <p:sldId id="267" r:id="rId11"/>
+    <p:sldId id="265" r:id="rId12"/>
+    <p:sldId id="266" r:id="rId13"/>
+    <p:sldId id="270" r:id="rId14"/>
+    <p:sldId id="268" r:id="rId15"/>
+    <p:sldId id="269" r:id="rId16"/>
+    <p:sldId id="271" r:id="rId17"/>
   </p:sldIdLst>
   <p:sldSz cx="12192000" cy="6858000"/>
   <p:notesSz cx="6858000" cy="9144000"/>
@@ -120,6 +130,4246 @@
 </p:presentation>
 </file>
 
+<file path=ppt/charts/chart1.xml><?xml version="1.0" encoding="utf-8"?>
+<c:chartSpace xmlns:c="http://schemas.openxmlformats.org/drawingml/2006/chart" xmlns:a="http://schemas.openxmlformats.org/drawingml/2006/main" xmlns:r="http://schemas.openxmlformats.org/officeDocument/2006/relationships">
+  <c:date1904 val="0"/>
+  <c:lang val="ru-RU"/>
+  <c:roundedCorners val="0"/>
+  <mc:AlternateContent xmlns:mc="http://schemas.openxmlformats.org/markup-compatibility/2006">
+    <mc:Choice xmlns:c14="http://schemas.microsoft.com/office/drawing/2007/8/2/chart" Requires="c14">
+      <c14:style val="102"/>
+    </mc:Choice>
+    <mc:Fallback>
+      <c:style val="2"/>
+    </mc:Fallback>
+  </mc:AlternateContent>
+  <c:chart>
+    <c:autoTitleDeleted val="0"/>
+    <c:plotArea>
+      <c:layout/>
+      <c:barChart>
+        <c:barDir val="col"/>
+        <c:grouping val="clustered"/>
+        <c:varyColors val="0"/>
+        <c:ser>
+          <c:idx val="0"/>
+          <c:order val="0"/>
+          <c:tx>
+            <c:strRef>
+              <c:f>Лист1!$B$1</c:f>
+              <c:strCache>
+                <c:ptCount val="1"/>
+                <c:pt idx="0">
+                  <c:v>Тестовая выборка</c:v>
+                </c:pt>
+              </c:strCache>
+            </c:strRef>
+          </c:tx>
+          <c:spPr>
+            <a:solidFill>
+              <a:schemeClr val="accent1"/>
+            </a:solidFill>
+            <a:ln>
+              <a:noFill/>
+            </a:ln>
+            <a:effectLst/>
+          </c:spPr>
+          <c:invertIfNegative val="0"/>
+          <c:dLbls>
+            <c:spPr>
+              <a:noFill/>
+              <a:ln>
+                <a:noFill/>
+              </a:ln>
+              <a:effectLst/>
+            </c:spPr>
+            <c:txPr>
+              <a:bodyPr rot="0" spcFirstLastPara="1" vertOverflow="ellipsis" vert="horz" wrap="square" lIns="38100" tIns="19050" rIns="38100" bIns="19050" anchor="ctr" anchorCtr="1">
+                <a:spAutoFit/>
+              </a:bodyPr>
+              <a:lstStyle/>
+              <a:p>
+                <a:pPr>
+                  <a:defRPr sz="1197" b="0" i="0" u="none" strike="noStrike" kern="1200" baseline="0">
+                    <a:solidFill>
+                      <a:schemeClr val="bg1">
+                        <a:lumMod val="95000"/>
+                      </a:schemeClr>
+                    </a:solidFill>
+                    <a:latin typeface="+mn-lt"/>
+                    <a:ea typeface="+mn-ea"/>
+                    <a:cs typeface="+mn-cs"/>
+                  </a:defRPr>
+                </a:pPr>
+                <a:endParaRPr lang="ru-RU"/>
+              </a:p>
+            </c:txPr>
+            <c:showLegendKey val="0"/>
+            <c:showVal val="1"/>
+            <c:showCatName val="0"/>
+            <c:showSerName val="0"/>
+            <c:showPercent val="0"/>
+            <c:showBubbleSize val="0"/>
+            <c:showLeaderLines val="0"/>
+            <c:extLst>
+              <c:ext xmlns:c15="http://schemas.microsoft.com/office/drawing/2012/chart" uri="{CE6537A1-D6FC-4f65-9D91-7224C49458BB}">
+                <c15:layout/>
+                <c15:showLeaderLines val="1"/>
+                <c15:leaderLines>
+                  <c:spPr>
+                    <a:ln w="9525" cap="flat" cmpd="sng" algn="ctr">
+                      <a:solidFill>
+                        <a:schemeClr val="tx1">
+                          <a:lumMod val="35000"/>
+                          <a:lumOff val="65000"/>
+                        </a:schemeClr>
+                      </a:solidFill>
+                      <a:round/>
+                    </a:ln>
+                    <a:effectLst/>
+                  </c:spPr>
+                </c15:leaderLines>
+              </c:ext>
+            </c:extLst>
+          </c:dLbls>
+          <c:cat>
+            <c:strRef>
+              <c:f>Лист1!$A$2</c:f>
+              <c:strCache>
+                <c:ptCount val="1"/>
+                <c:pt idx="0">
+                  <c:v>Точность определения пола деревьями решений</c:v>
+                </c:pt>
+              </c:strCache>
+            </c:strRef>
+          </c:cat>
+          <c:val>
+            <c:numRef>
+              <c:f>Лист1!$B$2</c:f>
+              <c:numCache>
+                <c:formatCode>General</c:formatCode>
+                <c:ptCount val="1"/>
+                <c:pt idx="0">
+                  <c:v>0.86</c:v>
+                </c:pt>
+              </c:numCache>
+            </c:numRef>
+          </c:val>
+        </c:ser>
+        <c:ser>
+          <c:idx val="1"/>
+          <c:order val="1"/>
+          <c:tx>
+            <c:strRef>
+              <c:f>Лист1!$C$1</c:f>
+              <c:strCache>
+                <c:ptCount val="1"/>
+                <c:pt idx="0">
+                  <c:v>Тренировочная выборка</c:v>
+                </c:pt>
+              </c:strCache>
+            </c:strRef>
+          </c:tx>
+          <c:spPr>
+            <a:solidFill>
+              <a:schemeClr val="accent2"/>
+            </a:solidFill>
+            <a:ln>
+              <a:noFill/>
+            </a:ln>
+            <a:effectLst/>
+          </c:spPr>
+          <c:invertIfNegative val="0"/>
+          <c:dLbls>
+            <c:spPr>
+              <a:noFill/>
+              <a:ln>
+                <a:noFill/>
+              </a:ln>
+              <a:effectLst/>
+            </c:spPr>
+            <c:txPr>
+              <a:bodyPr rot="0" spcFirstLastPara="1" vertOverflow="ellipsis" vert="horz" wrap="square" lIns="38100" tIns="19050" rIns="38100" bIns="19050" anchor="ctr" anchorCtr="1">
+                <a:spAutoFit/>
+              </a:bodyPr>
+              <a:lstStyle/>
+              <a:p>
+                <a:pPr>
+                  <a:defRPr sz="1197" b="0" i="0" u="none" strike="noStrike" kern="1200" baseline="0">
+                    <a:solidFill>
+                      <a:schemeClr val="bg1">
+                        <a:lumMod val="95000"/>
+                      </a:schemeClr>
+                    </a:solidFill>
+                    <a:latin typeface="+mn-lt"/>
+                    <a:ea typeface="+mn-ea"/>
+                    <a:cs typeface="+mn-cs"/>
+                  </a:defRPr>
+                </a:pPr>
+                <a:endParaRPr lang="ru-RU"/>
+              </a:p>
+            </c:txPr>
+            <c:showLegendKey val="0"/>
+            <c:showVal val="1"/>
+            <c:showCatName val="0"/>
+            <c:showSerName val="0"/>
+            <c:showPercent val="0"/>
+            <c:showBubbleSize val="0"/>
+            <c:showLeaderLines val="0"/>
+            <c:extLst>
+              <c:ext xmlns:c15="http://schemas.microsoft.com/office/drawing/2012/chart" uri="{CE6537A1-D6FC-4f65-9D91-7224C49458BB}">
+                <c15:layout/>
+                <c15:showLeaderLines val="1"/>
+                <c15:leaderLines>
+                  <c:spPr>
+                    <a:ln w="9525" cap="flat" cmpd="sng" algn="ctr">
+                      <a:solidFill>
+                        <a:schemeClr val="tx1">
+                          <a:lumMod val="35000"/>
+                          <a:lumOff val="65000"/>
+                        </a:schemeClr>
+                      </a:solidFill>
+                      <a:round/>
+                    </a:ln>
+                    <a:effectLst/>
+                  </c:spPr>
+                </c15:leaderLines>
+              </c:ext>
+            </c:extLst>
+          </c:dLbls>
+          <c:cat>
+            <c:strRef>
+              <c:f>Лист1!$A$2</c:f>
+              <c:strCache>
+                <c:ptCount val="1"/>
+                <c:pt idx="0">
+                  <c:v>Точность определения пола деревьями решений</c:v>
+                </c:pt>
+              </c:strCache>
+            </c:strRef>
+          </c:cat>
+          <c:val>
+            <c:numRef>
+              <c:f>Лист1!$C$2</c:f>
+              <c:numCache>
+                <c:formatCode>General</c:formatCode>
+                <c:ptCount val="1"/>
+                <c:pt idx="0">
+                  <c:v>0.99</c:v>
+                </c:pt>
+              </c:numCache>
+            </c:numRef>
+          </c:val>
+        </c:ser>
+        <c:dLbls>
+          <c:showLegendKey val="0"/>
+          <c:showVal val="0"/>
+          <c:showCatName val="0"/>
+          <c:showSerName val="0"/>
+          <c:showPercent val="0"/>
+          <c:showBubbleSize val="0"/>
+        </c:dLbls>
+        <c:gapWidth val="219"/>
+        <c:overlap val="-27"/>
+        <c:axId val="310639648"/>
+        <c:axId val="310644352"/>
+      </c:barChart>
+      <c:catAx>
+        <c:axId val="310639648"/>
+        <c:scaling>
+          <c:orientation val="minMax"/>
+        </c:scaling>
+        <c:delete val="0"/>
+        <c:axPos val="b"/>
+        <c:numFmt formatCode="General" sourceLinked="1"/>
+        <c:majorTickMark val="none"/>
+        <c:minorTickMark val="none"/>
+        <c:tickLblPos val="nextTo"/>
+        <c:spPr>
+          <a:noFill/>
+          <a:ln w="9525" cap="flat" cmpd="sng" algn="ctr">
+            <a:solidFill>
+              <a:schemeClr val="tx1">
+                <a:lumMod val="15000"/>
+                <a:lumOff val="85000"/>
+              </a:schemeClr>
+            </a:solidFill>
+            <a:round/>
+          </a:ln>
+          <a:effectLst/>
+        </c:spPr>
+        <c:txPr>
+          <a:bodyPr rot="-60000000" spcFirstLastPara="1" vertOverflow="ellipsis" vert="horz" wrap="square" anchor="ctr" anchorCtr="1"/>
+          <a:lstStyle/>
+          <a:p>
+            <a:pPr>
+              <a:defRPr sz="1400" b="0" i="0" u="none" strike="noStrike" kern="1200" baseline="0">
+                <a:solidFill>
+                  <a:schemeClr val="bg1">
+                    <a:lumMod val="95000"/>
+                  </a:schemeClr>
+                </a:solidFill>
+                <a:latin typeface="+mn-lt"/>
+                <a:ea typeface="+mn-ea"/>
+                <a:cs typeface="+mn-cs"/>
+              </a:defRPr>
+            </a:pPr>
+            <a:endParaRPr lang="ru-RU"/>
+          </a:p>
+        </c:txPr>
+        <c:crossAx val="310644352"/>
+        <c:crosses val="autoZero"/>
+        <c:auto val="1"/>
+        <c:lblAlgn val="ctr"/>
+        <c:lblOffset val="100"/>
+        <c:noMultiLvlLbl val="0"/>
+      </c:catAx>
+      <c:valAx>
+        <c:axId val="310644352"/>
+        <c:scaling>
+          <c:orientation val="minMax"/>
+        </c:scaling>
+        <c:delete val="0"/>
+        <c:axPos val="l"/>
+        <c:majorGridlines>
+          <c:spPr>
+            <a:ln w="9525" cap="flat" cmpd="sng" algn="ctr">
+              <a:solidFill>
+                <a:schemeClr val="bg1">
+                  <a:lumMod val="50000"/>
+                </a:schemeClr>
+              </a:solidFill>
+              <a:round/>
+            </a:ln>
+            <a:effectLst/>
+          </c:spPr>
+        </c:majorGridlines>
+        <c:numFmt formatCode="General" sourceLinked="1"/>
+        <c:majorTickMark val="none"/>
+        <c:minorTickMark val="none"/>
+        <c:tickLblPos val="nextTo"/>
+        <c:spPr>
+          <a:noFill/>
+          <a:ln>
+            <a:noFill/>
+          </a:ln>
+          <a:effectLst/>
+        </c:spPr>
+        <c:txPr>
+          <a:bodyPr rot="-60000000" spcFirstLastPara="1" vertOverflow="ellipsis" vert="horz" wrap="square" anchor="ctr" anchorCtr="1"/>
+          <a:lstStyle/>
+          <a:p>
+            <a:pPr>
+              <a:defRPr sz="1197" b="0" i="0" u="none" strike="noStrike" kern="1200" baseline="0">
+                <a:solidFill>
+                  <a:schemeClr val="bg1">
+                    <a:lumMod val="95000"/>
+                  </a:schemeClr>
+                </a:solidFill>
+                <a:latin typeface="+mn-lt"/>
+                <a:ea typeface="+mn-ea"/>
+                <a:cs typeface="+mn-cs"/>
+              </a:defRPr>
+            </a:pPr>
+            <a:endParaRPr lang="ru-RU"/>
+          </a:p>
+        </c:txPr>
+        <c:crossAx val="310639648"/>
+        <c:crosses val="autoZero"/>
+        <c:crossBetween val="between"/>
+      </c:valAx>
+      <c:spPr>
+        <a:noFill/>
+        <a:ln>
+          <a:noFill/>
+        </a:ln>
+        <a:effectLst/>
+      </c:spPr>
+    </c:plotArea>
+    <c:legend>
+      <c:legendPos val="b"/>
+      <c:layout/>
+      <c:overlay val="0"/>
+      <c:spPr>
+        <a:noFill/>
+        <a:ln>
+          <a:noFill/>
+        </a:ln>
+        <a:effectLst/>
+      </c:spPr>
+      <c:txPr>
+        <a:bodyPr rot="0" spcFirstLastPara="1" vertOverflow="ellipsis" vert="horz" wrap="square" anchor="ctr" anchorCtr="1"/>
+        <a:lstStyle/>
+        <a:p>
+          <a:pPr>
+            <a:defRPr sz="1197" b="0" i="0" u="none" strike="noStrike" kern="1200" baseline="0">
+              <a:solidFill>
+                <a:schemeClr val="bg1">
+                  <a:lumMod val="95000"/>
+                </a:schemeClr>
+              </a:solidFill>
+              <a:latin typeface="+mn-lt"/>
+              <a:ea typeface="+mn-ea"/>
+              <a:cs typeface="+mn-cs"/>
+            </a:defRPr>
+          </a:pPr>
+          <a:endParaRPr lang="ru-RU"/>
+        </a:p>
+      </c:txPr>
+    </c:legend>
+    <c:plotVisOnly val="1"/>
+    <c:dispBlanksAs val="gap"/>
+    <c:showDLblsOverMax val="0"/>
+  </c:chart>
+  <c:spPr>
+    <a:noFill/>
+    <a:ln>
+      <a:noFill/>
+    </a:ln>
+    <a:effectLst/>
+  </c:spPr>
+  <c:txPr>
+    <a:bodyPr/>
+    <a:lstStyle/>
+    <a:p>
+      <a:pPr>
+        <a:defRPr>
+          <a:solidFill>
+            <a:schemeClr val="bg1">
+              <a:lumMod val="95000"/>
+            </a:schemeClr>
+          </a:solidFill>
+        </a:defRPr>
+      </a:pPr>
+      <a:endParaRPr lang="ru-RU"/>
+    </a:p>
+  </c:txPr>
+  <c:externalData r:id="rId3">
+    <c:autoUpdate val="0"/>
+  </c:externalData>
+</c:chartSpace>
+</file>
+
+<file path=ppt/charts/chart2.xml><?xml version="1.0" encoding="utf-8"?>
+<c:chartSpace xmlns:c="http://schemas.openxmlformats.org/drawingml/2006/chart" xmlns:a="http://schemas.openxmlformats.org/drawingml/2006/main" xmlns:r="http://schemas.openxmlformats.org/officeDocument/2006/relationships">
+  <c:date1904 val="0"/>
+  <c:lang val="ru-RU"/>
+  <c:roundedCorners val="0"/>
+  <mc:AlternateContent xmlns:mc="http://schemas.openxmlformats.org/markup-compatibility/2006">
+    <mc:Choice xmlns:c14="http://schemas.microsoft.com/office/drawing/2007/8/2/chart" Requires="c14">
+      <c14:style val="102"/>
+    </mc:Choice>
+    <mc:Fallback>
+      <c:style val="2"/>
+    </mc:Fallback>
+  </mc:AlternateContent>
+  <c:chart>
+    <c:title>
+      <c:tx>
+        <c:rich>
+          <a:bodyPr rot="0" spcFirstLastPara="1" vertOverflow="ellipsis" vert="horz" wrap="square" anchor="ctr" anchorCtr="1"/>
+          <a:lstStyle/>
+          <a:p>
+            <a:pPr>
+              <a:defRPr sz="1862" b="0" i="0" u="none" strike="noStrike" kern="1200" spc="0" baseline="0">
+                <a:solidFill>
+                  <a:schemeClr val="bg1">
+                    <a:lumMod val="95000"/>
+                  </a:schemeClr>
+                </a:solidFill>
+                <a:latin typeface="+mn-lt"/>
+                <a:ea typeface="+mn-ea"/>
+                <a:cs typeface="+mn-cs"/>
+              </a:defRPr>
+            </a:pPr>
+            <a:r>
+              <a:rPr lang="ru-RU"/>
+              <a:t>Точность моделей</a:t>
+            </a:r>
+          </a:p>
+        </c:rich>
+      </c:tx>
+      <c:layout/>
+      <c:overlay val="0"/>
+      <c:spPr>
+        <a:noFill/>
+        <a:ln>
+          <a:noFill/>
+        </a:ln>
+        <a:effectLst/>
+      </c:spPr>
+      <c:txPr>
+        <a:bodyPr rot="0" spcFirstLastPara="1" vertOverflow="ellipsis" vert="horz" wrap="square" anchor="ctr" anchorCtr="1"/>
+        <a:lstStyle/>
+        <a:p>
+          <a:pPr>
+            <a:defRPr sz="1862" b="0" i="0" u="none" strike="noStrike" kern="1200" spc="0" baseline="0">
+              <a:solidFill>
+                <a:schemeClr val="bg1">
+                  <a:lumMod val="95000"/>
+                </a:schemeClr>
+              </a:solidFill>
+              <a:latin typeface="+mn-lt"/>
+              <a:ea typeface="+mn-ea"/>
+              <a:cs typeface="+mn-cs"/>
+            </a:defRPr>
+          </a:pPr>
+          <a:endParaRPr lang="ru-RU"/>
+        </a:p>
+      </c:txPr>
+    </c:title>
+    <c:autoTitleDeleted val="0"/>
+    <c:plotArea>
+      <c:layout/>
+      <c:barChart>
+        <c:barDir val="col"/>
+        <c:grouping val="clustered"/>
+        <c:varyColors val="0"/>
+        <c:ser>
+          <c:idx val="0"/>
+          <c:order val="0"/>
+          <c:tx>
+            <c:strRef>
+              <c:f>Лист1!$B$1</c:f>
+              <c:strCache>
+                <c:ptCount val="1"/>
+                <c:pt idx="0">
+                  <c:v>Тестовая выборка</c:v>
+                </c:pt>
+              </c:strCache>
+            </c:strRef>
+          </c:tx>
+          <c:spPr>
+            <a:solidFill>
+              <a:schemeClr val="accent1"/>
+            </a:solidFill>
+            <a:ln>
+              <a:noFill/>
+            </a:ln>
+            <a:effectLst/>
+          </c:spPr>
+          <c:invertIfNegative val="0"/>
+          <c:cat>
+            <c:strRef>
+              <c:f>Лист1!$A$2:$A$3</c:f>
+              <c:strCache>
+                <c:ptCount val="2"/>
+                <c:pt idx="0">
+                  <c:v>Деревья</c:v>
+                </c:pt>
+                <c:pt idx="1">
+                  <c:v>Нейронная сеть</c:v>
+                </c:pt>
+              </c:strCache>
+            </c:strRef>
+          </c:cat>
+          <c:val>
+            <c:numRef>
+              <c:f>Лист1!$B$2:$B$3</c:f>
+              <c:numCache>
+                <c:formatCode>General</c:formatCode>
+                <c:ptCount val="2"/>
+                <c:pt idx="0">
+                  <c:v>0.86</c:v>
+                </c:pt>
+                <c:pt idx="1">
+                  <c:v>0.97</c:v>
+                </c:pt>
+              </c:numCache>
+            </c:numRef>
+          </c:val>
+        </c:ser>
+        <c:ser>
+          <c:idx val="1"/>
+          <c:order val="1"/>
+          <c:tx>
+            <c:strRef>
+              <c:f>Лист1!$C$1</c:f>
+              <c:strCache>
+                <c:ptCount val="1"/>
+                <c:pt idx="0">
+                  <c:v>Тренировочная выборка</c:v>
+                </c:pt>
+              </c:strCache>
+            </c:strRef>
+          </c:tx>
+          <c:spPr>
+            <a:solidFill>
+              <a:schemeClr val="accent2"/>
+            </a:solidFill>
+            <a:ln>
+              <a:noFill/>
+            </a:ln>
+            <a:effectLst/>
+          </c:spPr>
+          <c:invertIfNegative val="0"/>
+          <c:cat>
+            <c:strRef>
+              <c:f>Лист1!$A$2:$A$3</c:f>
+              <c:strCache>
+                <c:ptCount val="2"/>
+                <c:pt idx="0">
+                  <c:v>Деревья</c:v>
+                </c:pt>
+                <c:pt idx="1">
+                  <c:v>Нейронная сеть</c:v>
+                </c:pt>
+              </c:strCache>
+            </c:strRef>
+          </c:cat>
+          <c:val>
+            <c:numRef>
+              <c:f>Лист1!$C$2:$C$3</c:f>
+              <c:numCache>
+                <c:formatCode>General</c:formatCode>
+                <c:ptCount val="2"/>
+                <c:pt idx="0">
+                  <c:v>0.99</c:v>
+                </c:pt>
+                <c:pt idx="1">
+                  <c:v>0.98599999999999999</c:v>
+                </c:pt>
+              </c:numCache>
+            </c:numRef>
+          </c:val>
+        </c:ser>
+        <c:dLbls>
+          <c:showLegendKey val="0"/>
+          <c:showVal val="0"/>
+          <c:showCatName val="0"/>
+          <c:showSerName val="0"/>
+          <c:showPercent val="0"/>
+          <c:showBubbleSize val="0"/>
+        </c:dLbls>
+        <c:gapWidth val="219"/>
+        <c:overlap val="-27"/>
+        <c:axId val="467909272"/>
+        <c:axId val="467909664"/>
+      </c:barChart>
+      <c:catAx>
+        <c:axId val="467909272"/>
+        <c:scaling>
+          <c:orientation val="minMax"/>
+        </c:scaling>
+        <c:delete val="0"/>
+        <c:axPos val="b"/>
+        <c:numFmt formatCode="General" sourceLinked="1"/>
+        <c:majorTickMark val="none"/>
+        <c:minorTickMark val="none"/>
+        <c:tickLblPos val="nextTo"/>
+        <c:spPr>
+          <a:noFill/>
+          <a:ln w="9525" cap="flat" cmpd="sng" algn="ctr">
+            <a:solidFill>
+              <a:schemeClr val="tx1">
+                <a:lumMod val="15000"/>
+                <a:lumOff val="85000"/>
+              </a:schemeClr>
+            </a:solidFill>
+            <a:round/>
+          </a:ln>
+          <a:effectLst/>
+        </c:spPr>
+        <c:txPr>
+          <a:bodyPr rot="-60000000" spcFirstLastPara="1" vertOverflow="ellipsis" vert="horz" wrap="square" anchor="ctr" anchorCtr="1"/>
+          <a:lstStyle/>
+          <a:p>
+            <a:pPr>
+              <a:defRPr sz="1197" b="0" i="0" u="none" strike="noStrike" kern="1200" baseline="0">
+                <a:solidFill>
+                  <a:schemeClr val="bg1">
+                    <a:lumMod val="95000"/>
+                  </a:schemeClr>
+                </a:solidFill>
+                <a:latin typeface="+mn-lt"/>
+                <a:ea typeface="+mn-ea"/>
+                <a:cs typeface="+mn-cs"/>
+              </a:defRPr>
+            </a:pPr>
+            <a:endParaRPr lang="ru-RU"/>
+          </a:p>
+        </c:txPr>
+        <c:crossAx val="467909664"/>
+        <c:crosses val="autoZero"/>
+        <c:auto val="1"/>
+        <c:lblAlgn val="ctr"/>
+        <c:lblOffset val="100"/>
+        <c:noMultiLvlLbl val="0"/>
+      </c:catAx>
+      <c:valAx>
+        <c:axId val="467909664"/>
+        <c:scaling>
+          <c:orientation val="minMax"/>
+        </c:scaling>
+        <c:delete val="0"/>
+        <c:axPos val="l"/>
+        <c:majorGridlines>
+          <c:spPr>
+            <a:ln w="9525" cap="flat" cmpd="sng" algn="ctr">
+              <a:solidFill>
+                <a:schemeClr val="tx1">
+                  <a:lumMod val="15000"/>
+                  <a:lumOff val="85000"/>
+                </a:schemeClr>
+              </a:solidFill>
+              <a:round/>
+            </a:ln>
+            <a:effectLst/>
+          </c:spPr>
+        </c:majorGridlines>
+        <c:numFmt formatCode="General" sourceLinked="1"/>
+        <c:majorTickMark val="none"/>
+        <c:minorTickMark val="none"/>
+        <c:tickLblPos val="nextTo"/>
+        <c:spPr>
+          <a:noFill/>
+          <a:ln>
+            <a:noFill/>
+          </a:ln>
+          <a:effectLst/>
+        </c:spPr>
+        <c:txPr>
+          <a:bodyPr rot="-60000000" spcFirstLastPara="1" vertOverflow="ellipsis" vert="horz" wrap="square" anchor="ctr" anchorCtr="1"/>
+          <a:lstStyle/>
+          <a:p>
+            <a:pPr>
+              <a:defRPr sz="1197" b="0" i="0" u="none" strike="noStrike" kern="1200" baseline="0">
+                <a:solidFill>
+                  <a:schemeClr val="bg1">
+                    <a:lumMod val="95000"/>
+                  </a:schemeClr>
+                </a:solidFill>
+                <a:latin typeface="+mn-lt"/>
+                <a:ea typeface="+mn-ea"/>
+                <a:cs typeface="+mn-cs"/>
+              </a:defRPr>
+            </a:pPr>
+            <a:endParaRPr lang="ru-RU"/>
+          </a:p>
+        </c:txPr>
+        <c:crossAx val="467909272"/>
+        <c:crosses val="autoZero"/>
+        <c:crossBetween val="between"/>
+      </c:valAx>
+      <c:spPr>
+        <a:noFill/>
+        <a:ln>
+          <a:noFill/>
+        </a:ln>
+        <a:effectLst/>
+      </c:spPr>
+    </c:plotArea>
+    <c:legend>
+      <c:legendPos val="b"/>
+      <c:layout/>
+      <c:overlay val="0"/>
+      <c:spPr>
+        <a:noFill/>
+        <a:ln>
+          <a:noFill/>
+        </a:ln>
+        <a:effectLst/>
+      </c:spPr>
+      <c:txPr>
+        <a:bodyPr rot="0" spcFirstLastPara="1" vertOverflow="ellipsis" vert="horz" wrap="square" anchor="ctr" anchorCtr="1"/>
+        <a:lstStyle/>
+        <a:p>
+          <a:pPr>
+            <a:defRPr sz="1197" b="0" i="0" u="none" strike="noStrike" kern="1200" baseline="0">
+              <a:solidFill>
+                <a:schemeClr val="bg1">
+                  <a:lumMod val="95000"/>
+                </a:schemeClr>
+              </a:solidFill>
+              <a:latin typeface="+mn-lt"/>
+              <a:ea typeface="+mn-ea"/>
+              <a:cs typeface="+mn-cs"/>
+            </a:defRPr>
+          </a:pPr>
+          <a:endParaRPr lang="ru-RU"/>
+        </a:p>
+      </c:txPr>
+    </c:legend>
+    <c:plotVisOnly val="1"/>
+    <c:dispBlanksAs val="gap"/>
+    <c:showDLblsOverMax val="0"/>
+  </c:chart>
+  <c:spPr>
+    <a:noFill/>
+    <a:ln>
+      <a:noFill/>
+    </a:ln>
+    <a:effectLst/>
+  </c:spPr>
+  <c:txPr>
+    <a:bodyPr/>
+    <a:lstStyle/>
+    <a:p>
+      <a:pPr>
+        <a:defRPr>
+          <a:solidFill>
+            <a:schemeClr val="bg1">
+              <a:lumMod val="95000"/>
+            </a:schemeClr>
+          </a:solidFill>
+        </a:defRPr>
+      </a:pPr>
+      <a:endParaRPr lang="ru-RU"/>
+    </a:p>
+  </c:txPr>
+  <c:externalData r:id="rId3">
+    <c:autoUpdate val="0"/>
+  </c:externalData>
+</c:chartSpace>
+</file>
+
+<file path=ppt/charts/colors1.xml><?xml version="1.0" encoding="utf-8"?>
+<cs:colorStyle xmlns:cs="http://schemas.microsoft.com/office/drawing/2012/chartStyle" xmlns:a="http://schemas.openxmlformats.org/drawingml/2006/main" meth="cycle" id="10">
+  <a:schemeClr val="accent1"/>
+  <a:schemeClr val="accent2"/>
+  <a:schemeClr val="accent3"/>
+  <a:schemeClr val="accent4"/>
+  <a:schemeClr val="accent5"/>
+  <a:schemeClr val="accent6"/>
+  <cs:variation/>
+  <cs:variation>
+    <a:lumMod val="60000"/>
+  </cs:variation>
+  <cs:variation>
+    <a:lumMod val="80000"/>
+    <a:lumOff val="20000"/>
+  </cs:variation>
+  <cs:variation>
+    <a:lumMod val="80000"/>
+  </cs:variation>
+  <cs:variation>
+    <a:lumMod val="60000"/>
+    <a:lumOff val="40000"/>
+  </cs:variation>
+  <cs:variation>
+    <a:lumMod val="50000"/>
+  </cs:variation>
+  <cs:variation>
+    <a:lumMod val="70000"/>
+    <a:lumOff val="30000"/>
+  </cs:variation>
+  <cs:variation>
+    <a:lumMod val="70000"/>
+  </cs:variation>
+  <cs:variation>
+    <a:lumMod val="50000"/>
+    <a:lumOff val="50000"/>
+  </cs:variation>
+</cs:colorStyle>
+</file>
+
+<file path=ppt/charts/colors2.xml><?xml version="1.0" encoding="utf-8"?>
+<cs:colorStyle xmlns:cs="http://schemas.microsoft.com/office/drawing/2012/chartStyle" xmlns:a="http://schemas.openxmlformats.org/drawingml/2006/main" meth="cycle" id="10">
+  <a:schemeClr val="accent1"/>
+  <a:schemeClr val="accent2"/>
+  <a:schemeClr val="accent3"/>
+  <a:schemeClr val="accent4"/>
+  <a:schemeClr val="accent5"/>
+  <a:schemeClr val="accent6"/>
+  <cs:variation/>
+  <cs:variation>
+    <a:lumMod val="60000"/>
+  </cs:variation>
+  <cs:variation>
+    <a:lumMod val="80000"/>
+    <a:lumOff val="20000"/>
+  </cs:variation>
+  <cs:variation>
+    <a:lumMod val="80000"/>
+  </cs:variation>
+  <cs:variation>
+    <a:lumMod val="60000"/>
+    <a:lumOff val="40000"/>
+  </cs:variation>
+  <cs:variation>
+    <a:lumMod val="50000"/>
+  </cs:variation>
+  <cs:variation>
+    <a:lumMod val="70000"/>
+    <a:lumOff val="30000"/>
+  </cs:variation>
+  <cs:variation>
+    <a:lumMod val="70000"/>
+  </cs:variation>
+  <cs:variation>
+    <a:lumMod val="50000"/>
+    <a:lumOff val="50000"/>
+  </cs:variation>
+</cs:colorStyle>
+</file>
+
+<file path=ppt/charts/style1.xml><?xml version="1.0" encoding="utf-8"?>
+<cs:chartStyle xmlns:cs="http://schemas.microsoft.com/office/drawing/2012/chartStyle" xmlns:a="http://schemas.openxmlformats.org/drawingml/2006/main" id="201">
+  <cs:axisTitle>
+    <cs:lnRef idx="0"/>
+    <cs:fillRef idx="0"/>
+    <cs:effectRef idx="0"/>
+    <cs:fontRef idx="minor">
+      <a:schemeClr val="tx1">
+        <a:lumMod val="65000"/>
+        <a:lumOff val="35000"/>
+      </a:schemeClr>
+    </cs:fontRef>
+    <cs:defRPr sz="1330" kern="1200"/>
+  </cs:axisTitle>
+  <cs:categoryAxis>
+    <cs:lnRef idx="0"/>
+    <cs:fillRef idx="0"/>
+    <cs:effectRef idx="0"/>
+    <cs:fontRef idx="minor">
+      <a:schemeClr val="tx1">
+        <a:lumMod val="65000"/>
+        <a:lumOff val="35000"/>
+      </a:schemeClr>
+    </cs:fontRef>
+    <cs:spPr>
+      <a:ln w="9525" cap="flat" cmpd="sng" algn="ctr">
+        <a:solidFill>
+          <a:schemeClr val="tx1">
+            <a:lumMod val="15000"/>
+            <a:lumOff val="85000"/>
+          </a:schemeClr>
+        </a:solidFill>
+        <a:round/>
+      </a:ln>
+    </cs:spPr>
+    <cs:defRPr sz="1197" kern="1200"/>
+  </cs:categoryAxis>
+  <cs:chartArea mods="allowNoFillOverride allowNoLineOverride">
+    <cs:lnRef idx="0"/>
+    <cs:fillRef idx="0"/>
+    <cs:effectRef idx="0"/>
+    <cs:fontRef idx="minor">
+      <a:schemeClr val="tx1"/>
+    </cs:fontRef>
+    <cs:spPr>
+      <a:solidFill>
+        <a:schemeClr val="bg1"/>
+      </a:solidFill>
+      <a:ln w="9525" cap="flat" cmpd="sng" algn="ctr">
+        <a:solidFill>
+          <a:schemeClr val="tx1">
+            <a:lumMod val="15000"/>
+            <a:lumOff val="85000"/>
+          </a:schemeClr>
+        </a:solidFill>
+        <a:round/>
+      </a:ln>
+    </cs:spPr>
+    <cs:defRPr sz="1330" kern="1200"/>
+  </cs:chartArea>
+  <cs:dataLabel>
+    <cs:lnRef idx="0"/>
+    <cs:fillRef idx="0"/>
+    <cs:effectRef idx="0"/>
+    <cs:fontRef idx="minor">
+      <a:schemeClr val="tx1">
+        <a:lumMod val="75000"/>
+        <a:lumOff val="25000"/>
+      </a:schemeClr>
+    </cs:fontRef>
+    <cs:defRPr sz="1197" kern="1200"/>
+  </cs:dataLabel>
+  <cs:dataLabelCallout>
+    <cs:lnRef idx="0"/>
+    <cs:fillRef idx="0"/>
+    <cs:effectRef idx="0"/>
+    <cs:fontRef idx="minor">
+      <a:schemeClr val="dk1">
+        <a:lumMod val="65000"/>
+        <a:lumOff val="35000"/>
+      </a:schemeClr>
+    </cs:fontRef>
+    <cs:spPr>
+      <a:solidFill>
+        <a:schemeClr val="lt1"/>
+      </a:solidFill>
+      <a:ln>
+        <a:solidFill>
+          <a:schemeClr val="dk1">
+            <a:lumMod val="25000"/>
+            <a:lumOff val="75000"/>
+          </a:schemeClr>
+        </a:solidFill>
+      </a:ln>
+    </cs:spPr>
+    <cs:defRPr sz="1197" kern="1200"/>
+    <cs:bodyPr rot="0" spcFirstLastPara="1" vertOverflow="clip" horzOverflow="clip" vert="horz" wrap="square" lIns="36576" tIns="18288" rIns="36576" bIns="18288" anchor="ctr" anchorCtr="1">
+      <a:spAutoFit/>
+    </cs:bodyPr>
+  </cs:dataLabelCallout>
+  <cs:dataPoint>
+    <cs:lnRef idx="0"/>
+    <cs:fillRef idx="1">
+      <cs:styleClr val="auto"/>
+    </cs:fillRef>
+    <cs:effectRef idx="0"/>
+    <cs:fontRef idx="minor">
+      <a:schemeClr val="tx1"/>
+    </cs:fontRef>
+  </cs:dataPoint>
+  <cs:dataPoint3D>
+    <cs:lnRef idx="0"/>
+    <cs:fillRef idx="1">
+      <cs:styleClr val="auto"/>
+    </cs:fillRef>
+    <cs:effectRef idx="0"/>
+    <cs:fontRef idx="minor">
+      <a:schemeClr val="tx1"/>
+    </cs:fontRef>
+  </cs:dataPoint3D>
+  <cs:dataPointLine>
+    <cs:lnRef idx="0">
+      <cs:styleClr val="auto"/>
+    </cs:lnRef>
+    <cs:fillRef idx="1"/>
+    <cs:effectRef idx="0"/>
+    <cs:fontRef idx="minor">
+      <a:schemeClr val="tx1"/>
+    </cs:fontRef>
+    <cs:spPr>
+      <a:ln w="28575" cap="rnd">
+        <a:solidFill>
+          <a:schemeClr val="phClr"/>
+        </a:solidFill>
+        <a:round/>
+      </a:ln>
+    </cs:spPr>
+  </cs:dataPointLine>
+  <cs:dataPointMarker>
+    <cs:lnRef idx="0">
+      <cs:styleClr val="auto"/>
+    </cs:lnRef>
+    <cs:fillRef idx="1">
+      <cs:styleClr val="auto"/>
+    </cs:fillRef>
+    <cs:effectRef idx="0"/>
+    <cs:fontRef idx="minor">
+      <a:schemeClr val="tx1"/>
+    </cs:fontRef>
+    <cs:spPr>
+      <a:ln w="9525">
+        <a:solidFill>
+          <a:schemeClr val="phClr"/>
+        </a:solidFill>
+      </a:ln>
+    </cs:spPr>
+  </cs:dataPointMarker>
+  <cs:dataPointMarkerLayout symbol="circle" size="5"/>
+  <cs:dataPointWireframe>
+    <cs:lnRef idx="0">
+      <cs:styleClr val="auto"/>
+    </cs:lnRef>
+    <cs:fillRef idx="1"/>
+    <cs:effectRef idx="0"/>
+    <cs:fontRef idx="minor">
+      <a:schemeClr val="tx1"/>
+    </cs:fontRef>
+    <cs:spPr>
+      <a:ln w="9525" cap="rnd">
+        <a:solidFill>
+          <a:schemeClr val="phClr"/>
+        </a:solidFill>
+        <a:round/>
+      </a:ln>
+    </cs:spPr>
+  </cs:dataPointWireframe>
+  <cs:dataTable>
+    <cs:lnRef idx="0"/>
+    <cs:fillRef idx="0"/>
+    <cs:effectRef idx="0"/>
+    <cs:fontRef idx="minor">
+      <a:schemeClr val="tx1">
+        <a:lumMod val="65000"/>
+        <a:lumOff val="35000"/>
+      </a:schemeClr>
+    </cs:fontRef>
+    <cs:spPr>
+      <a:noFill/>
+      <a:ln w="9525" cap="flat" cmpd="sng" algn="ctr">
+        <a:solidFill>
+          <a:schemeClr val="tx1">
+            <a:lumMod val="15000"/>
+            <a:lumOff val="85000"/>
+          </a:schemeClr>
+        </a:solidFill>
+        <a:round/>
+      </a:ln>
+    </cs:spPr>
+    <cs:defRPr sz="1197" kern="1200"/>
+  </cs:dataTable>
+  <cs:downBar>
+    <cs:lnRef idx="0"/>
+    <cs:fillRef idx="0"/>
+    <cs:effectRef idx="0"/>
+    <cs:fontRef idx="minor">
+      <a:schemeClr val="dk1"/>
+    </cs:fontRef>
+    <cs:spPr>
+      <a:solidFill>
+        <a:schemeClr val="dk1">
+          <a:lumMod val="65000"/>
+          <a:lumOff val="35000"/>
+        </a:schemeClr>
+      </a:solidFill>
+      <a:ln w="9525">
+        <a:solidFill>
+          <a:schemeClr val="tx1">
+            <a:lumMod val="65000"/>
+            <a:lumOff val="35000"/>
+          </a:schemeClr>
+        </a:solidFill>
+      </a:ln>
+    </cs:spPr>
+  </cs:downBar>
+  <cs:dropLine>
+    <cs:lnRef idx="0"/>
+    <cs:fillRef idx="0"/>
+    <cs:effectRef idx="0"/>
+    <cs:fontRef idx="minor">
+      <a:schemeClr val="tx1"/>
+    </cs:fontRef>
+    <cs:spPr>
+      <a:ln w="9525" cap="flat" cmpd="sng" algn="ctr">
+        <a:solidFill>
+          <a:schemeClr val="tx1">
+            <a:lumMod val="35000"/>
+            <a:lumOff val="65000"/>
+          </a:schemeClr>
+        </a:solidFill>
+        <a:round/>
+      </a:ln>
+    </cs:spPr>
+  </cs:dropLine>
+  <cs:errorBar>
+    <cs:lnRef idx="0"/>
+    <cs:fillRef idx="0"/>
+    <cs:effectRef idx="0"/>
+    <cs:fontRef idx="minor">
+      <a:schemeClr val="tx1"/>
+    </cs:fontRef>
+    <cs:spPr>
+      <a:ln w="9525" cap="flat" cmpd="sng" algn="ctr">
+        <a:solidFill>
+          <a:schemeClr val="tx1">
+            <a:lumMod val="65000"/>
+            <a:lumOff val="35000"/>
+          </a:schemeClr>
+        </a:solidFill>
+        <a:round/>
+      </a:ln>
+    </cs:spPr>
+  </cs:errorBar>
+  <cs:floor>
+    <cs:lnRef idx="0"/>
+    <cs:fillRef idx="0"/>
+    <cs:effectRef idx="0"/>
+    <cs:fontRef idx="minor">
+      <a:schemeClr val="tx1"/>
+    </cs:fontRef>
+    <cs:spPr>
+      <a:noFill/>
+      <a:ln>
+        <a:noFill/>
+      </a:ln>
+    </cs:spPr>
+  </cs:floor>
+  <cs:gridlineMajor>
+    <cs:lnRef idx="0"/>
+    <cs:fillRef idx="0"/>
+    <cs:effectRef idx="0"/>
+    <cs:fontRef idx="minor">
+      <a:schemeClr val="tx1"/>
+    </cs:fontRef>
+    <cs:spPr>
+      <a:ln w="9525" cap="flat" cmpd="sng" algn="ctr">
+        <a:solidFill>
+          <a:schemeClr val="tx1">
+            <a:lumMod val="15000"/>
+            <a:lumOff val="85000"/>
+          </a:schemeClr>
+        </a:solidFill>
+        <a:round/>
+      </a:ln>
+    </cs:spPr>
+  </cs:gridlineMajor>
+  <cs:gridlineMinor>
+    <cs:lnRef idx="0"/>
+    <cs:fillRef idx="0"/>
+    <cs:effectRef idx="0"/>
+    <cs:fontRef idx="minor">
+      <a:schemeClr val="tx1"/>
+    </cs:fontRef>
+    <cs:spPr>
+      <a:ln w="9525" cap="flat" cmpd="sng" algn="ctr">
+        <a:solidFill>
+          <a:schemeClr val="tx1">
+            <a:lumMod val="5000"/>
+            <a:lumOff val="95000"/>
+          </a:schemeClr>
+        </a:solidFill>
+        <a:round/>
+      </a:ln>
+    </cs:spPr>
+  </cs:gridlineMinor>
+  <cs:hiLoLine>
+    <cs:lnRef idx="0"/>
+    <cs:fillRef idx="0"/>
+    <cs:effectRef idx="0"/>
+    <cs:fontRef idx="minor">
+      <a:schemeClr val="tx1"/>
+    </cs:fontRef>
+    <cs:spPr>
+      <a:ln w="9525" cap="flat" cmpd="sng" algn="ctr">
+        <a:solidFill>
+          <a:schemeClr val="tx1">
+            <a:lumMod val="75000"/>
+            <a:lumOff val="25000"/>
+          </a:schemeClr>
+        </a:solidFill>
+        <a:round/>
+      </a:ln>
+    </cs:spPr>
+  </cs:hiLoLine>
+  <cs:leaderLine>
+    <cs:lnRef idx="0"/>
+    <cs:fillRef idx="0"/>
+    <cs:effectRef idx="0"/>
+    <cs:fontRef idx="minor">
+      <a:schemeClr val="tx1"/>
+    </cs:fontRef>
+    <cs:spPr>
+      <a:ln w="9525" cap="flat" cmpd="sng" algn="ctr">
+        <a:solidFill>
+          <a:schemeClr val="tx1">
+            <a:lumMod val="35000"/>
+            <a:lumOff val="65000"/>
+          </a:schemeClr>
+        </a:solidFill>
+        <a:round/>
+      </a:ln>
+    </cs:spPr>
+  </cs:leaderLine>
+  <cs:legend>
+    <cs:lnRef idx="0"/>
+    <cs:fillRef idx="0"/>
+    <cs:effectRef idx="0"/>
+    <cs:fontRef idx="minor">
+      <a:schemeClr val="tx1">
+        <a:lumMod val="65000"/>
+        <a:lumOff val="35000"/>
+      </a:schemeClr>
+    </cs:fontRef>
+    <cs:defRPr sz="1197" kern="1200"/>
+  </cs:legend>
+  <cs:plotArea mods="allowNoFillOverride allowNoLineOverride">
+    <cs:lnRef idx="0"/>
+    <cs:fillRef idx="0"/>
+    <cs:effectRef idx="0"/>
+    <cs:fontRef idx="minor">
+      <a:schemeClr val="tx1"/>
+    </cs:fontRef>
+  </cs:plotArea>
+  <cs:plotArea3D mods="allowNoFillOverride allowNoLineOverride">
+    <cs:lnRef idx="0"/>
+    <cs:fillRef idx="0"/>
+    <cs:effectRef idx="0"/>
+    <cs:fontRef idx="minor">
+      <a:schemeClr val="tx1"/>
+    </cs:fontRef>
+  </cs:plotArea3D>
+  <cs:seriesAxis>
+    <cs:lnRef idx="0"/>
+    <cs:fillRef idx="0"/>
+    <cs:effectRef idx="0"/>
+    <cs:fontRef idx="minor">
+      <a:schemeClr val="tx1">
+        <a:lumMod val="65000"/>
+        <a:lumOff val="35000"/>
+      </a:schemeClr>
+    </cs:fontRef>
+    <cs:defRPr sz="1197" kern="1200"/>
+  </cs:seriesAxis>
+  <cs:seriesLine>
+    <cs:lnRef idx="0"/>
+    <cs:fillRef idx="0"/>
+    <cs:effectRef idx="0"/>
+    <cs:fontRef idx="minor">
+      <a:schemeClr val="tx1"/>
+    </cs:fontRef>
+    <cs:spPr>
+      <a:ln w="9525" cap="flat" cmpd="sng" algn="ctr">
+        <a:solidFill>
+          <a:schemeClr val="tx1">
+            <a:lumMod val="35000"/>
+            <a:lumOff val="65000"/>
+          </a:schemeClr>
+        </a:solidFill>
+        <a:round/>
+      </a:ln>
+    </cs:spPr>
+  </cs:seriesLine>
+  <cs:title>
+    <cs:lnRef idx="0"/>
+    <cs:fillRef idx="0"/>
+    <cs:effectRef idx="0"/>
+    <cs:fontRef idx="minor">
+      <a:schemeClr val="tx1">
+        <a:lumMod val="65000"/>
+        <a:lumOff val="35000"/>
+      </a:schemeClr>
+    </cs:fontRef>
+    <cs:defRPr sz="1862" b="0" kern="1200" spc="0" baseline="0"/>
+  </cs:title>
+  <cs:trendline>
+    <cs:lnRef idx="0">
+      <cs:styleClr val="auto"/>
+    </cs:lnRef>
+    <cs:fillRef idx="0"/>
+    <cs:effectRef idx="0"/>
+    <cs:fontRef idx="minor">
+      <a:schemeClr val="tx1"/>
+    </cs:fontRef>
+    <cs:spPr>
+      <a:ln w="19050" cap="rnd">
+        <a:solidFill>
+          <a:schemeClr val="phClr"/>
+        </a:solidFill>
+        <a:prstDash val="sysDot"/>
+      </a:ln>
+    </cs:spPr>
+  </cs:trendline>
+  <cs:trendlineLabel>
+    <cs:lnRef idx="0"/>
+    <cs:fillRef idx="0"/>
+    <cs:effectRef idx="0"/>
+    <cs:fontRef idx="minor">
+      <a:schemeClr val="tx1">
+        <a:lumMod val="65000"/>
+        <a:lumOff val="35000"/>
+      </a:schemeClr>
+    </cs:fontRef>
+    <cs:defRPr sz="1197" kern="1200"/>
+  </cs:trendlineLabel>
+  <cs:upBar>
+    <cs:lnRef idx="0"/>
+    <cs:fillRef idx="0"/>
+    <cs:effectRef idx="0"/>
+    <cs:fontRef idx="minor">
+      <a:schemeClr val="dk1"/>
+    </cs:fontRef>
+    <cs:spPr>
+      <a:solidFill>
+        <a:schemeClr val="lt1"/>
+      </a:solidFill>
+      <a:ln w="9525">
+        <a:solidFill>
+          <a:schemeClr val="tx1">
+            <a:lumMod val="15000"/>
+            <a:lumOff val="85000"/>
+          </a:schemeClr>
+        </a:solidFill>
+      </a:ln>
+    </cs:spPr>
+  </cs:upBar>
+  <cs:valueAxis>
+    <cs:lnRef idx="0"/>
+    <cs:fillRef idx="0"/>
+    <cs:effectRef idx="0"/>
+    <cs:fontRef idx="minor">
+      <a:schemeClr val="tx1">
+        <a:lumMod val="65000"/>
+        <a:lumOff val="35000"/>
+      </a:schemeClr>
+    </cs:fontRef>
+    <cs:defRPr sz="1197" kern="1200"/>
+  </cs:valueAxis>
+  <cs:wall>
+    <cs:lnRef idx="0"/>
+    <cs:fillRef idx="0"/>
+    <cs:effectRef idx="0"/>
+    <cs:fontRef idx="minor">
+      <a:schemeClr val="tx1"/>
+    </cs:fontRef>
+    <cs:spPr>
+      <a:noFill/>
+      <a:ln>
+        <a:noFill/>
+      </a:ln>
+    </cs:spPr>
+  </cs:wall>
+</cs:chartStyle>
+</file>
+
+<file path=ppt/charts/style2.xml><?xml version="1.0" encoding="utf-8"?>
+<cs:chartStyle xmlns:cs="http://schemas.microsoft.com/office/drawing/2012/chartStyle" xmlns:a="http://schemas.openxmlformats.org/drawingml/2006/main" id="201">
+  <cs:axisTitle>
+    <cs:lnRef idx="0"/>
+    <cs:fillRef idx="0"/>
+    <cs:effectRef idx="0"/>
+    <cs:fontRef idx="minor">
+      <a:schemeClr val="tx1">
+        <a:lumMod val="65000"/>
+        <a:lumOff val="35000"/>
+      </a:schemeClr>
+    </cs:fontRef>
+    <cs:defRPr sz="1330" kern="1200"/>
+  </cs:axisTitle>
+  <cs:categoryAxis>
+    <cs:lnRef idx="0"/>
+    <cs:fillRef idx="0"/>
+    <cs:effectRef idx="0"/>
+    <cs:fontRef idx="minor">
+      <a:schemeClr val="tx1">
+        <a:lumMod val="65000"/>
+        <a:lumOff val="35000"/>
+      </a:schemeClr>
+    </cs:fontRef>
+    <cs:spPr>
+      <a:ln w="9525" cap="flat" cmpd="sng" algn="ctr">
+        <a:solidFill>
+          <a:schemeClr val="tx1">
+            <a:lumMod val="15000"/>
+            <a:lumOff val="85000"/>
+          </a:schemeClr>
+        </a:solidFill>
+        <a:round/>
+      </a:ln>
+    </cs:spPr>
+    <cs:defRPr sz="1197" kern="1200"/>
+  </cs:categoryAxis>
+  <cs:chartArea mods="allowNoFillOverride allowNoLineOverride">
+    <cs:lnRef idx="0"/>
+    <cs:fillRef idx="0"/>
+    <cs:effectRef idx="0"/>
+    <cs:fontRef idx="minor">
+      <a:schemeClr val="tx1"/>
+    </cs:fontRef>
+    <cs:spPr>
+      <a:solidFill>
+        <a:schemeClr val="bg1"/>
+      </a:solidFill>
+      <a:ln w="9525" cap="flat" cmpd="sng" algn="ctr">
+        <a:solidFill>
+          <a:schemeClr val="tx1">
+            <a:lumMod val="15000"/>
+            <a:lumOff val="85000"/>
+          </a:schemeClr>
+        </a:solidFill>
+        <a:round/>
+      </a:ln>
+    </cs:spPr>
+    <cs:defRPr sz="1330" kern="1200"/>
+  </cs:chartArea>
+  <cs:dataLabel>
+    <cs:lnRef idx="0"/>
+    <cs:fillRef idx="0"/>
+    <cs:effectRef idx="0"/>
+    <cs:fontRef idx="minor">
+      <a:schemeClr val="tx1">
+        <a:lumMod val="75000"/>
+        <a:lumOff val="25000"/>
+      </a:schemeClr>
+    </cs:fontRef>
+    <cs:defRPr sz="1197" kern="1200"/>
+  </cs:dataLabel>
+  <cs:dataLabelCallout>
+    <cs:lnRef idx="0"/>
+    <cs:fillRef idx="0"/>
+    <cs:effectRef idx="0"/>
+    <cs:fontRef idx="minor">
+      <a:schemeClr val="dk1">
+        <a:lumMod val="65000"/>
+        <a:lumOff val="35000"/>
+      </a:schemeClr>
+    </cs:fontRef>
+    <cs:spPr>
+      <a:solidFill>
+        <a:schemeClr val="lt1"/>
+      </a:solidFill>
+      <a:ln>
+        <a:solidFill>
+          <a:schemeClr val="dk1">
+            <a:lumMod val="25000"/>
+            <a:lumOff val="75000"/>
+          </a:schemeClr>
+        </a:solidFill>
+      </a:ln>
+    </cs:spPr>
+    <cs:defRPr sz="1197" kern="1200"/>
+    <cs:bodyPr rot="0" spcFirstLastPara="1" vertOverflow="clip" horzOverflow="clip" vert="horz" wrap="square" lIns="36576" tIns="18288" rIns="36576" bIns="18288" anchor="ctr" anchorCtr="1">
+      <a:spAutoFit/>
+    </cs:bodyPr>
+  </cs:dataLabelCallout>
+  <cs:dataPoint>
+    <cs:lnRef idx="0"/>
+    <cs:fillRef idx="1">
+      <cs:styleClr val="auto"/>
+    </cs:fillRef>
+    <cs:effectRef idx="0"/>
+    <cs:fontRef idx="minor">
+      <a:schemeClr val="tx1"/>
+    </cs:fontRef>
+  </cs:dataPoint>
+  <cs:dataPoint3D>
+    <cs:lnRef idx="0"/>
+    <cs:fillRef idx="1">
+      <cs:styleClr val="auto"/>
+    </cs:fillRef>
+    <cs:effectRef idx="0"/>
+    <cs:fontRef idx="minor">
+      <a:schemeClr val="tx1"/>
+    </cs:fontRef>
+  </cs:dataPoint3D>
+  <cs:dataPointLine>
+    <cs:lnRef idx="0">
+      <cs:styleClr val="auto"/>
+    </cs:lnRef>
+    <cs:fillRef idx="1"/>
+    <cs:effectRef idx="0"/>
+    <cs:fontRef idx="minor">
+      <a:schemeClr val="tx1"/>
+    </cs:fontRef>
+    <cs:spPr>
+      <a:ln w="28575" cap="rnd">
+        <a:solidFill>
+          <a:schemeClr val="phClr"/>
+        </a:solidFill>
+        <a:round/>
+      </a:ln>
+    </cs:spPr>
+  </cs:dataPointLine>
+  <cs:dataPointMarker>
+    <cs:lnRef idx="0">
+      <cs:styleClr val="auto"/>
+    </cs:lnRef>
+    <cs:fillRef idx="1">
+      <cs:styleClr val="auto"/>
+    </cs:fillRef>
+    <cs:effectRef idx="0"/>
+    <cs:fontRef idx="minor">
+      <a:schemeClr val="tx1"/>
+    </cs:fontRef>
+    <cs:spPr>
+      <a:ln w="9525">
+        <a:solidFill>
+          <a:schemeClr val="phClr"/>
+        </a:solidFill>
+      </a:ln>
+    </cs:spPr>
+  </cs:dataPointMarker>
+  <cs:dataPointMarkerLayout symbol="circle" size="5"/>
+  <cs:dataPointWireframe>
+    <cs:lnRef idx="0">
+      <cs:styleClr val="auto"/>
+    </cs:lnRef>
+    <cs:fillRef idx="1"/>
+    <cs:effectRef idx="0"/>
+    <cs:fontRef idx="minor">
+      <a:schemeClr val="tx1"/>
+    </cs:fontRef>
+    <cs:spPr>
+      <a:ln w="9525" cap="rnd">
+        <a:solidFill>
+          <a:schemeClr val="phClr"/>
+        </a:solidFill>
+        <a:round/>
+      </a:ln>
+    </cs:spPr>
+  </cs:dataPointWireframe>
+  <cs:dataTable>
+    <cs:lnRef idx="0"/>
+    <cs:fillRef idx="0"/>
+    <cs:effectRef idx="0"/>
+    <cs:fontRef idx="minor">
+      <a:schemeClr val="tx1">
+        <a:lumMod val="65000"/>
+        <a:lumOff val="35000"/>
+      </a:schemeClr>
+    </cs:fontRef>
+    <cs:spPr>
+      <a:noFill/>
+      <a:ln w="9525" cap="flat" cmpd="sng" algn="ctr">
+        <a:solidFill>
+          <a:schemeClr val="tx1">
+            <a:lumMod val="15000"/>
+            <a:lumOff val="85000"/>
+          </a:schemeClr>
+        </a:solidFill>
+        <a:round/>
+      </a:ln>
+    </cs:spPr>
+    <cs:defRPr sz="1197" kern="1200"/>
+  </cs:dataTable>
+  <cs:downBar>
+    <cs:lnRef idx="0"/>
+    <cs:fillRef idx="0"/>
+    <cs:effectRef idx="0"/>
+    <cs:fontRef idx="minor">
+      <a:schemeClr val="dk1"/>
+    </cs:fontRef>
+    <cs:spPr>
+      <a:solidFill>
+        <a:schemeClr val="dk1">
+          <a:lumMod val="65000"/>
+          <a:lumOff val="35000"/>
+        </a:schemeClr>
+      </a:solidFill>
+      <a:ln w="9525">
+        <a:solidFill>
+          <a:schemeClr val="tx1">
+            <a:lumMod val="65000"/>
+            <a:lumOff val="35000"/>
+          </a:schemeClr>
+        </a:solidFill>
+      </a:ln>
+    </cs:spPr>
+  </cs:downBar>
+  <cs:dropLine>
+    <cs:lnRef idx="0"/>
+    <cs:fillRef idx="0"/>
+    <cs:effectRef idx="0"/>
+    <cs:fontRef idx="minor">
+      <a:schemeClr val="tx1"/>
+    </cs:fontRef>
+    <cs:spPr>
+      <a:ln w="9525" cap="flat" cmpd="sng" algn="ctr">
+        <a:solidFill>
+          <a:schemeClr val="tx1">
+            <a:lumMod val="35000"/>
+            <a:lumOff val="65000"/>
+          </a:schemeClr>
+        </a:solidFill>
+        <a:round/>
+      </a:ln>
+    </cs:spPr>
+  </cs:dropLine>
+  <cs:errorBar>
+    <cs:lnRef idx="0"/>
+    <cs:fillRef idx="0"/>
+    <cs:effectRef idx="0"/>
+    <cs:fontRef idx="minor">
+      <a:schemeClr val="tx1"/>
+    </cs:fontRef>
+    <cs:spPr>
+      <a:ln w="9525" cap="flat" cmpd="sng" algn="ctr">
+        <a:solidFill>
+          <a:schemeClr val="tx1">
+            <a:lumMod val="65000"/>
+            <a:lumOff val="35000"/>
+          </a:schemeClr>
+        </a:solidFill>
+        <a:round/>
+      </a:ln>
+    </cs:spPr>
+  </cs:errorBar>
+  <cs:floor>
+    <cs:lnRef idx="0"/>
+    <cs:fillRef idx="0"/>
+    <cs:effectRef idx="0"/>
+    <cs:fontRef idx="minor">
+      <a:schemeClr val="tx1"/>
+    </cs:fontRef>
+    <cs:spPr>
+      <a:noFill/>
+      <a:ln>
+        <a:noFill/>
+      </a:ln>
+    </cs:spPr>
+  </cs:floor>
+  <cs:gridlineMajor>
+    <cs:lnRef idx="0"/>
+    <cs:fillRef idx="0"/>
+    <cs:effectRef idx="0"/>
+    <cs:fontRef idx="minor">
+      <a:schemeClr val="tx1"/>
+    </cs:fontRef>
+    <cs:spPr>
+      <a:ln w="9525" cap="flat" cmpd="sng" algn="ctr">
+        <a:solidFill>
+          <a:schemeClr val="tx1">
+            <a:lumMod val="15000"/>
+            <a:lumOff val="85000"/>
+          </a:schemeClr>
+        </a:solidFill>
+        <a:round/>
+      </a:ln>
+    </cs:spPr>
+  </cs:gridlineMajor>
+  <cs:gridlineMinor>
+    <cs:lnRef idx="0"/>
+    <cs:fillRef idx="0"/>
+    <cs:effectRef idx="0"/>
+    <cs:fontRef idx="minor">
+      <a:schemeClr val="tx1"/>
+    </cs:fontRef>
+    <cs:spPr>
+      <a:ln w="9525" cap="flat" cmpd="sng" algn="ctr">
+        <a:solidFill>
+          <a:schemeClr val="tx1">
+            <a:lumMod val="5000"/>
+            <a:lumOff val="95000"/>
+          </a:schemeClr>
+        </a:solidFill>
+        <a:round/>
+      </a:ln>
+    </cs:spPr>
+  </cs:gridlineMinor>
+  <cs:hiLoLine>
+    <cs:lnRef idx="0"/>
+    <cs:fillRef idx="0"/>
+    <cs:effectRef idx="0"/>
+    <cs:fontRef idx="minor">
+      <a:schemeClr val="tx1"/>
+    </cs:fontRef>
+    <cs:spPr>
+      <a:ln w="9525" cap="flat" cmpd="sng" algn="ctr">
+        <a:solidFill>
+          <a:schemeClr val="tx1">
+            <a:lumMod val="75000"/>
+            <a:lumOff val="25000"/>
+          </a:schemeClr>
+        </a:solidFill>
+        <a:round/>
+      </a:ln>
+    </cs:spPr>
+  </cs:hiLoLine>
+  <cs:leaderLine>
+    <cs:lnRef idx="0"/>
+    <cs:fillRef idx="0"/>
+    <cs:effectRef idx="0"/>
+    <cs:fontRef idx="minor">
+      <a:schemeClr val="tx1"/>
+    </cs:fontRef>
+    <cs:spPr>
+      <a:ln w="9525" cap="flat" cmpd="sng" algn="ctr">
+        <a:solidFill>
+          <a:schemeClr val="tx1">
+            <a:lumMod val="35000"/>
+            <a:lumOff val="65000"/>
+          </a:schemeClr>
+        </a:solidFill>
+        <a:round/>
+      </a:ln>
+    </cs:spPr>
+  </cs:leaderLine>
+  <cs:legend>
+    <cs:lnRef idx="0"/>
+    <cs:fillRef idx="0"/>
+    <cs:effectRef idx="0"/>
+    <cs:fontRef idx="minor">
+      <a:schemeClr val="tx1">
+        <a:lumMod val="65000"/>
+        <a:lumOff val="35000"/>
+      </a:schemeClr>
+    </cs:fontRef>
+    <cs:defRPr sz="1197" kern="1200"/>
+  </cs:legend>
+  <cs:plotArea mods="allowNoFillOverride allowNoLineOverride">
+    <cs:lnRef idx="0"/>
+    <cs:fillRef idx="0"/>
+    <cs:effectRef idx="0"/>
+    <cs:fontRef idx="minor">
+      <a:schemeClr val="tx1"/>
+    </cs:fontRef>
+  </cs:plotArea>
+  <cs:plotArea3D mods="allowNoFillOverride allowNoLineOverride">
+    <cs:lnRef idx="0"/>
+    <cs:fillRef idx="0"/>
+    <cs:effectRef idx="0"/>
+    <cs:fontRef idx="minor">
+      <a:schemeClr val="tx1"/>
+    </cs:fontRef>
+  </cs:plotArea3D>
+  <cs:seriesAxis>
+    <cs:lnRef idx="0"/>
+    <cs:fillRef idx="0"/>
+    <cs:effectRef idx="0"/>
+    <cs:fontRef idx="minor">
+      <a:schemeClr val="tx1">
+        <a:lumMod val="65000"/>
+        <a:lumOff val="35000"/>
+      </a:schemeClr>
+    </cs:fontRef>
+    <cs:defRPr sz="1197" kern="1200"/>
+  </cs:seriesAxis>
+  <cs:seriesLine>
+    <cs:lnRef idx="0"/>
+    <cs:fillRef idx="0"/>
+    <cs:effectRef idx="0"/>
+    <cs:fontRef idx="minor">
+      <a:schemeClr val="tx1"/>
+    </cs:fontRef>
+    <cs:spPr>
+      <a:ln w="9525" cap="flat" cmpd="sng" algn="ctr">
+        <a:solidFill>
+          <a:schemeClr val="tx1">
+            <a:lumMod val="35000"/>
+            <a:lumOff val="65000"/>
+          </a:schemeClr>
+        </a:solidFill>
+        <a:round/>
+      </a:ln>
+    </cs:spPr>
+  </cs:seriesLine>
+  <cs:title>
+    <cs:lnRef idx="0"/>
+    <cs:fillRef idx="0"/>
+    <cs:effectRef idx="0"/>
+    <cs:fontRef idx="minor">
+      <a:schemeClr val="tx1">
+        <a:lumMod val="65000"/>
+        <a:lumOff val="35000"/>
+      </a:schemeClr>
+    </cs:fontRef>
+    <cs:defRPr sz="1862" b="0" kern="1200" spc="0" baseline="0"/>
+  </cs:title>
+  <cs:trendline>
+    <cs:lnRef idx="0">
+      <cs:styleClr val="auto"/>
+    </cs:lnRef>
+    <cs:fillRef idx="0"/>
+    <cs:effectRef idx="0"/>
+    <cs:fontRef idx="minor">
+      <a:schemeClr val="tx1"/>
+    </cs:fontRef>
+    <cs:spPr>
+      <a:ln w="19050" cap="rnd">
+        <a:solidFill>
+          <a:schemeClr val="phClr"/>
+        </a:solidFill>
+        <a:prstDash val="sysDot"/>
+      </a:ln>
+    </cs:spPr>
+  </cs:trendline>
+  <cs:trendlineLabel>
+    <cs:lnRef idx="0"/>
+    <cs:fillRef idx="0"/>
+    <cs:effectRef idx="0"/>
+    <cs:fontRef idx="minor">
+      <a:schemeClr val="tx1">
+        <a:lumMod val="65000"/>
+        <a:lumOff val="35000"/>
+      </a:schemeClr>
+    </cs:fontRef>
+    <cs:defRPr sz="1197" kern="1200"/>
+  </cs:trendlineLabel>
+  <cs:upBar>
+    <cs:lnRef idx="0"/>
+    <cs:fillRef idx="0"/>
+    <cs:effectRef idx="0"/>
+    <cs:fontRef idx="minor">
+      <a:schemeClr val="dk1"/>
+    </cs:fontRef>
+    <cs:spPr>
+      <a:solidFill>
+        <a:schemeClr val="lt1"/>
+      </a:solidFill>
+      <a:ln w="9525">
+        <a:solidFill>
+          <a:schemeClr val="tx1">
+            <a:lumMod val="15000"/>
+            <a:lumOff val="85000"/>
+          </a:schemeClr>
+        </a:solidFill>
+      </a:ln>
+    </cs:spPr>
+  </cs:upBar>
+  <cs:valueAxis>
+    <cs:lnRef idx="0"/>
+    <cs:fillRef idx="0"/>
+    <cs:effectRef idx="0"/>
+    <cs:fontRef idx="minor">
+      <a:schemeClr val="tx1">
+        <a:lumMod val="65000"/>
+        <a:lumOff val="35000"/>
+      </a:schemeClr>
+    </cs:fontRef>
+    <cs:defRPr sz="1197" kern="1200"/>
+  </cs:valueAxis>
+  <cs:wall>
+    <cs:lnRef idx="0"/>
+    <cs:fillRef idx="0"/>
+    <cs:effectRef idx="0"/>
+    <cs:fontRef idx="minor">
+      <a:schemeClr val="tx1"/>
+    </cs:fontRef>
+    <cs:spPr>
+      <a:noFill/>
+      <a:ln>
+        <a:noFill/>
+      </a:ln>
+    </cs:spPr>
+  </cs:wall>
+</cs:chartStyle>
+</file>
+
+<file path=ppt/notesMasters/notesMaster1.xml><?xml version="1.0" encoding="utf-8"?>
+<p:notesMaster xmlns:a="http://schemas.openxmlformats.org/drawingml/2006/main" xmlns:r="http://schemas.openxmlformats.org/officeDocument/2006/relationships" xmlns:p="http://schemas.openxmlformats.org/presentationml/2006/main">
+  <p:cSld>
+    <p:bg>
+      <p:bgRef idx="1001">
+        <a:schemeClr val="bg1"/>
+      </p:bgRef>
+    </p:bg>
+    <p:spTree>
+      <p:nvGrpSpPr>
+        <p:cNvPr id="1" name=""/>
+        <p:cNvGrpSpPr/>
+        <p:nvPr/>
+      </p:nvGrpSpPr>
+      <p:grpSpPr>
+        <a:xfrm>
+          <a:off x="0" y="0"/>
+          <a:ext cx="0" cy="0"/>
+          <a:chOff x="0" y="0"/>
+          <a:chExt cx="0" cy="0"/>
+        </a:xfrm>
+      </p:grpSpPr>
+      <p:sp>
+        <p:nvSpPr>
+          <p:cNvPr id="2" name="Верхний колонтитул 1"/>
+          <p:cNvSpPr>
+            <a:spLocks noGrp="1"/>
+          </p:cNvSpPr>
+          <p:nvPr>
+            <p:ph type="hdr" sz="quarter"/>
+          </p:nvPr>
+        </p:nvSpPr>
+        <p:spPr>
+          <a:xfrm>
+            <a:off x="0" y="0"/>
+            <a:ext cx="2971800" cy="458788"/>
+          </a:xfrm>
+          <a:prstGeom prst="rect">
+            <a:avLst/>
+          </a:prstGeom>
+        </p:spPr>
+        <p:txBody>
+          <a:bodyPr vert="horz" lIns="91440" tIns="45720" rIns="91440" bIns="45720" rtlCol="0"/>
+          <a:lstStyle>
+            <a:lvl1pPr algn="l">
+              <a:defRPr sz="1200"/>
+            </a:lvl1pPr>
+          </a:lstStyle>
+          <a:p>
+            <a:endParaRPr lang="ru-RU"/>
+          </a:p>
+        </p:txBody>
+      </p:sp>
+      <p:sp>
+        <p:nvSpPr>
+          <p:cNvPr id="3" name="Дата 2"/>
+          <p:cNvSpPr>
+            <a:spLocks noGrp="1"/>
+          </p:cNvSpPr>
+          <p:nvPr>
+            <p:ph type="dt" idx="1"/>
+          </p:nvPr>
+        </p:nvSpPr>
+        <p:spPr>
+          <a:xfrm>
+            <a:off x="3884613" y="0"/>
+            <a:ext cx="2971800" cy="458788"/>
+          </a:xfrm>
+          <a:prstGeom prst="rect">
+            <a:avLst/>
+          </a:prstGeom>
+        </p:spPr>
+        <p:txBody>
+          <a:bodyPr vert="horz" lIns="91440" tIns="45720" rIns="91440" bIns="45720" rtlCol="0"/>
+          <a:lstStyle>
+            <a:lvl1pPr algn="r">
+              <a:defRPr sz="1200"/>
+            </a:lvl1pPr>
+          </a:lstStyle>
+          <a:p>
+            <a:fld id="{3CE73C10-3288-4520-AC93-372D0CD78A01}" type="datetimeFigureOut">
+              <a:rPr lang="ru-RU" smtClean="0"/>
+              <a:t>22.05.2018</a:t>
+            </a:fld>
+            <a:endParaRPr lang="ru-RU"/>
+          </a:p>
+        </p:txBody>
+      </p:sp>
+      <p:sp>
+        <p:nvSpPr>
+          <p:cNvPr id="4" name="Образ слайда 3"/>
+          <p:cNvSpPr>
+            <a:spLocks noGrp="1" noRot="1" noChangeAspect="1"/>
+          </p:cNvSpPr>
+          <p:nvPr>
+            <p:ph type="sldImg" idx="2"/>
+          </p:nvPr>
+        </p:nvSpPr>
+        <p:spPr>
+          <a:xfrm>
+            <a:off x="685800" y="1143000"/>
+            <a:ext cx="5486400" cy="3086100"/>
+          </a:xfrm>
+          <a:prstGeom prst="rect">
+            <a:avLst/>
+          </a:prstGeom>
+          <a:noFill/>
+          <a:ln w="12700">
+            <a:solidFill>
+              <a:prstClr val="black"/>
+            </a:solidFill>
+          </a:ln>
+        </p:spPr>
+        <p:txBody>
+          <a:bodyPr vert="horz" lIns="91440" tIns="45720" rIns="91440" bIns="45720" rtlCol="0" anchor="ctr"/>
+          <a:lstStyle/>
+          <a:p>
+            <a:endParaRPr lang="ru-RU"/>
+          </a:p>
+        </p:txBody>
+      </p:sp>
+      <p:sp>
+        <p:nvSpPr>
+          <p:cNvPr id="5" name="Заметки 4"/>
+          <p:cNvSpPr>
+            <a:spLocks noGrp="1"/>
+          </p:cNvSpPr>
+          <p:nvPr>
+            <p:ph type="body" sz="quarter" idx="3"/>
+          </p:nvPr>
+        </p:nvSpPr>
+        <p:spPr>
+          <a:xfrm>
+            <a:off x="685800" y="4400550"/>
+            <a:ext cx="5486400" cy="3600450"/>
+          </a:xfrm>
+          <a:prstGeom prst="rect">
+            <a:avLst/>
+          </a:prstGeom>
+        </p:spPr>
+        <p:txBody>
+          <a:bodyPr vert="horz" lIns="91440" tIns="45720" rIns="91440" bIns="45720" rtlCol="0"/>
+          <a:lstStyle/>
+          <a:p>
+            <a:pPr lvl="0"/>
+            <a:r>
+              <a:rPr lang="ru-RU" smtClean="0"/>
+              <a:t>Образец текста</a:t>
+            </a:r>
+          </a:p>
+          <a:p>
+            <a:pPr lvl="1"/>
+            <a:r>
+              <a:rPr lang="ru-RU" smtClean="0"/>
+              <a:t>Второй уровень</a:t>
+            </a:r>
+          </a:p>
+          <a:p>
+            <a:pPr lvl="2"/>
+            <a:r>
+              <a:rPr lang="ru-RU" smtClean="0"/>
+              <a:t>Третий уровень</a:t>
+            </a:r>
+          </a:p>
+          <a:p>
+            <a:pPr lvl="3"/>
+            <a:r>
+              <a:rPr lang="ru-RU" smtClean="0"/>
+              <a:t>Четвертый уровень</a:t>
+            </a:r>
+          </a:p>
+          <a:p>
+            <a:pPr lvl="4"/>
+            <a:r>
+              <a:rPr lang="ru-RU" smtClean="0"/>
+              <a:t>Пятый уровень</a:t>
+            </a:r>
+            <a:endParaRPr lang="ru-RU"/>
+          </a:p>
+        </p:txBody>
+      </p:sp>
+      <p:sp>
+        <p:nvSpPr>
+          <p:cNvPr id="6" name="Нижний колонтитул 5"/>
+          <p:cNvSpPr>
+            <a:spLocks noGrp="1"/>
+          </p:cNvSpPr>
+          <p:nvPr>
+            <p:ph type="ftr" sz="quarter" idx="4"/>
+          </p:nvPr>
+        </p:nvSpPr>
+        <p:spPr>
+          <a:xfrm>
+            <a:off x="0" y="8685213"/>
+            <a:ext cx="2971800" cy="458787"/>
+          </a:xfrm>
+          <a:prstGeom prst="rect">
+            <a:avLst/>
+          </a:prstGeom>
+        </p:spPr>
+        <p:txBody>
+          <a:bodyPr vert="horz" lIns="91440" tIns="45720" rIns="91440" bIns="45720" rtlCol="0" anchor="b"/>
+          <a:lstStyle>
+            <a:lvl1pPr algn="l">
+              <a:defRPr sz="1200"/>
+            </a:lvl1pPr>
+          </a:lstStyle>
+          <a:p>
+            <a:endParaRPr lang="ru-RU"/>
+          </a:p>
+        </p:txBody>
+      </p:sp>
+      <p:sp>
+        <p:nvSpPr>
+          <p:cNvPr id="7" name="Номер слайда 6"/>
+          <p:cNvSpPr>
+            <a:spLocks noGrp="1"/>
+          </p:cNvSpPr>
+          <p:nvPr>
+            <p:ph type="sldNum" sz="quarter" idx="5"/>
+          </p:nvPr>
+        </p:nvSpPr>
+        <p:spPr>
+          <a:xfrm>
+            <a:off x="3884613" y="8685213"/>
+            <a:ext cx="2971800" cy="458787"/>
+          </a:xfrm>
+          <a:prstGeom prst="rect">
+            <a:avLst/>
+          </a:prstGeom>
+        </p:spPr>
+        <p:txBody>
+          <a:bodyPr vert="horz" lIns="91440" tIns="45720" rIns="91440" bIns="45720" rtlCol="0" anchor="b"/>
+          <a:lstStyle>
+            <a:lvl1pPr algn="r">
+              <a:defRPr sz="1200"/>
+            </a:lvl1pPr>
+          </a:lstStyle>
+          <a:p>
+            <a:fld id="{CEF568B6-59D8-4B92-AF9C-DF54DF5FD17A}" type="slidenum">
+              <a:rPr lang="ru-RU" smtClean="0"/>
+              <a:t>‹#›</a:t>
+            </a:fld>
+            <a:endParaRPr lang="ru-RU"/>
+          </a:p>
+        </p:txBody>
+      </p:sp>
+    </p:spTree>
+    <p:extLst>
+      <p:ext uri="{BB962C8B-B14F-4D97-AF65-F5344CB8AC3E}">
+        <p14:creationId xmlns:p14="http://schemas.microsoft.com/office/powerpoint/2010/main" val="1964110320"/>
+      </p:ext>
+    </p:extLst>
+  </p:cSld>
+  <p:clrMap bg1="lt1" tx1="dk1" bg2="lt2" tx2="dk2" accent1="accent1" accent2="accent2" accent3="accent3" accent4="accent4" accent5="accent5" accent6="accent6" hlink="hlink" folHlink="folHlink"/>
+  <p:notesStyle>
+    <a:lvl1pPr marL="0" algn="l" defTabSz="914400" rtl="0" eaLnBrk="1" latinLnBrk="0" hangingPunct="1">
+      <a:defRPr sz="1200" kern="1200">
+        <a:solidFill>
+          <a:schemeClr val="tx1"/>
+        </a:solidFill>
+        <a:latin typeface="+mn-lt"/>
+        <a:ea typeface="+mn-ea"/>
+        <a:cs typeface="+mn-cs"/>
+      </a:defRPr>
+    </a:lvl1pPr>
+    <a:lvl2pPr marL="457200" algn="l" defTabSz="914400" rtl="0" eaLnBrk="1" latinLnBrk="0" hangingPunct="1">
+      <a:defRPr sz="1200" kern="1200">
+        <a:solidFill>
+          <a:schemeClr val="tx1"/>
+        </a:solidFill>
+        <a:latin typeface="+mn-lt"/>
+        <a:ea typeface="+mn-ea"/>
+        <a:cs typeface="+mn-cs"/>
+      </a:defRPr>
+    </a:lvl2pPr>
+    <a:lvl3pPr marL="914400" algn="l" defTabSz="914400" rtl="0" eaLnBrk="1" latinLnBrk="0" hangingPunct="1">
+      <a:defRPr sz="1200" kern="1200">
+        <a:solidFill>
+          <a:schemeClr val="tx1"/>
+        </a:solidFill>
+        <a:latin typeface="+mn-lt"/>
+        <a:ea typeface="+mn-ea"/>
+        <a:cs typeface="+mn-cs"/>
+      </a:defRPr>
+    </a:lvl3pPr>
+    <a:lvl4pPr marL="1371600" algn="l" defTabSz="914400" rtl="0" eaLnBrk="1" latinLnBrk="0" hangingPunct="1">
+      <a:defRPr sz="1200" kern="1200">
+        <a:solidFill>
+          <a:schemeClr val="tx1"/>
+        </a:solidFill>
+        <a:latin typeface="+mn-lt"/>
+        <a:ea typeface="+mn-ea"/>
+        <a:cs typeface="+mn-cs"/>
+      </a:defRPr>
+    </a:lvl4pPr>
+    <a:lvl5pPr marL="1828800" algn="l" defTabSz="914400" rtl="0" eaLnBrk="1" latinLnBrk="0" hangingPunct="1">
+      <a:defRPr sz="1200" kern="1200">
+        <a:solidFill>
+          <a:schemeClr val="tx1"/>
+        </a:solidFill>
+        <a:latin typeface="+mn-lt"/>
+        <a:ea typeface="+mn-ea"/>
+        <a:cs typeface="+mn-cs"/>
+      </a:defRPr>
+    </a:lvl5pPr>
+    <a:lvl6pPr marL="2286000" algn="l" defTabSz="914400" rtl="0" eaLnBrk="1" latinLnBrk="0" hangingPunct="1">
+      <a:defRPr sz="1200" kern="1200">
+        <a:solidFill>
+          <a:schemeClr val="tx1"/>
+        </a:solidFill>
+        <a:latin typeface="+mn-lt"/>
+        <a:ea typeface="+mn-ea"/>
+        <a:cs typeface="+mn-cs"/>
+      </a:defRPr>
+    </a:lvl6pPr>
+    <a:lvl7pPr marL="2743200" algn="l" defTabSz="914400" rtl="0" eaLnBrk="1" latinLnBrk="0" hangingPunct="1">
+      <a:defRPr sz="1200" kern="1200">
+        <a:solidFill>
+          <a:schemeClr val="tx1"/>
+        </a:solidFill>
+        <a:latin typeface="+mn-lt"/>
+        <a:ea typeface="+mn-ea"/>
+        <a:cs typeface="+mn-cs"/>
+      </a:defRPr>
+    </a:lvl7pPr>
+    <a:lvl8pPr marL="3200400" algn="l" defTabSz="914400" rtl="0" eaLnBrk="1" latinLnBrk="0" hangingPunct="1">
+      <a:defRPr sz="1200" kern="1200">
+        <a:solidFill>
+          <a:schemeClr val="tx1"/>
+        </a:solidFill>
+        <a:latin typeface="+mn-lt"/>
+        <a:ea typeface="+mn-ea"/>
+        <a:cs typeface="+mn-cs"/>
+      </a:defRPr>
+    </a:lvl8pPr>
+    <a:lvl9pPr marL="3657600" algn="l" defTabSz="914400" rtl="0" eaLnBrk="1" latinLnBrk="0" hangingPunct="1">
+      <a:defRPr sz="1200" kern="1200">
+        <a:solidFill>
+          <a:schemeClr val="tx1"/>
+        </a:solidFill>
+        <a:latin typeface="+mn-lt"/>
+        <a:ea typeface="+mn-ea"/>
+        <a:cs typeface="+mn-cs"/>
+      </a:defRPr>
+    </a:lvl9pPr>
+  </p:notesStyle>
+</p:notesMaster>
+</file>
+
+<file path=ppt/notesSlides/notesSlide1.xml><?xml version="1.0" encoding="utf-8"?>
+<p:notes xmlns:a="http://schemas.openxmlformats.org/drawingml/2006/main" xmlns:r="http://schemas.openxmlformats.org/officeDocument/2006/relationships" xmlns:p="http://schemas.openxmlformats.org/presentationml/2006/main">
+  <p:cSld>
+    <p:spTree>
+      <p:nvGrpSpPr>
+        <p:cNvPr id="1" name=""/>
+        <p:cNvGrpSpPr/>
+        <p:nvPr/>
+      </p:nvGrpSpPr>
+      <p:grpSpPr>
+        <a:xfrm>
+          <a:off x="0" y="0"/>
+          <a:ext cx="0" cy="0"/>
+          <a:chOff x="0" y="0"/>
+          <a:chExt cx="0" cy="0"/>
+        </a:xfrm>
+      </p:grpSpPr>
+      <p:sp>
+        <p:nvSpPr>
+          <p:cNvPr id="2" name="Образ слайда 1"/>
+          <p:cNvSpPr>
+            <a:spLocks noGrp="1" noRot="1" noChangeAspect="1"/>
+          </p:cNvSpPr>
+          <p:nvPr>
+            <p:ph type="sldImg"/>
+          </p:nvPr>
+        </p:nvSpPr>
+        <p:spPr/>
+      </p:sp>
+      <p:sp>
+        <p:nvSpPr>
+          <p:cNvPr id="3" name="Заметки 2"/>
+          <p:cNvSpPr>
+            <a:spLocks noGrp="1"/>
+          </p:cNvSpPr>
+          <p:nvPr>
+            <p:ph type="body" idx="1"/>
+          </p:nvPr>
+        </p:nvSpPr>
+        <p:spPr/>
+        <p:txBody>
+          <a:bodyPr/>
+          <a:lstStyle/>
+          <a:p>
+            <a:r>
+              <a:rPr lang="ru-RU" dirty="0" smtClean="0"/>
+              <a:t>Любой звук можно представить как сумму гармонических колебаний с разными частотами и фазами</a:t>
+            </a:r>
+          </a:p>
+          <a:p>
+            <a:r>
+              <a:rPr lang="ru-RU" dirty="0" smtClean="0"/>
+              <a:t>Для предсказания пола использовали такие признаки звука как средняя частота, медиана частот, дисперсия и т. д.</a:t>
+            </a:r>
+          </a:p>
+          <a:p>
+            <a:r>
+              <a:rPr lang="ru-RU" dirty="0" smtClean="0"/>
+              <a:t>Данные о разложении звука на частоты будут использованы для определения пола</a:t>
+            </a:r>
+          </a:p>
+          <a:p>
+            <a:endParaRPr lang="ru-RU" dirty="0"/>
+          </a:p>
+        </p:txBody>
+      </p:sp>
+      <p:sp>
+        <p:nvSpPr>
+          <p:cNvPr id="4" name="Номер слайда 3"/>
+          <p:cNvSpPr>
+            <a:spLocks noGrp="1"/>
+          </p:cNvSpPr>
+          <p:nvPr>
+            <p:ph type="sldNum" sz="quarter" idx="10"/>
+          </p:nvPr>
+        </p:nvSpPr>
+        <p:spPr/>
+        <p:txBody>
+          <a:bodyPr/>
+          <a:lstStyle/>
+          <a:p>
+            <a:fld id="{CEF568B6-59D8-4B92-AF9C-DF54DF5FD17A}" type="slidenum">
+              <a:rPr lang="ru-RU" smtClean="0"/>
+              <a:t>4</a:t>
+            </a:fld>
+            <a:endParaRPr lang="ru-RU"/>
+          </a:p>
+        </p:txBody>
+      </p:sp>
+    </p:spTree>
+    <p:extLst>
+      <p:ext uri="{BB962C8B-B14F-4D97-AF65-F5344CB8AC3E}">
+        <p14:creationId xmlns:p14="http://schemas.microsoft.com/office/powerpoint/2010/main" val="3709047465"/>
+      </p:ext>
+    </p:extLst>
+  </p:cSld>
+  <p:clrMapOvr>
+    <a:masterClrMapping/>
+  </p:clrMapOvr>
+</p:notes>
+</file>
+
+<file path=ppt/notesSlides/notesSlide2.xml><?xml version="1.0" encoding="utf-8"?>
+<p:notes xmlns:a="http://schemas.openxmlformats.org/drawingml/2006/main" xmlns:r="http://schemas.openxmlformats.org/officeDocument/2006/relationships" xmlns:p="http://schemas.openxmlformats.org/presentationml/2006/main">
+  <p:cSld>
+    <p:spTree>
+      <p:nvGrpSpPr>
+        <p:cNvPr id="1" name=""/>
+        <p:cNvGrpSpPr/>
+        <p:nvPr/>
+      </p:nvGrpSpPr>
+      <p:grpSpPr>
+        <a:xfrm>
+          <a:off x="0" y="0"/>
+          <a:ext cx="0" cy="0"/>
+          <a:chOff x="0" y="0"/>
+          <a:chExt cx="0" cy="0"/>
+        </a:xfrm>
+      </p:grpSpPr>
+      <p:sp>
+        <p:nvSpPr>
+          <p:cNvPr id="2" name="Образ слайда 1"/>
+          <p:cNvSpPr>
+            <a:spLocks noGrp="1" noRot="1" noChangeAspect="1"/>
+          </p:cNvSpPr>
+          <p:nvPr>
+            <p:ph type="sldImg"/>
+          </p:nvPr>
+        </p:nvSpPr>
+        <p:spPr/>
+      </p:sp>
+      <p:sp>
+        <p:nvSpPr>
+          <p:cNvPr id="3" name="Заметки 2"/>
+          <p:cNvSpPr>
+            <a:spLocks noGrp="1"/>
+          </p:cNvSpPr>
+          <p:nvPr>
+            <p:ph type="body" idx="1"/>
+          </p:nvPr>
+        </p:nvSpPr>
+        <p:spPr/>
+        <p:txBody>
+          <a:bodyPr/>
+          <a:lstStyle/>
+          <a:p>
+            <a:r>
+              <a:rPr lang="ru-RU" dirty="0" smtClean="0"/>
+              <a:t>Модель может «</a:t>
+            </a:r>
+            <a:r>
+              <a:rPr lang="ru-RU" sz="1400" b="1" dirty="0" smtClean="0">
+                <a:solidFill>
+                  <a:schemeClr val="bg1"/>
+                </a:solidFill>
+              </a:rPr>
+              <a:t>переобучиться</a:t>
+            </a:r>
+            <a:r>
+              <a:rPr lang="ru-RU" dirty="0" smtClean="0"/>
+              <a:t>», т. е. вызубрить примеры из выборки, при этом не выучив полезные для выполнения задачи в общем случае признаки</a:t>
+            </a:r>
+          </a:p>
+          <a:p>
+            <a:r>
+              <a:rPr lang="ru-RU" dirty="0" smtClean="0"/>
+              <a:t>Для оценки качества модели данные разбиваются на две выборки: </a:t>
+            </a:r>
+            <a:r>
+              <a:rPr lang="ru-RU" sz="1400" b="1" dirty="0" smtClean="0">
+                <a:solidFill>
+                  <a:schemeClr val="bg1"/>
+                </a:solidFill>
+              </a:rPr>
+              <a:t>тренировочную</a:t>
+            </a:r>
+            <a:r>
+              <a:rPr lang="en-US" sz="1600" dirty="0" smtClean="0">
+                <a:solidFill>
+                  <a:schemeClr val="bg1"/>
+                </a:solidFill>
+              </a:rPr>
+              <a:t> </a:t>
+            </a:r>
+            <a:r>
+              <a:rPr lang="en-US" dirty="0" smtClean="0"/>
+              <a:t>(90%)</a:t>
+            </a:r>
+            <a:r>
+              <a:rPr lang="ru-RU" dirty="0" smtClean="0"/>
+              <a:t> и </a:t>
+            </a:r>
+            <a:r>
+              <a:rPr lang="ru-RU" sz="1400" b="1" dirty="0" smtClean="0">
+                <a:solidFill>
+                  <a:schemeClr val="bg1"/>
+                </a:solidFill>
+              </a:rPr>
+              <a:t>тестовую</a:t>
+            </a:r>
+            <a:r>
+              <a:rPr lang="ru-RU" dirty="0" smtClean="0">
+                <a:solidFill>
+                  <a:schemeClr val="bg1"/>
+                </a:solidFill>
+              </a:rPr>
+              <a:t> </a:t>
+            </a:r>
+            <a:r>
+              <a:rPr lang="en-US" dirty="0" smtClean="0"/>
+              <a:t>(10%)</a:t>
+            </a:r>
+            <a:r>
+              <a:rPr lang="ru-RU" dirty="0" smtClean="0"/>
+              <a:t>. Если точность модели на тестовой выборке гораздо ниже, чем на тренировочной, то это признак переобучения</a:t>
+            </a:r>
+          </a:p>
+          <a:p>
+            <a:endParaRPr lang="ru-RU" dirty="0" smtClean="0"/>
+          </a:p>
+          <a:p>
+            <a:r>
+              <a:rPr lang="ru-RU" dirty="0" smtClean="0"/>
+              <a:t>Деревья решений предсказывают пол человека из тестовой выборки с точностью </a:t>
+            </a:r>
+            <a:r>
+              <a:rPr lang="ru-RU" b="1" dirty="0" smtClean="0">
+                <a:solidFill>
+                  <a:schemeClr val="bg1"/>
+                </a:solidFill>
+              </a:rPr>
+              <a:t>86%</a:t>
+            </a:r>
+            <a:r>
+              <a:rPr lang="ru-RU" dirty="0" smtClean="0"/>
+              <a:t>, из тренировочной – </a:t>
+            </a:r>
+            <a:r>
+              <a:rPr lang="ru-RU" b="1" dirty="0" smtClean="0">
+                <a:solidFill>
+                  <a:schemeClr val="bg1"/>
+                </a:solidFill>
+              </a:rPr>
+              <a:t>99%</a:t>
+            </a:r>
+          </a:p>
+          <a:p>
+            <a:r>
+              <a:rPr lang="ru-RU" dirty="0" smtClean="0"/>
+              <a:t>Деревья сильно чувствительны к постороннему шуму</a:t>
+            </a:r>
+          </a:p>
+          <a:p>
+            <a:r>
+              <a:rPr lang="ru-RU" dirty="0" smtClean="0"/>
+              <a:t>Обработка всех частот плоха тем, что человеческий голос расположен в довольно узком интервале частот, поэтому высокочастотные и низкочастотные шумы отрицательно сказываются на точности предсказаний модели</a:t>
+            </a:r>
+          </a:p>
+          <a:p>
+            <a:endParaRPr lang="ru-RU" dirty="0"/>
+          </a:p>
+        </p:txBody>
+      </p:sp>
+      <p:sp>
+        <p:nvSpPr>
+          <p:cNvPr id="4" name="Номер слайда 3"/>
+          <p:cNvSpPr>
+            <a:spLocks noGrp="1"/>
+          </p:cNvSpPr>
+          <p:nvPr>
+            <p:ph type="sldNum" sz="quarter" idx="10"/>
+          </p:nvPr>
+        </p:nvSpPr>
+        <p:spPr/>
+        <p:txBody>
+          <a:bodyPr/>
+          <a:lstStyle/>
+          <a:p>
+            <a:fld id="{CEF568B6-59D8-4B92-AF9C-DF54DF5FD17A}" type="slidenum">
+              <a:rPr lang="ru-RU" smtClean="0"/>
+              <a:t>7</a:t>
+            </a:fld>
+            <a:endParaRPr lang="ru-RU"/>
+          </a:p>
+        </p:txBody>
+      </p:sp>
+    </p:spTree>
+    <p:extLst>
+      <p:ext uri="{BB962C8B-B14F-4D97-AF65-F5344CB8AC3E}">
+        <p14:creationId xmlns:p14="http://schemas.microsoft.com/office/powerpoint/2010/main" val="2356490136"/>
+      </p:ext>
+    </p:extLst>
+  </p:cSld>
+  <p:clrMapOvr>
+    <a:masterClrMapping/>
+  </p:clrMapOvr>
+</p:notes>
+</file>
+
+<file path=ppt/notesSlides/notesSlide3.xml><?xml version="1.0" encoding="utf-8"?>
+<p:notes xmlns:a="http://schemas.openxmlformats.org/drawingml/2006/main" xmlns:r="http://schemas.openxmlformats.org/officeDocument/2006/relationships" xmlns:p="http://schemas.openxmlformats.org/presentationml/2006/main">
+  <p:cSld>
+    <p:spTree>
+      <p:nvGrpSpPr>
+        <p:cNvPr id="1" name=""/>
+        <p:cNvGrpSpPr/>
+        <p:nvPr/>
+      </p:nvGrpSpPr>
+      <p:grpSpPr>
+        <a:xfrm>
+          <a:off x="0" y="0"/>
+          <a:ext cx="0" cy="0"/>
+          <a:chOff x="0" y="0"/>
+          <a:chExt cx="0" cy="0"/>
+        </a:xfrm>
+      </p:grpSpPr>
+      <p:sp>
+        <p:nvSpPr>
+          <p:cNvPr id="2" name="Образ слайда 1"/>
+          <p:cNvSpPr>
+            <a:spLocks noGrp="1" noRot="1" noChangeAspect="1"/>
+          </p:cNvSpPr>
+          <p:nvPr>
+            <p:ph type="sldImg"/>
+          </p:nvPr>
+        </p:nvSpPr>
+        <p:spPr/>
+      </p:sp>
+      <p:sp>
+        <p:nvSpPr>
+          <p:cNvPr id="3" name="Заметки 2"/>
+          <p:cNvSpPr>
+            <a:spLocks noGrp="1"/>
+          </p:cNvSpPr>
+          <p:nvPr>
+            <p:ph type="body" idx="1"/>
+          </p:nvPr>
+        </p:nvSpPr>
+        <p:spPr/>
+        <p:txBody>
+          <a:bodyPr/>
+          <a:lstStyle/>
+          <a:p>
+            <a:r>
+              <a:rPr lang="ru-RU" dirty="0" smtClean="0">
+                <a:solidFill>
+                  <a:schemeClr val="bg1">
+                    <a:lumMod val="95000"/>
+                  </a:schemeClr>
+                </a:solidFill>
+              </a:rPr>
+              <a:t>Для человека сила ощущения</a:t>
+            </a:r>
+            <a:r>
+              <a:rPr lang="ru-RU" dirty="0" smtClean="0"/>
+              <a:t> какого-либо раздражителя пропорциональна </a:t>
+            </a:r>
+            <a:r>
+              <a:rPr lang="ru-RU" b="1" dirty="0" smtClean="0">
+                <a:solidFill>
+                  <a:schemeClr val="bg1"/>
+                </a:solidFill>
+              </a:rPr>
+              <a:t>логарифму</a:t>
+            </a:r>
+            <a:r>
+              <a:rPr lang="ru-RU" dirty="0" smtClean="0"/>
+              <a:t> интенсивности раздражителя (закон Вебера-</a:t>
+            </a:r>
+            <a:r>
+              <a:rPr lang="ru-RU" dirty="0" err="1" smtClean="0"/>
+              <a:t>Фехнера</a:t>
+            </a:r>
+            <a:r>
+              <a:rPr lang="ru-RU" dirty="0" smtClean="0"/>
+              <a:t>)</a:t>
+            </a:r>
+          </a:p>
+          <a:p>
+            <a:r>
+              <a:rPr lang="ru-RU" dirty="0" smtClean="0"/>
+              <a:t>Поэтому для человека естественна логарифмическая шкала как частот, так и громкости звука (децибелы)</a:t>
+            </a:r>
+          </a:p>
+          <a:p>
+            <a:r>
+              <a:rPr lang="ru-RU" dirty="0" smtClean="0"/>
+              <a:t>Для соответствия человеческому восприятию используется мел-спектрограмма</a:t>
+            </a:r>
+            <a:r>
+              <a:rPr lang="en-US" dirty="0" smtClean="0"/>
+              <a:t> – </a:t>
+            </a:r>
+            <a:r>
+              <a:rPr lang="ru-RU" dirty="0" smtClean="0"/>
+              <a:t>спектрограмма с логарифмической шкалой как частот, так и амплитуд</a:t>
+            </a:r>
+          </a:p>
+          <a:p>
+            <a:endParaRPr lang="ru-RU" dirty="0"/>
+          </a:p>
+        </p:txBody>
+      </p:sp>
+      <p:sp>
+        <p:nvSpPr>
+          <p:cNvPr id="4" name="Номер слайда 3"/>
+          <p:cNvSpPr>
+            <a:spLocks noGrp="1"/>
+          </p:cNvSpPr>
+          <p:nvPr>
+            <p:ph type="sldNum" sz="quarter" idx="10"/>
+          </p:nvPr>
+        </p:nvSpPr>
+        <p:spPr/>
+        <p:txBody>
+          <a:bodyPr/>
+          <a:lstStyle/>
+          <a:p>
+            <a:fld id="{CEF568B6-59D8-4B92-AF9C-DF54DF5FD17A}" type="slidenum">
+              <a:rPr lang="ru-RU" smtClean="0"/>
+              <a:t>8</a:t>
+            </a:fld>
+            <a:endParaRPr lang="ru-RU"/>
+          </a:p>
+        </p:txBody>
+      </p:sp>
+    </p:spTree>
+    <p:extLst>
+      <p:ext uri="{BB962C8B-B14F-4D97-AF65-F5344CB8AC3E}">
+        <p14:creationId xmlns:p14="http://schemas.microsoft.com/office/powerpoint/2010/main" val="1736980333"/>
+      </p:ext>
+    </p:extLst>
+  </p:cSld>
+  <p:clrMapOvr>
+    <a:masterClrMapping/>
+  </p:clrMapOvr>
+</p:notes>
+</file>
+
+<file path=ppt/notesSlides/notesSlide4.xml><?xml version="1.0" encoding="utf-8"?>
+<p:notes xmlns:a="http://schemas.openxmlformats.org/drawingml/2006/main" xmlns:r="http://schemas.openxmlformats.org/officeDocument/2006/relationships" xmlns:p="http://schemas.openxmlformats.org/presentationml/2006/main">
+  <p:cSld>
+    <p:spTree>
+      <p:nvGrpSpPr>
+        <p:cNvPr id="1" name=""/>
+        <p:cNvGrpSpPr/>
+        <p:nvPr/>
+      </p:nvGrpSpPr>
+      <p:grpSpPr>
+        <a:xfrm>
+          <a:off x="0" y="0"/>
+          <a:ext cx="0" cy="0"/>
+          <a:chOff x="0" y="0"/>
+          <a:chExt cx="0" cy="0"/>
+        </a:xfrm>
+      </p:grpSpPr>
+      <p:sp>
+        <p:nvSpPr>
+          <p:cNvPr id="2" name="Образ слайда 1"/>
+          <p:cNvSpPr>
+            <a:spLocks noGrp="1" noRot="1" noChangeAspect="1"/>
+          </p:cNvSpPr>
+          <p:nvPr>
+            <p:ph type="sldImg"/>
+          </p:nvPr>
+        </p:nvSpPr>
+        <p:spPr/>
+      </p:sp>
+      <mc:AlternateContent xmlns:mc="http://schemas.openxmlformats.org/markup-compatibility/2006">
+        <mc:Choice xmlns:a14="http://schemas.microsoft.com/office/drawing/2010/main" Requires="a14">
+          <p:sp>
+            <p:nvSpPr>
+              <p:cNvPr id="3" name="Заметки 2"/>
+              <p:cNvSpPr>
+                <a:spLocks noGrp="1"/>
+              </p:cNvSpPr>
+              <p:nvPr>
+                <p:ph type="body" idx="1"/>
+              </p:nvPr>
+            </p:nvSpPr>
+            <p:spPr/>
+            <p:txBody>
+              <a:bodyPr/>
+              <a:lstStyle/>
+              <a:p>
+                <a:pPr marL="0" indent="0">
+                  <a:lnSpc>
+                    <a:spcPct val="100000"/>
+                  </a:lnSpc>
+                  <a:buNone/>
+                </a:pPr>
+                <a:r>
+                  <a:rPr lang="ru-RU" dirty="0" smtClean="0"/>
+                  <a:t>Архитектура сети:</a:t>
+                </a:r>
+              </a:p>
+              <a:p>
+                <a:pPr marL="514350" indent="-514350">
+                  <a:lnSpc>
+                    <a:spcPct val="100000"/>
+                  </a:lnSpc>
+                  <a:buAutoNum type="arabicPeriod"/>
+                </a:pPr>
+                <a:r>
+                  <a:rPr lang="ru-RU" dirty="0" smtClean="0"/>
+                  <a:t>На вход подаётся спектрограмма (матрица чисел)</a:t>
+                </a:r>
+              </a:p>
+              <a:p>
+                <a:pPr marL="514350" indent="-514350">
+                  <a:lnSpc>
+                    <a:spcPct val="100000"/>
+                  </a:lnSpc>
+                  <a:buAutoNum type="arabicPeriod"/>
+                </a:pPr>
+                <a:r>
+                  <a:rPr lang="ru-RU" dirty="0" smtClean="0"/>
+                  <a:t>Одномерная свёртка к строкам, соответствующим частотам (выход – матрица, параметры – ядра свёртки)</a:t>
+                </a:r>
+              </a:p>
+              <a:p>
+                <a:pPr marL="514350" indent="-514350">
+                  <a:lnSpc>
+                    <a:spcPct val="100000"/>
+                  </a:lnSpc>
+                  <a:buAutoNum type="arabicPeriod"/>
+                </a:pPr>
+                <a:r>
+                  <a:rPr lang="ru-RU" dirty="0" smtClean="0"/>
+                  <a:t>Применяем нелинейную функцию к выходу слоя </a:t>
+                </a:r>
+                <a:r>
+                  <a:rPr lang="ru-RU" dirty="0" smtClean="0">
+                    <a:solidFill>
+                      <a:schemeClr val="bg1"/>
+                    </a:solidFill>
+                  </a:rPr>
+                  <a:t>2</a:t>
+                </a:r>
+                <a:r>
+                  <a:rPr lang="ru-RU" dirty="0" smtClean="0"/>
+                  <a:t> (выход – матрица)</a:t>
+                </a:r>
+                <a:endParaRPr lang="en-US" dirty="0" smtClean="0"/>
+              </a:p>
+              <a:p>
+                <a:pPr marL="514350" indent="-514350">
+                  <a:lnSpc>
+                    <a:spcPct val="100000"/>
+                  </a:lnSpc>
+                  <a:buAutoNum type="arabicPeriod"/>
+                </a:pPr>
+                <a:r>
+                  <a:rPr lang="ru-RU" dirty="0" smtClean="0"/>
+                  <a:t>Одномерная свёртка как в слое </a:t>
+                </a:r>
+                <a:r>
+                  <a:rPr lang="ru-RU" dirty="0" smtClean="0">
+                    <a:solidFill>
+                      <a:schemeClr val="bg1"/>
+                    </a:solidFill>
+                  </a:rPr>
+                  <a:t>2</a:t>
+                </a:r>
+                <a:r>
+                  <a:rPr lang="ru-RU" dirty="0" smtClean="0"/>
+                  <a:t> к слою </a:t>
+                </a:r>
+                <a:r>
+                  <a:rPr lang="ru-RU" dirty="0" smtClean="0">
+                    <a:solidFill>
+                      <a:schemeClr val="bg1"/>
+                    </a:solidFill>
+                  </a:rPr>
+                  <a:t>3</a:t>
+                </a:r>
+              </a:p>
+              <a:p>
+                <a:pPr marL="514350" indent="-514350">
+                  <a:lnSpc>
+                    <a:spcPct val="100000"/>
+                  </a:lnSpc>
+                  <a:buAutoNum type="arabicPeriod"/>
+                </a:pPr>
+                <a:r>
+                  <a:rPr lang="ru-RU" dirty="0" smtClean="0"/>
+                  <a:t>Нелинейная функция к слою </a:t>
+                </a:r>
+                <a:r>
+                  <a:rPr lang="ru-RU" dirty="0" smtClean="0">
+                    <a:solidFill>
+                      <a:schemeClr val="bg1"/>
+                    </a:solidFill>
+                  </a:rPr>
+                  <a:t>4</a:t>
+                </a:r>
+              </a:p>
+              <a:p>
+                <a:pPr marL="514350" indent="-514350">
+                  <a:lnSpc>
+                    <a:spcPct val="100000"/>
+                  </a:lnSpc>
+                  <a:buAutoNum type="arabicPeriod"/>
+                </a:pPr>
+                <a:r>
+                  <a:rPr lang="ru-RU" dirty="0" smtClean="0"/>
+                  <a:t>Берём максимум в каждой строке (выход – вектор чисел </a:t>
+                </a:r>
+                <a14:m>
+                  <m:oMath xmlns:m="http://schemas.openxmlformats.org/officeDocument/2006/math">
+                    <m:sSub>
+                      <m:sSubPr>
+                        <m:ctrlPr>
+                          <a:rPr lang="en-US" sz="1800" b="0" i="1" smtClean="0">
+                            <a:solidFill>
+                              <a:schemeClr val="bg1"/>
+                            </a:solidFill>
+                            <a:latin typeface="Cambria Math" panose="02040503050406030204" pitchFamily="18" charset="0"/>
+                          </a:rPr>
+                        </m:ctrlPr>
+                      </m:sSubPr>
+                      <m:e>
+                        <m:r>
+                          <a:rPr lang="en-US" sz="1800" b="0" i="1" smtClean="0">
+                            <a:solidFill>
+                              <a:schemeClr val="bg1"/>
+                            </a:solidFill>
+                            <a:latin typeface="Cambria Math" panose="02040503050406030204" pitchFamily="18" charset="0"/>
+                          </a:rPr>
+                          <m:t>𝑜</m:t>
+                        </m:r>
+                      </m:e>
+                      <m:sub>
+                        <m:r>
+                          <a:rPr lang="en-US" sz="1800" b="0" i="1" smtClean="0">
+                            <a:solidFill>
+                              <a:schemeClr val="bg1"/>
+                            </a:solidFill>
+                            <a:latin typeface="Cambria Math" panose="02040503050406030204" pitchFamily="18" charset="0"/>
+                          </a:rPr>
+                          <m:t>6</m:t>
+                        </m:r>
+                      </m:sub>
+                    </m:sSub>
+                  </m:oMath>
+                </a14:m>
+                <a:r>
+                  <a:rPr lang="ru-RU" dirty="0" smtClean="0"/>
+                  <a:t>)</a:t>
+                </a:r>
+              </a:p>
+              <a:p>
+                <a:pPr marL="514350" indent="-514350">
+                  <a:lnSpc>
+                    <a:spcPct val="100000"/>
+                  </a:lnSpc>
+                  <a:buAutoNum type="arabicPeriod"/>
+                </a:pPr>
+                <a:r>
+                  <a:rPr lang="ru-RU" dirty="0" smtClean="0"/>
+                  <a:t>Берём пару чисел</a:t>
+                </a:r>
+                <a:r>
+                  <a:rPr lang="en-US" dirty="0" smtClean="0"/>
+                  <a:t> </a:t>
+                </a:r>
+                <a14:m>
+                  <m:oMath xmlns:m="http://schemas.openxmlformats.org/officeDocument/2006/math">
+                    <m:sSub>
+                      <m:sSubPr>
+                        <m:ctrlPr>
+                          <a:rPr lang="en-US" sz="1400" i="1" smtClean="0">
+                            <a:solidFill>
+                              <a:schemeClr val="bg1"/>
+                            </a:solidFill>
+                            <a:latin typeface="Cambria Math" panose="02040503050406030204" pitchFamily="18" charset="0"/>
+                          </a:rPr>
+                        </m:ctrlPr>
+                      </m:sSubPr>
+                      <m:e>
+                        <m:r>
+                          <a:rPr lang="en-US" sz="1400" i="1">
+                            <a:solidFill>
+                              <a:schemeClr val="bg1"/>
+                            </a:solidFill>
+                            <a:latin typeface="Cambria Math" panose="02040503050406030204" pitchFamily="18" charset="0"/>
+                          </a:rPr>
+                          <m:t>𝑜</m:t>
+                        </m:r>
+                      </m:e>
+                      <m:sub>
+                        <m:r>
+                          <a:rPr lang="en-US" sz="1400" b="0" i="1" smtClean="0">
+                            <a:solidFill>
+                              <a:schemeClr val="bg1"/>
+                            </a:solidFill>
+                            <a:latin typeface="Cambria Math" panose="02040503050406030204" pitchFamily="18" charset="0"/>
+                          </a:rPr>
+                          <m:t>7</m:t>
+                        </m:r>
+                      </m:sub>
+                    </m:sSub>
+                  </m:oMath>
+                </a14:m>
+                <a:r>
+                  <a:rPr lang="ru-RU" dirty="0" smtClean="0"/>
+                  <a:t>, </a:t>
+                </a:r>
+                <a14:m>
+                  <m:oMath xmlns:m="http://schemas.openxmlformats.org/officeDocument/2006/math">
+                    <m:sSub>
+                      <m:sSubPr>
+                        <m:ctrlPr>
+                          <a:rPr lang="en-US" sz="1400" i="1" smtClean="0">
+                            <a:solidFill>
+                              <a:schemeClr val="bg1"/>
+                            </a:solidFill>
+                            <a:latin typeface="Cambria Math" panose="02040503050406030204" pitchFamily="18" charset="0"/>
+                          </a:rPr>
+                        </m:ctrlPr>
+                      </m:sSubPr>
+                      <m:e>
+                        <m:r>
+                          <a:rPr lang="en-US" sz="1400" i="1">
+                            <a:solidFill>
+                              <a:schemeClr val="bg1"/>
+                            </a:solidFill>
+                            <a:latin typeface="Cambria Math" panose="02040503050406030204" pitchFamily="18" charset="0"/>
+                          </a:rPr>
+                          <m:t>𝑜</m:t>
+                        </m:r>
+                      </m:e>
+                      <m:sub>
+                        <m:r>
+                          <a:rPr lang="en-US" sz="1400" b="0" i="1" smtClean="0">
+                            <a:solidFill>
+                              <a:schemeClr val="bg1"/>
+                            </a:solidFill>
+                            <a:latin typeface="Cambria Math" panose="02040503050406030204" pitchFamily="18" charset="0"/>
+                          </a:rPr>
+                          <m:t>7</m:t>
+                        </m:r>
+                      </m:sub>
+                    </m:sSub>
+                    <m:r>
+                      <a:rPr lang="en-US" sz="1400" b="0" i="1" smtClean="0">
+                        <a:solidFill>
+                          <a:schemeClr val="bg1"/>
+                        </a:solidFill>
+                        <a:latin typeface="Cambria Math" panose="02040503050406030204" pitchFamily="18" charset="0"/>
+                      </a:rPr>
+                      <m:t>[</m:t>
+                    </m:r>
+                    <m:r>
+                      <a:rPr lang="en-US" sz="1400" b="0" i="1" smtClean="0">
+                        <a:solidFill>
+                          <a:schemeClr val="bg1"/>
+                        </a:solidFill>
+                        <a:latin typeface="Cambria Math" panose="02040503050406030204" pitchFamily="18" charset="0"/>
+                      </a:rPr>
+                      <m:t>𝑖</m:t>
+                    </m:r>
+                    <m:r>
+                      <a:rPr lang="en-US" sz="1400" b="0" i="1" smtClean="0">
+                        <a:solidFill>
+                          <a:schemeClr val="bg1"/>
+                        </a:solidFill>
+                        <a:latin typeface="Cambria Math" panose="02040503050406030204" pitchFamily="18" charset="0"/>
+                      </a:rPr>
+                      <m:t>]=</m:t>
+                    </m:r>
+                    <m:nary>
+                      <m:naryPr>
+                        <m:chr m:val="∑"/>
+                        <m:supHide m:val="on"/>
+                        <m:ctrlPr>
+                          <a:rPr lang="en-US" sz="1400" b="0" i="1" smtClean="0">
+                            <a:solidFill>
+                              <a:schemeClr val="bg1"/>
+                            </a:solidFill>
+                            <a:latin typeface="Cambria Math" panose="02040503050406030204" pitchFamily="18" charset="0"/>
+                          </a:rPr>
+                        </m:ctrlPr>
+                      </m:naryPr>
+                      <m:sub>
+                        <m:r>
+                          <m:rPr>
+                            <m:brk m:alnAt="7"/>
+                          </m:rPr>
+                          <a:rPr lang="en-US" sz="1400" b="0" i="1" smtClean="0">
+                            <a:solidFill>
+                              <a:schemeClr val="bg1"/>
+                            </a:solidFill>
+                            <a:latin typeface="Cambria Math" panose="02040503050406030204" pitchFamily="18" charset="0"/>
+                          </a:rPr>
+                          <m:t>𝑗</m:t>
+                        </m:r>
+                      </m:sub>
+                      <m:sup/>
+                      <m:e>
+                        <m:sSub>
+                          <m:sSubPr>
+                            <m:ctrlPr>
+                              <a:rPr lang="en-US" sz="1400" i="1">
+                                <a:solidFill>
+                                  <a:schemeClr val="bg1"/>
+                                </a:solidFill>
+                                <a:latin typeface="Cambria Math" panose="02040503050406030204" pitchFamily="18" charset="0"/>
+                              </a:rPr>
+                            </m:ctrlPr>
+                          </m:sSubPr>
+                          <m:e>
+                            <m:r>
+                              <a:rPr lang="en-US" sz="1400" b="0" i="1" smtClean="0">
+                                <a:solidFill>
+                                  <a:schemeClr val="bg1"/>
+                                </a:solidFill>
+                                <a:latin typeface="Cambria Math" panose="02040503050406030204" pitchFamily="18" charset="0"/>
+                              </a:rPr>
+                              <m:t>𝑤</m:t>
+                            </m:r>
+                          </m:e>
+                          <m:sub>
+                            <m:r>
+                              <a:rPr lang="en-US" sz="1400" b="0" i="1" smtClean="0">
+                                <a:solidFill>
+                                  <a:schemeClr val="bg1"/>
+                                </a:solidFill>
+                                <a:latin typeface="Cambria Math" panose="02040503050406030204" pitchFamily="18" charset="0"/>
+                              </a:rPr>
+                              <m:t>𝑖</m:t>
+                            </m:r>
+                            <m:r>
+                              <a:rPr lang="en-US" sz="1400" b="0" i="1" smtClean="0">
+                                <a:solidFill>
+                                  <a:schemeClr val="bg1"/>
+                                </a:solidFill>
+                                <a:latin typeface="Cambria Math" panose="02040503050406030204" pitchFamily="18" charset="0"/>
+                              </a:rPr>
+                              <m:t>,</m:t>
+                            </m:r>
+                            <m:r>
+                              <a:rPr lang="en-US" sz="1400" b="0" i="1" smtClean="0">
+                                <a:solidFill>
+                                  <a:schemeClr val="bg1"/>
+                                </a:solidFill>
+                                <a:latin typeface="Cambria Math" panose="02040503050406030204" pitchFamily="18" charset="0"/>
+                              </a:rPr>
+                              <m:t>𝑗</m:t>
+                            </m:r>
+                          </m:sub>
+                        </m:sSub>
+                        <m:sSub>
+                          <m:sSubPr>
+                            <m:ctrlPr>
+                              <a:rPr lang="en-US" sz="1400" i="1">
+                                <a:solidFill>
+                                  <a:schemeClr val="bg1"/>
+                                </a:solidFill>
+                                <a:latin typeface="Cambria Math" panose="02040503050406030204" pitchFamily="18" charset="0"/>
+                              </a:rPr>
+                            </m:ctrlPr>
+                          </m:sSubPr>
+                          <m:e>
+                            <m:r>
+                              <a:rPr lang="en-US" sz="1400" i="1">
+                                <a:solidFill>
+                                  <a:schemeClr val="bg1"/>
+                                </a:solidFill>
+                                <a:latin typeface="Cambria Math" panose="02040503050406030204" pitchFamily="18" charset="0"/>
+                              </a:rPr>
+                              <m:t>𝑜</m:t>
+                            </m:r>
+                          </m:e>
+                          <m:sub>
+                            <m:r>
+                              <a:rPr lang="en-US" sz="1400" i="1">
+                                <a:solidFill>
+                                  <a:schemeClr val="bg1"/>
+                                </a:solidFill>
+                                <a:latin typeface="Cambria Math" panose="02040503050406030204" pitchFamily="18" charset="0"/>
+                              </a:rPr>
+                              <m:t>6</m:t>
+                            </m:r>
+                          </m:sub>
+                        </m:sSub>
+                        <m:r>
+                          <a:rPr lang="en-US" sz="1400" b="0" i="1" smtClean="0">
+                            <a:solidFill>
+                              <a:schemeClr val="bg1"/>
+                            </a:solidFill>
+                            <a:latin typeface="Cambria Math" panose="02040503050406030204" pitchFamily="18" charset="0"/>
+                          </a:rPr>
+                          <m:t>[</m:t>
+                        </m:r>
+                        <m:r>
+                          <a:rPr lang="en-US" sz="1400" b="0" i="1" smtClean="0">
+                            <a:solidFill>
+                              <a:schemeClr val="bg1"/>
+                            </a:solidFill>
+                            <a:latin typeface="Cambria Math" panose="02040503050406030204" pitchFamily="18" charset="0"/>
+                          </a:rPr>
+                          <m:t>𝑗</m:t>
+                        </m:r>
+                        <m:r>
+                          <a:rPr lang="en-US" sz="1400" b="0" i="1" smtClean="0">
+                            <a:solidFill>
+                              <a:schemeClr val="bg1"/>
+                            </a:solidFill>
+                            <a:latin typeface="Cambria Math" panose="02040503050406030204" pitchFamily="18" charset="0"/>
+                          </a:rPr>
+                          <m:t>]</m:t>
+                        </m:r>
+                      </m:e>
+                    </m:nary>
+                  </m:oMath>
+                </a14:m>
+                <a:r>
+                  <a:rPr lang="en-US" dirty="0" smtClean="0"/>
+                  <a:t>,</a:t>
+                </a:r>
+                <a:r>
+                  <a:rPr lang="ru-RU" dirty="0" smtClean="0"/>
+                  <a:t> </a:t>
+                </a:r>
+                <a14:m>
+                  <m:oMath xmlns:m="http://schemas.openxmlformats.org/officeDocument/2006/math">
+                    <m:r>
+                      <a:rPr lang="en-US" sz="1400" b="0" i="1" smtClean="0">
+                        <a:solidFill>
+                          <a:schemeClr val="bg1"/>
+                        </a:solidFill>
+                        <a:latin typeface="Cambria Math" panose="02040503050406030204" pitchFamily="18" charset="0"/>
+                      </a:rPr>
+                      <m:t>𝑖</m:t>
+                    </m:r>
+                    <m:r>
+                      <a:rPr lang="en-US" sz="1400" b="0" i="1" smtClean="0">
+                        <a:solidFill>
+                          <a:schemeClr val="bg1"/>
+                        </a:solidFill>
+                        <a:latin typeface="Cambria Math" panose="02040503050406030204" pitchFamily="18" charset="0"/>
+                        <a:ea typeface="Cambria Math" panose="02040503050406030204" pitchFamily="18" charset="0"/>
+                      </a:rPr>
+                      <m:t>∈{0,1}</m:t>
+                    </m:r>
+                  </m:oMath>
+                </a14:m>
+                <a:r>
+                  <a:rPr lang="en-US" dirty="0" smtClean="0"/>
+                  <a:t> </a:t>
+                </a:r>
+                <a:r>
+                  <a:rPr lang="ru-RU" dirty="0" smtClean="0"/>
+                  <a:t>(</a:t>
+                </a:r>
+                <a14:m>
+                  <m:oMath xmlns:m="http://schemas.openxmlformats.org/officeDocument/2006/math">
+                    <m:sSub>
+                      <m:sSubPr>
+                        <m:ctrlPr>
+                          <a:rPr lang="en-US" sz="1400" i="1" smtClean="0">
+                            <a:solidFill>
+                              <a:schemeClr val="bg1"/>
+                            </a:solidFill>
+                            <a:latin typeface="Cambria Math" panose="02040503050406030204" pitchFamily="18" charset="0"/>
+                          </a:rPr>
+                        </m:ctrlPr>
+                      </m:sSubPr>
+                      <m:e>
+                        <m:r>
+                          <a:rPr lang="en-US" sz="1400" b="0" i="1" smtClean="0">
+                            <a:solidFill>
+                              <a:schemeClr val="bg1"/>
+                            </a:solidFill>
+                            <a:latin typeface="Cambria Math" panose="02040503050406030204" pitchFamily="18" charset="0"/>
+                          </a:rPr>
+                          <m:t>𝑤</m:t>
+                        </m:r>
+                      </m:e>
+                      <m:sub>
+                        <m:r>
+                          <a:rPr lang="en-US" sz="1400" b="0" i="1" smtClean="0">
+                            <a:solidFill>
+                              <a:schemeClr val="bg1"/>
+                            </a:solidFill>
+                            <a:latin typeface="Cambria Math" panose="02040503050406030204" pitchFamily="18" charset="0"/>
+                          </a:rPr>
+                          <m:t>𝑖</m:t>
+                        </m:r>
+                        <m:r>
+                          <a:rPr lang="en-US" sz="1400" b="0" i="1" smtClean="0">
+                            <a:solidFill>
+                              <a:schemeClr val="bg1"/>
+                            </a:solidFill>
+                            <a:latin typeface="Cambria Math" panose="02040503050406030204" pitchFamily="18" charset="0"/>
+                          </a:rPr>
+                          <m:t>,</m:t>
+                        </m:r>
+                        <m:r>
+                          <a:rPr lang="en-US" sz="1400" b="0" i="1" smtClean="0">
+                            <a:solidFill>
+                              <a:schemeClr val="bg1"/>
+                            </a:solidFill>
+                            <a:latin typeface="Cambria Math" panose="02040503050406030204" pitchFamily="18" charset="0"/>
+                          </a:rPr>
+                          <m:t>𝑗</m:t>
+                        </m:r>
+                      </m:sub>
+                    </m:sSub>
+                  </m:oMath>
+                </a14:m>
+                <a:r>
+                  <a:rPr lang="ru-RU" dirty="0" smtClean="0"/>
+                  <a:t> –параметры)</a:t>
+                </a:r>
+              </a:p>
+              <a:p>
+                <a:pPr marL="514350" indent="-514350">
+                  <a:lnSpc>
+                    <a:spcPct val="100000"/>
+                  </a:lnSpc>
+                  <a:buAutoNum type="arabicPeriod"/>
+                </a:pPr>
+                <a:r>
+                  <a:rPr lang="ru-RU" dirty="0" smtClean="0"/>
+                  <a:t>Изменяем числа из </a:t>
+                </a:r>
+                <a14:m>
+                  <m:oMath xmlns:m="http://schemas.openxmlformats.org/officeDocument/2006/math">
+                    <m:sSub>
+                      <m:sSubPr>
+                        <m:ctrlPr>
+                          <a:rPr lang="en-US" sz="1400" i="1" smtClean="0">
+                            <a:solidFill>
+                              <a:schemeClr val="bg1"/>
+                            </a:solidFill>
+                            <a:latin typeface="Cambria Math" panose="02040503050406030204" pitchFamily="18" charset="0"/>
+                          </a:rPr>
+                        </m:ctrlPr>
+                      </m:sSubPr>
+                      <m:e>
+                        <m:r>
+                          <a:rPr lang="en-US" sz="1400" i="1">
+                            <a:solidFill>
+                              <a:schemeClr val="bg1"/>
+                            </a:solidFill>
+                            <a:latin typeface="Cambria Math" panose="02040503050406030204" pitchFamily="18" charset="0"/>
+                          </a:rPr>
+                          <m:t>𝑜</m:t>
+                        </m:r>
+                      </m:e>
+                      <m:sub>
+                        <m:r>
+                          <a:rPr lang="en-US" sz="1400" b="0" i="1" smtClean="0">
+                            <a:solidFill>
+                              <a:schemeClr val="bg1"/>
+                            </a:solidFill>
+                            <a:latin typeface="Cambria Math" panose="02040503050406030204" pitchFamily="18" charset="0"/>
+                          </a:rPr>
+                          <m:t>7</m:t>
+                        </m:r>
+                      </m:sub>
+                    </m:sSub>
+                  </m:oMath>
+                </a14:m>
+                <a:r>
+                  <a:rPr lang="en-US" dirty="0" smtClean="0"/>
+                  <a:t> </a:t>
+                </a:r>
+                <a:r>
+                  <a:rPr lang="ru-RU" dirty="0" smtClean="0"/>
+                  <a:t>так, чтобы они были больше </a:t>
+                </a:r>
+                <a:r>
+                  <a:rPr lang="ru-RU" sz="1400" dirty="0" smtClean="0">
+                    <a:solidFill>
+                      <a:schemeClr val="bg1"/>
+                    </a:solidFill>
+                  </a:rPr>
+                  <a:t>0</a:t>
+                </a:r>
+                <a:r>
+                  <a:rPr lang="ru-RU" dirty="0" smtClean="0"/>
+                  <a:t> и их сумма равнялась </a:t>
+                </a:r>
+                <a:r>
+                  <a:rPr lang="ru-RU" sz="1400" dirty="0" smtClean="0">
+                    <a:solidFill>
+                      <a:schemeClr val="bg1"/>
+                    </a:solidFill>
+                  </a:rPr>
+                  <a:t>1</a:t>
+                </a:r>
+                <a:r>
+                  <a:rPr lang="ru-RU" dirty="0" smtClean="0"/>
+                  <a:t> (вероятности того, что голос от</a:t>
+                </a:r>
+                <a:r>
+                  <a:rPr lang="en-US" dirty="0" smtClean="0"/>
+                  <a:t> </a:t>
+                </a:r>
+                <a:r>
+                  <a:rPr lang="ru-RU" dirty="0" smtClean="0"/>
+                  <a:t>мужчины или женщины). </a:t>
+                </a:r>
+                <a14:m>
+                  <m:oMath xmlns:m="http://schemas.openxmlformats.org/officeDocument/2006/math">
+                    <m:sSub>
+                      <m:sSubPr>
+                        <m:ctrlPr>
+                          <a:rPr lang="ru-RU" sz="1400" i="1" smtClean="0">
+                            <a:solidFill>
+                              <a:schemeClr val="bg1"/>
+                            </a:solidFill>
+                            <a:latin typeface="Cambria Math" panose="02040503050406030204" pitchFamily="18" charset="0"/>
+                          </a:rPr>
+                        </m:ctrlPr>
+                      </m:sSubPr>
+                      <m:e>
+                        <m:r>
+                          <a:rPr lang="en-US" sz="1400" b="0" i="1" smtClean="0">
+                            <a:solidFill>
+                              <a:schemeClr val="bg1"/>
+                            </a:solidFill>
+                            <a:latin typeface="Cambria Math" panose="02040503050406030204" pitchFamily="18" charset="0"/>
+                          </a:rPr>
+                          <m:t>𝑜</m:t>
+                        </m:r>
+                      </m:e>
+                      <m:sub>
+                        <m:r>
+                          <a:rPr lang="en-US" sz="1400" b="0" i="1" smtClean="0">
+                            <a:solidFill>
+                              <a:schemeClr val="bg1"/>
+                            </a:solidFill>
+                            <a:latin typeface="Cambria Math" panose="02040503050406030204" pitchFamily="18" charset="0"/>
+                          </a:rPr>
+                          <m:t>8</m:t>
+                        </m:r>
+                      </m:sub>
+                    </m:sSub>
+                    <m:d>
+                      <m:dPr>
+                        <m:begChr m:val="["/>
+                        <m:endChr m:val="]"/>
+                        <m:ctrlPr>
+                          <a:rPr lang="en-US" sz="1400" b="0" i="1" smtClean="0">
+                            <a:solidFill>
+                              <a:schemeClr val="bg1"/>
+                            </a:solidFill>
+                            <a:latin typeface="Cambria Math" panose="02040503050406030204" pitchFamily="18" charset="0"/>
+                          </a:rPr>
+                        </m:ctrlPr>
+                      </m:dPr>
+                      <m:e>
+                        <m:r>
+                          <a:rPr lang="en-US" sz="1400" b="0" i="1" smtClean="0">
+                            <a:solidFill>
+                              <a:schemeClr val="bg1"/>
+                            </a:solidFill>
+                            <a:latin typeface="Cambria Math" panose="02040503050406030204" pitchFamily="18" charset="0"/>
+                          </a:rPr>
+                          <m:t>𝑖</m:t>
+                        </m:r>
+                      </m:e>
+                    </m:d>
+                    <m:r>
+                      <a:rPr lang="en-US" sz="1400" b="0" i="1" smtClean="0">
+                        <a:solidFill>
+                          <a:schemeClr val="bg1"/>
+                        </a:solidFill>
+                        <a:latin typeface="Cambria Math" panose="02040503050406030204" pitchFamily="18" charset="0"/>
+                      </a:rPr>
+                      <m:t>=</m:t>
+                    </m:r>
+                    <m:f>
+                      <m:fPr>
+                        <m:ctrlPr>
+                          <a:rPr lang="en-US" sz="1400" b="0" i="1" smtClean="0">
+                            <a:solidFill>
+                              <a:schemeClr val="bg1"/>
+                            </a:solidFill>
+                            <a:latin typeface="Cambria Math" panose="02040503050406030204" pitchFamily="18" charset="0"/>
+                          </a:rPr>
+                        </m:ctrlPr>
+                      </m:fPr>
+                      <m:num>
+                        <m:r>
+                          <m:rPr>
+                            <m:sty m:val="p"/>
+                          </m:rPr>
+                          <a:rPr lang="en-US" sz="1400" b="0" i="0" smtClean="0">
+                            <a:solidFill>
+                              <a:schemeClr val="bg1"/>
+                            </a:solidFill>
+                            <a:latin typeface="Cambria Math" panose="02040503050406030204" pitchFamily="18" charset="0"/>
+                          </a:rPr>
+                          <m:t>exp</m:t>
+                        </m:r>
+                        <m:r>
+                          <a:rPr lang="en-US" sz="1400" b="0" i="1" smtClean="0">
+                            <a:solidFill>
+                              <a:schemeClr val="bg1"/>
+                            </a:solidFill>
+                            <a:latin typeface="Cambria Math" panose="02040503050406030204" pitchFamily="18" charset="0"/>
+                          </a:rPr>
+                          <m:t>⁡(</m:t>
+                        </m:r>
+                        <m:sSub>
+                          <m:sSubPr>
+                            <m:ctrlPr>
+                              <a:rPr lang="en-US" sz="1400" i="1">
+                                <a:solidFill>
+                                  <a:schemeClr val="bg1"/>
+                                </a:solidFill>
+                                <a:latin typeface="Cambria Math" panose="02040503050406030204" pitchFamily="18" charset="0"/>
+                              </a:rPr>
+                            </m:ctrlPr>
+                          </m:sSubPr>
+                          <m:e>
+                            <m:r>
+                              <a:rPr lang="en-US" sz="1400" i="1">
+                                <a:solidFill>
+                                  <a:schemeClr val="bg1"/>
+                                </a:solidFill>
+                                <a:latin typeface="Cambria Math" panose="02040503050406030204" pitchFamily="18" charset="0"/>
+                              </a:rPr>
+                              <m:t>𝑜</m:t>
+                            </m:r>
+                          </m:e>
+                          <m:sub>
+                            <m:r>
+                              <a:rPr lang="en-US" sz="1400" i="1">
+                                <a:solidFill>
+                                  <a:schemeClr val="bg1"/>
+                                </a:solidFill>
+                                <a:latin typeface="Cambria Math" panose="02040503050406030204" pitchFamily="18" charset="0"/>
+                              </a:rPr>
+                              <m:t>7</m:t>
+                            </m:r>
+                          </m:sub>
+                        </m:sSub>
+                        <m:r>
+                          <a:rPr lang="en-US" sz="1400" i="1">
+                            <a:solidFill>
+                              <a:schemeClr val="bg1"/>
+                            </a:solidFill>
+                            <a:latin typeface="Cambria Math" panose="02040503050406030204" pitchFamily="18" charset="0"/>
+                          </a:rPr>
+                          <m:t>[</m:t>
+                        </m:r>
+                        <m:r>
+                          <a:rPr lang="en-US" sz="1400" b="0" i="1" smtClean="0">
+                            <a:solidFill>
+                              <a:schemeClr val="bg1"/>
+                            </a:solidFill>
+                            <a:latin typeface="Cambria Math" panose="02040503050406030204" pitchFamily="18" charset="0"/>
+                          </a:rPr>
+                          <m:t>𝑖</m:t>
+                        </m:r>
+                        <m:r>
+                          <a:rPr lang="en-US" sz="1400" i="1">
+                            <a:solidFill>
+                              <a:schemeClr val="bg1"/>
+                            </a:solidFill>
+                            <a:latin typeface="Cambria Math" panose="02040503050406030204" pitchFamily="18" charset="0"/>
+                          </a:rPr>
+                          <m:t>]</m:t>
+                        </m:r>
+                        <m:r>
+                          <a:rPr lang="en-US" sz="1400" b="0" i="1" smtClean="0">
+                            <a:solidFill>
+                              <a:schemeClr val="bg1"/>
+                            </a:solidFill>
+                            <a:latin typeface="Cambria Math" panose="02040503050406030204" pitchFamily="18" charset="0"/>
+                          </a:rPr>
+                          <m:t>)</m:t>
+                        </m:r>
+                      </m:num>
+                      <m:den>
+                        <m:r>
+                          <m:rPr>
+                            <m:sty m:val="p"/>
+                          </m:rPr>
+                          <a:rPr lang="en-US" sz="1400" b="0" i="0" smtClean="0">
+                            <a:solidFill>
+                              <a:schemeClr val="bg1"/>
+                            </a:solidFill>
+                            <a:latin typeface="Cambria Math" panose="02040503050406030204" pitchFamily="18" charset="0"/>
+                          </a:rPr>
+                          <m:t>exp</m:t>
+                        </m:r>
+                        <m:r>
+                          <a:rPr lang="en-US" sz="1400" b="0" i="1" smtClean="0">
+                            <a:solidFill>
+                              <a:schemeClr val="bg1"/>
+                            </a:solidFill>
+                            <a:latin typeface="Cambria Math" panose="02040503050406030204" pitchFamily="18" charset="0"/>
+                          </a:rPr>
+                          <m:t>⁡(</m:t>
+                        </m:r>
+                        <m:sSub>
+                          <m:sSubPr>
+                            <m:ctrlPr>
+                              <a:rPr lang="en-US" sz="1400" i="1">
+                                <a:solidFill>
+                                  <a:schemeClr val="bg1"/>
+                                </a:solidFill>
+                                <a:latin typeface="Cambria Math" panose="02040503050406030204" pitchFamily="18" charset="0"/>
+                              </a:rPr>
+                            </m:ctrlPr>
+                          </m:sSubPr>
+                          <m:e>
+                            <m:r>
+                              <a:rPr lang="en-US" sz="1400" i="1">
+                                <a:solidFill>
+                                  <a:schemeClr val="bg1"/>
+                                </a:solidFill>
+                                <a:latin typeface="Cambria Math" panose="02040503050406030204" pitchFamily="18" charset="0"/>
+                              </a:rPr>
+                              <m:t>𝑜</m:t>
+                            </m:r>
+                          </m:e>
+                          <m:sub>
+                            <m:r>
+                              <a:rPr lang="en-US" sz="1400" i="1">
+                                <a:solidFill>
+                                  <a:schemeClr val="bg1"/>
+                                </a:solidFill>
+                                <a:latin typeface="Cambria Math" panose="02040503050406030204" pitchFamily="18" charset="0"/>
+                              </a:rPr>
+                              <m:t>7</m:t>
+                            </m:r>
+                          </m:sub>
+                        </m:sSub>
+                        <m:r>
+                          <a:rPr lang="en-US" sz="1400" i="1">
+                            <a:solidFill>
+                              <a:schemeClr val="bg1"/>
+                            </a:solidFill>
+                            <a:latin typeface="Cambria Math" panose="02040503050406030204" pitchFamily="18" charset="0"/>
+                          </a:rPr>
+                          <m:t>[0]</m:t>
+                        </m:r>
+                        <m:r>
+                          <a:rPr lang="en-US" sz="1400" b="0" i="1" smtClean="0">
+                            <a:solidFill>
+                              <a:schemeClr val="bg1"/>
+                            </a:solidFill>
+                            <a:latin typeface="Cambria Math" panose="02040503050406030204" pitchFamily="18" charset="0"/>
+                          </a:rPr>
+                          <m:t>)+</m:t>
+                        </m:r>
+                        <m:r>
+                          <m:rPr>
+                            <m:sty m:val="p"/>
+                          </m:rPr>
+                          <a:rPr lang="en-US" sz="1400" b="0" i="0" smtClean="0">
+                            <a:solidFill>
+                              <a:schemeClr val="bg1"/>
+                            </a:solidFill>
+                            <a:latin typeface="Cambria Math" panose="02040503050406030204" pitchFamily="18" charset="0"/>
+                          </a:rPr>
+                          <m:t>exp</m:t>
+                        </m:r>
+                        <m:r>
+                          <a:rPr lang="en-US" sz="1400" b="0" i="1" smtClean="0">
+                            <a:solidFill>
+                              <a:schemeClr val="bg1"/>
+                            </a:solidFill>
+                            <a:latin typeface="Cambria Math" panose="02040503050406030204" pitchFamily="18" charset="0"/>
+                          </a:rPr>
+                          <m:t>⁡(</m:t>
+                        </m:r>
+                        <m:sSub>
+                          <m:sSubPr>
+                            <m:ctrlPr>
+                              <a:rPr lang="en-US" sz="1400" i="1">
+                                <a:solidFill>
+                                  <a:schemeClr val="bg1"/>
+                                </a:solidFill>
+                                <a:latin typeface="Cambria Math" panose="02040503050406030204" pitchFamily="18" charset="0"/>
+                              </a:rPr>
+                            </m:ctrlPr>
+                          </m:sSubPr>
+                          <m:e>
+                            <m:r>
+                              <a:rPr lang="en-US" sz="1400" i="1">
+                                <a:solidFill>
+                                  <a:schemeClr val="bg1"/>
+                                </a:solidFill>
+                                <a:latin typeface="Cambria Math" panose="02040503050406030204" pitchFamily="18" charset="0"/>
+                              </a:rPr>
+                              <m:t>𝑜</m:t>
+                            </m:r>
+                          </m:e>
+                          <m:sub>
+                            <m:r>
+                              <a:rPr lang="en-US" sz="1400" i="1">
+                                <a:solidFill>
+                                  <a:schemeClr val="bg1"/>
+                                </a:solidFill>
+                                <a:latin typeface="Cambria Math" panose="02040503050406030204" pitchFamily="18" charset="0"/>
+                              </a:rPr>
+                              <m:t>7</m:t>
+                            </m:r>
+                          </m:sub>
+                        </m:sSub>
+                        <m:r>
+                          <a:rPr lang="en-US" sz="1400" i="1">
+                            <a:solidFill>
+                              <a:schemeClr val="bg1"/>
+                            </a:solidFill>
+                            <a:latin typeface="Cambria Math" panose="02040503050406030204" pitchFamily="18" charset="0"/>
+                          </a:rPr>
+                          <m:t>[</m:t>
+                        </m:r>
+                        <m:r>
+                          <a:rPr lang="en-US" sz="1400" b="0" i="1" smtClean="0">
+                            <a:solidFill>
+                              <a:schemeClr val="bg1"/>
+                            </a:solidFill>
+                            <a:latin typeface="Cambria Math" panose="02040503050406030204" pitchFamily="18" charset="0"/>
+                          </a:rPr>
+                          <m:t>1</m:t>
+                        </m:r>
+                        <m:r>
+                          <a:rPr lang="en-US" sz="1400" i="1">
+                            <a:solidFill>
+                              <a:schemeClr val="bg1"/>
+                            </a:solidFill>
+                            <a:latin typeface="Cambria Math" panose="02040503050406030204" pitchFamily="18" charset="0"/>
+                          </a:rPr>
+                          <m:t>]</m:t>
+                        </m:r>
+                        <m:r>
+                          <a:rPr lang="en-US" sz="1400" b="0" i="1" smtClean="0">
+                            <a:solidFill>
+                              <a:schemeClr val="bg1"/>
+                            </a:solidFill>
+                            <a:latin typeface="Cambria Math" panose="02040503050406030204" pitchFamily="18" charset="0"/>
+                          </a:rPr>
+                          <m:t>)</m:t>
+                        </m:r>
+                      </m:den>
+                    </m:f>
+                  </m:oMath>
+                </a14:m>
+                <a:endParaRPr lang="ru-RU" dirty="0"/>
+              </a:p>
+            </p:txBody>
+          </p:sp>
+        </mc:Choice>
+        <mc:Fallback>
+          <p:sp>
+            <p:nvSpPr>
+              <p:cNvPr id="3" name="Заметки 2"/>
+              <p:cNvSpPr>
+                <a:spLocks noGrp="1"/>
+              </p:cNvSpPr>
+              <p:nvPr>
+                <p:ph type="body" idx="1"/>
+              </p:nvPr>
+            </p:nvSpPr>
+            <p:spPr/>
+            <p:txBody>
+              <a:bodyPr/>
+              <a:lstStyle/>
+              <a:p>
+                <a:pPr marL="0" indent="0">
+                  <a:lnSpc>
+                    <a:spcPct val="100000"/>
+                  </a:lnSpc>
+                  <a:buNone/>
+                </a:pPr>
+                <a:r>
+                  <a:rPr lang="ru-RU" dirty="0" smtClean="0"/>
+                  <a:t>Архитектура сети:</a:t>
+                </a:r>
+              </a:p>
+              <a:p>
+                <a:pPr marL="514350" indent="-514350">
+                  <a:lnSpc>
+                    <a:spcPct val="100000"/>
+                  </a:lnSpc>
+                  <a:buAutoNum type="arabicPeriod"/>
+                </a:pPr>
+                <a:r>
+                  <a:rPr lang="ru-RU" dirty="0" smtClean="0"/>
+                  <a:t>На вход подаётся спектрограмма (матрица чисел)</a:t>
+                </a:r>
+              </a:p>
+              <a:p>
+                <a:pPr marL="514350" indent="-514350">
+                  <a:lnSpc>
+                    <a:spcPct val="100000"/>
+                  </a:lnSpc>
+                  <a:buAutoNum type="arabicPeriod"/>
+                </a:pPr>
+                <a:r>
+                  <a:rPr lang="ru-RU" dirty="0" smtClean="0"/>
+                  <a:t>Одномерная свёртка к строкам, соответствующим частотам (выход – матрица, параметры – ядра свёртки)</a:t>
+                </a:r>
+              </a:p>
+              <a:p>
+                <a:pPr marL="514350" indent="-514350">
+                  <a:lnSpc>
+                    <a:spcPct val="100000"/>
+                  </a:lnSpc>
+                  <a:buAutoNum type="arabicPeriod"/>
+                </a:pPr>
+                <a:r>
+                  <a:rPr lang="ru-RU" dirty="0" smtClean="0"/>
+                  <a:t>Применяем нелинейную функцию к выходу слоя </a:t>
+                </a:r>
+                <a:r>
+                  <a:rPr lang="ru-RU" dirty="0" smtClean="0">
+                    <a:solidFill>
+                      <a:schemeClr val="bg1"/>
+                    </a:solidFill>
+                  </a:rPr>
+                  <a:t>2</a:t>
+                </a:r>
+                <a:r>
+                  <a:rPr lang="ru-RU" dirty="0" smtClean="0"/>
+                  <a:t> (выход – матрица)</a:t>
+                </a:r>
+                <a:endParaRPr lang="en-US" dirty="0" smtClean="0"/>
+              </a:p>
+              <a:p>
+                <a:pPr marL="514350" indent="-514350">
+                  <a:lnSpc>
+                    <a:spcPct val="100000"/>
+                  </a:lnSpc>
+                  <a:buAutoNum type="arabicPeriod"/>
+                </a:pPr>
+                <a:r>
+                  <a:rPr lang="ru-RU" dirty="0" smtClean="0"/>
+                  <a:t>Одномерная свёртка как в слое </a:t>
+                </a:r>
+                <a:r>
+                  <a:rPr lang="ru-RU" dirty="0" smtClean="0">
+                    <a:solidFill>
+                      <a:schemeClr val="bg1"/>
+                    </a:solidFill>
+                  </a:rPr>
+                  <a:t>2</a:t>
+                </a:r>
+                <a:r>
+                  <a:rPr lang="ru-RU" dirty="0" smtClean="0"/>
+                  <a:t> к слою </a:t>
+                </a:r>
+                <a:r>
+                  <a:rPr lang="ru-RU" dirty="0" smtClean="0">
+                    <a:solidFill>
+                      <a:schemeClr val="bg1"/>
+                    </a:solidFill>
+                  </a:rPr>
+                  <a:t>3</a:t>
+                </a:r>
+              </a:p>
+              <a:p>
+                <a:pPr marL="514350" indent="-514350">
+                  <a:lnSpc>
+                    <a:spcPct val="100000"/>
+                  </a:lnSpc>
+                  <a:buAutoNum type="arabicPeriod"/>
+                </a:pPr>
+                <a:r>
+                  <a:rPr lang="ru-RU" dirty="0" smtClean="0"/>
+                  <a:t>Нелинейная функция к слою </a:t>
+                </a:r>
+                <a:r>
+                  <a:rPr lang="ru-RU" dirty="0" smtClean="0">
+                    <a:solidFill>
+                      <a:schemeClr val="bg1"/>
+                    </a:solidFill>
+                  </a:rPr>
+                  <a:t>4</a:t>
+                </a:r>
+              </a:p>
+              <a:p>
+                <a:pPr marL="514350" indent="-514350">
+                  <a:lnSpc>
+                    <a:spcPct val="100000"/>
+                  </a:lnSpc>
+                  <a:buAutoNum type="arabicPeriod"/>
+                </a:pPr>
+                <a:r>
+                  <a:rPr lang="ru-RU" dirty="0" smtClean="0"/>
+                  <a:t>Берём максимум в каждой строке (выход – вектор чисел </a:t>
+                </a:r>
+                <a:r>
+                  <a:rPr lang="en-US" sz="1800" b="0" i="0" smtClean="0">
+                    <a:solidFill>
+                      <a:schemeClr val="bg1"/>
+                    </a:solidFill>
+                    <a:latin typeface="Cambria Math" panose="02040503050406030204" pitchFamily="18" charset="0"/>
+                  </a:rPr>
+                  <a:t>𝑜_6</a:t>
+                </a:r>
+                <a:r>
+                  <a:rPr lang="ru-RU" dirty="0" smtClean="0"/>
+                  <a:t>)</a:t>
+                </a:r>
+              </a:p>
+              <a:p>
+                <a:pPr marL="514350" indent="-514350">
+                  <a:lnSpc>
+                    <a:spcPct val="100000"/>
+                  </a:lnSpc>
+                  <a:buAutoNum type="arabicPeriod"/>
+                </a:pPr>
+                <a:r>
+                  <a:rPr lang="ru-RU" dirty="0" smtClean="0"/>
+                  <a:t>Берём пару чисел</a:t>
+                </a:r>
+                <a:r>
+                  <a:rPr lang="en-US" dirty="0" smtClean="0"/>
+                  <a:t> </a:t>
+                </a:r>
+                <a:r>
+                  <a:rPr lang="en-US" sz="1400" i="0">
+                    <a:solidFill>
+                      <a:schemeClr val="bg1"/>
+                    </a:solidFill>
+                    <a:latin typeface="Cambria Math" panose="02040503050406030204" pitchFamily="18" charset="0"/>
+                  </a:rPr>
+                  <a:t>𝑜</a:t>
+                </a:r>
+                <a:r>
+                  <a:rPr lang="en-US" sz="1400" i="0" smtClean="0">
+                    <a:solidFill>
+                      <a:schemeClr val="bg1"/>
+                    </a:solidFill>
+                    <a:latin typeface="Cambria Math" panose="02040503050406030204" pitchFamily="18" charset="0"/>
+                  </a:rPr>
+                  <a:t>_</a:t>
+                </a:r>
+                <a:r>
+                  <a:rPr lang="en-US" sz="1400" b="0" i="0" smtClean="0">
+                    <a:solidFill>
+                      <a:schemeClr val="bg1"/>
+                    </a:solidFill>
+                    <a:latin typeface="Cambria Math" panose="02040503050406030204" pitchFamily="18" charset="0"/>
+                  </a:rPr>
+                  <a:t>7</a:t>
+                </a:r>
+                <a:r>
+                  <a:rPr lang="ru-RU" dirty="0" smtClean="0"/>
+                  <a:t>, </a:t>
+                </a:r>
+                <a:r>
+                  <a:rPr lang="en-US" sz="1400" i="0">
+                    <a:solidFill>
+                      <a:schemeClr val="bg1"/>
+                    </a:solidFill>
+                    <a:latin typeface="Cambria Math" panose="02040503050406030204" pitchFamily="18" charset="0"/>
+                  </a:rPr>
+                  <a:t>𝑜</a:t>
+                </a:r>
+                <a:r>
+                  <a:rPr lang="en-US" sz="1400" i="0" smtClean="0">
+                    <a:solidFill>
+                      <a:schemeClr val="bg1"/>
+                    </a:solidFill>
+                    <a:latin typeface="Cambria Math" panose="02040503050406030204" pitchFamily="18" charset="0"/>
+                  </a:rPr>
+                  <a:t>_</a:t>
+                </a:r>
+                <a:r>
+                  <a:rPr lang="en-US" sz="1400" b="0" i="0" smtClean="0">
+                    <a:solidFill>
+                      <a:schemeClr val="bg1"/>
+                    </a:solidFill>
+                    <a:latin typeface="Cambria Math" panose="02040503050406030204" pitchFamily="18" charset="0"/>
+                  </a:rPr>
+                  <a:t>7 [𝑖]=∑_𝑗▒〖𝑤</a:t>
+                </a:r>
+                <a:r>
+                  <a:rPr lang="en-US" sz="1400" b="0" i="0">
+                    <a:solidFill>
+                      <a:schemeClr val="bg1"/>
+                    </a:solidFill>
+                    <a:latin typeface="Cambria Math" panose="02040503050406030204" pitchFamily="18" charset="0"/>
+                  </a:rPr>
+                  <a:t>_(</a:t>
+                </a:r>
+                <a:r>
+                  <a:rPr lang="en-US" sz="1400" b="0" i="0" smtClean="0">
+                    <a:solidFill>
+                      <a:schemeClr val="bg1"/>
+                    </a:solidFill>
+                    <a:latin typeface="Cambria Math" panose="02040503050406030204" pitchFamily="18" charset="0"/>
+                  </a:rPr>
+                  <a:t>𝑖,𝑗</a:t>
+                </a:r>
+                <a:r>
+                  <a:rPr lang="en-US" sz="1400" b="0" i="0">
+                    <a:solidFill>
+                      <a:schemeClr val="bg1"/>
+                    </a:solidFill>
+                    <a:latin typeface="Cambria Math" panose="02040503050406030204" pitchFamily="18" charset="0"/>
+                  </a:rPr>
+                  <a:t>) </a:t>
+                </a:r>
+                <a:r>
+                  <a:rPr lang="en-US" sz="1400" i="0">
+                    <a:solidFill>
+                      <a:schemeClr val="bg1"/>
+                    </a:solidFill>
+                    <a:latin typeface="Cambria Math" panose="02040503050406030204" pitchFamily="18" charset="0"/>
+                  </a:rPr>
+                  <a:t>𝑜_6</a:t>
+                </a:r>
+                <a:r>
+                  <a:rPr lang="en-US" sz="1400" b="0" i="0" smtClean="0">
+                    <a:solidFill>
+                      <a:schemeClr val="bg1"/>
+                    </a:solidFill>
+                    <a:latin typeface="Cambria Math" panose="02040503050406030204" pitchFamily="18" charset="0"/>
+                  </a:rPr>
+                  <a:t> [𝑗]〗</a:t>
+                </a:r>
+                <a:r>
+                  <a:rPr lang="en-US" dirty="0" smtClean="0"/>
+                  <a:t>,</a:t>
+                </a:r>
+                <a:r>
+                  <a:rPr lang="ru-RU" dirty="0" smtClean="0"/>
+                  <a:t> </a:t>
+                </a:r>
+                <a:r>
+                  <a:rPr lang="en-US" sz="1400" b="0" i="0" smtClean="0">
+                    <a:solidFill>
+                      <a:schemeClr val="bg1"/>
+                    </a:solidFill>
+                    <a:latin typeface="Cambria Math" panose="02040503050406030204" pitchFamily="18" charset="0"/>
+                  </a:rPr>
+                  <a:t>𝑖</a:t>
+                </a:r>
+                <a:r>
+                  <a:rPr lang="en-US" sz="1400" b="0" i="0" smtClean="0">
+                    <a:solidFill>
+                      <a:schemeClr val="bg1"/>
+                    </a:solidFill>
+                    <a:latin typeface="Cambria Math" panose="02040503050406030204" pitchFamily="18" charset="0"/>
+                    <a:ea typeface="Cambria Math" panose="02040503050406030204" pitchFamily="18" charset="0"/>
+                  </a:rPr>
+                  <a:t>∈{0,1}</a:t>
+                </a:r>
+                <a:r>
+                  <a:rPr lang="en-US" dirty="0" smtClean="0"/>
+                  <a:t> </a:t>
+                </a:r>
+                <a:r>
+                  <a:rPr lang="ru-RU" dirty="0" smtClean="0"/>
+                  <a:t>(</a:t>
+                </a:r>
+                <a:r>
+                  <a:rPr lang="en-US" sz="1400" b="0" i="0" smtClean="0">
+                    <a:solidFill>
+                      <a:schemeClr val="bg1"/>
+                    </a:solidFill>
+                    <a:latin typeface="Cambria Math" panose="02040503050406030204" pitchFamily="18" charset="0"/>
+                  </a:rPr>
+                  <a:t>𝑤_(𝑖,𝑗)</a:t>
+                </a:r>
+                <a:r>
+                  <a:rPr lang="ru-RU" dirty="0" smtClean="0"/>
+                  <a:t> –параметры)</a:t>
+                </a:r>
+              </a:p>
+              <a:p>
+                <a:pPr marL="514350" indent="-514350">
+                  <a:lnSpc>
+                    <a:spcPct val="100000"/>
+                  </a:lnSpc>
+                  <a:buAutoNum type="arabicPeriod"/>
+                </a:pPr>
+                <a:r>
+                  <a:rPr lang="ru-RU" dirty="0" smtClean="0"/>
+                  <a:t>Изменяем числа из </a:t>
+                </a:r>
+                <a:r>
+                  <a:rPr lang="en-US" sz="1400" i="0">
+                    <a:solidFill>
+                      <a:schemeClr val="bg1"/>
+                    </a:solidFill>
+                    <a:latin typeface="Cambria Math" panose="02040503050406030204" pitchFamily="18" charset="0"/>
+                  </a:rPr>
+                  <a:t>𝑜</a:t>
+                </a:r>
+                <a:r>
+                  <a:rPr lang="en-US" sz="1400" i="0" smtClean="0">
+                    <a:solidFill>
+                      <a:schemeClr val="bg1"/>
+                    </a:solidFill>
+                    <a:latin typeface="Cambria Math" panose="02040503050406030204" pitchFamily="18" charset="0"/>
+                  </a:rPr>
+                  <a:t>_</a:t>
+                </a:r>
+                <a:r>
+                  <a:rPr lang="en-US" sz="1400" b="0" i="0" smtClean="0">
+                    <a:solidFill>
+                      <a:schemeClr val="bg1"/>
+                    </a:solidFill>
+                    <a:latin typeface="Cambria Math" panose="02040503050406030204" pitchFamily="18" charset="0"/>
+                  </a:rPr>
+                  <a:t>7</a:t>
+                </a:r>
+                <a:r>
+                  <a:rPr lang="en-US" dirty="0" smtClean="0"/>
+                  <a:t> </a:t>
+                </a:r>
+                <a:r>
+                  <a:rPr lang="ru-RU" dirty="0" smtClean="0"/>
+                  <a:t>так, чтобы они были больше </a:t>
+                </a:r>
+                <a:r>
+                  <a:rPr lang="ru-RU" sz="1400" dirty="0" smtClean="0">
+                    <a:solidFill>
+                      <a:schemeClr val="bg1"/>
+                    </a:solidFill>
+                  </a:rPr>
+                  <a:t>0</a:t>
+                </a:r>
+                <a:r>
+                  <a:rPr lang="ru-RU" dirty="0" smtClean="0"/>
+                  <a:t> и их сумма равнялась </a:t>
+                </a:r>
+                <a:r>
+                  <a:rPr lang="ru-RU" sz="1400" dirty="0" smtClean="0">
+                    <a:solidFill>
+                      <a:schemeClr val="bg1"/>
+                    </a:solidFill>
+                  </a:rPr>
+                  <a:t>1</a:t>
+                </a:r>
+                <a:r>
+                  <a:rPr lang="ru-RU" dirty="0" smtClean="0"/>
+                  <a:t> (вероятности того, что голос от</a:t>
+                </a:r>
+                <a:r>
+                  <a:rPr lang="en-US" dirty="0" smtClean="0"/>
+                  <a:t> </a:t>
+                </a:r>
+                <a:r>
+                  <a:rPr lang="ru-RU" dirty="0" smtClean="0"/>
+                  <a:t>мужчины или женщины). </a:t>
+                </a:r>
+                <a:r>
+                  <a:rPr lang="en-US" sz="1400" b="0" i="0" smtClean="0">
+                    <a:solidFill>
+                      <a:schemeClr val="bg1"/>
+                    </a:solidFill>
+                    <a:latin typeface="Cambria Math" panose="02040503050406030204" pitchFamily="18" charset="0"/>
+                  </a:rPr>
+                  <a:t>𝑜</a:t>
+                </a:r>
+                <a:r>
+                  <a:rPr lang="ru-RU" sz="1400" b="0" i="0" smtClean="0">
+                    <a:solidFill>
+                      <a:schemeClr val="bg1"/>
+                    </a:solidFill>
+                    <a:latin typeface="Cambria Math" panose="02040503050406030204" pitchFamily="18" charset="0"/>
+                  </a:rPr>
+                  <a:t>_</a:t>
+                </a:r>
+                <a:r>
+                  <a:rPr lang="en-US" sz="1400" b="0" i="0" smtClean="0">
+                    <a:solidFill>
+                      <a:schemeClr val="bg1"/>
+                    </a:solidFill>
+                    <a:latin typeface="Cambria Math" panose="02040503050406030204" pitchFamily="18" charset="0"/>
+                  </a:rPr>
+                  <a:t>8 [𝑖]=(exp⁡(</a:t>
+                </a:r>
+                <a:r>
+                  <a:rPr lang="en-US" sz="1400" i="0">
+                    <a:solidFill>
+                      <a:schemeClr val="bg1"/>
+                    </a:solidFill>
+                    <a:latin typeface="Cambria Math" panose="02040503050406030204" pitchFamily="18" charset="0"/>
+                  </a:rPr>
+                  <a:t>𝑜_7 [</a:t>
+                </a:r>
+                <a:r>
+                  <a:rPr lang="en-US" sz="1400" b="0" i="0" smtClean="0">
+                    <a:solidFill>
+                      <a:schemeClr val="bg1"/>
+                    </a:solidFill>
+                    <a:latin typeface="Cambria Math" panose="02040503050406030204" pitchFamily="18" charset="0"/>
+                  </a:rPr>
+                  <a:t>𝑖</a:t>
+                </a:r>
+                <a:r>
+                  <a:rPr lang="en-US" sz="1400" i="0">
+                    <a:solidFill>
+                      <a:schemeClr val="bg1"/>
+                    </a:solidFill>
+                    <a:latin typeface="Cambria Math" panose="02040503050406030204" pitchFamily="18" charset="0"/>
+                  </a:rPr>
+                  <a:t>]</a:t>
+                </a:r>
+                <a:r>
+                  <a:rPr lang="en-US" sz="1400" b="0" i="0" smtClean="0">
+                    <a:solidFill>
+                      <a:schemeClr val="bg1"/>
+                    </a:solidFill>
+                    <a:latin typeface="Cambria Math" panose="02040503050406030204" pitchFamily="18" charset="0"/>
+                  </a:rPr>
+                  <a:t>))/(exp⁡(</a:t>
+                </a:r>
+                <a:r>
+                  <a:rPr lang="en-US" sz="1400" i="0">
+                    <a:solidFill>
+                      <a:schemeClr val="bg1"/>
+                    </a:solidFill>
+                    <a:latin typeface="Cambria Math" panose="02040503050406030204" pitchFamily="18" charset="0"/>
+                  </a:rPr>
+                  <a:t>𝑜_7 [0]</a:t>
+                </a:r>
+                <a:r>
+                  <a:rPr lang="en-US" sz="1400" b="0" i="0" smtClean="0">
+                    <a:solidFill>
+                      <a:schemeClr val="bg1"/>
+                    </a:solidFill>
+                    <a:latin typeface="Cambria Math" panose="02040503050406030204" pitchFamily="18" charset="0"/>
+                  </a:rPr>
+                  <a:t>)+exp⁡(</a:t>
+                </a:r>
+                <a:r>
+                  <a:rPr lang="en-US" sz="1400" i="0">
+                    <a:solidFill>
+                      <a:schemeClr val="bg1"/>
+                    </a:solidFill>
+                    <a:latin typeface="Cambria Math" panose="02040503050406030204" pitchFamily="18" charset="0"/>
+                  </a:rPr>
+                  <a:t>𝑜_7 [</a:t>
+                </a:r>
+                <a:r>
+                  <a:rPr lang="en-US" sz="1400" b="0" i="0" smtClean="0">
+                    <a:solidFill>
+                      <a:schemeClr val="bg1"/>
+                    </a:solidFill>
+                    <a:latin typeface="Cambria Math" panose="02040503050406030204" pitchFamily="18" charset="0"/>
+                  </a:rPr>
+                  <a:t>1</a:t>
+                </a:r>
+                <a:r>
+                  <a:rPr lang="en-US" sz="1400" i="0">
+                    <a:solidFill>
+                      <a:schemeClr val="bg1"/>
+                    </a:solidFill>
+                    <a:latin typeface="Cambria Math" panose="02040503050406030204" pitchFamily="18" charset="0"/>
+                  </a:rPr>
+                  <a:t>]</a:t>
+                </a:r>
+                <a:r>
+                  <a:rPr lang="en-US" sz="1400" b="0" i="0" smtClean="0">
+                    <a:solidFill>
+                      <a:schemeClr val="bg1"/>
+                    </a:solidFill>
+                    <a:latin typeface="Cambria Math" panose="02040503050406030204" pitchFamily="18" charset="0"/>
+                  </a:rPr>
+                  <a:t>))</a:t>
+                </a:r>
+                <a:endParaRPr lang="ru-RU" dirty="0"/>
+              </a:p>
+            </p:txBody>
+          </p:sp>
+        </mc:Fallback>
+      </mc:AlternateContent>
+      <p:sp>
+        <p:nvSpPr>
+          <p:cNvPr id="4" name="Номер слайда 3"/>
+          <p:cNvSpPr>
+            <a:spLocks noGrp="1"/>
+          </p:cNvSpPr>
+          <p:nvPr>
+            <p:ph type="sldNum" sz="quarter" idx="10"/>
+          </p:nvPr>
+        </p:nvSpPr>
+        <p:spPr/>
+        <p:txBody>
+          <a:bodyPr/>
+          <a:lstStyle/>
+          <a:p>
+            <a:fld id="{CEF568B6-59D8-4B92-AF9C-DF54DF5FD17A}" type="slidenum">
+              <a:rPr lang="ru-RU" smtClean="0"/>
+              <a:t>9</a:t>
+            </a:fld>
+            <a:endParaRPr lang="ru-RU"/>
+          </a:p>
+        </p:txBody>
+      </p:sp>
+    </p:spTree>
+    <p:extLst>
+      <p:ext uri="{BB962C8B-B14F-4D97-AF65-F5344CB8AC3E}">
+        <p14:creationId xmlns:p14="http://schemas.microsoft.com/office/powerpoint/2010/main" val="1516498310"/>
+      </p:ext>
+    </p:extLst>
+  </p:cSld>
+  <p:clrMapOvr>
+    <a:masterClrMapping/>
+  </p:clrMapOvr>
+</p:notes>
+</file>
+
 <file path=ppt/slideLayouts/slideLayout1.xml><?xml version="1.0" encoding="utf-8"?>
 <p:sldLayout xmlns:a="http://schemas.openxmlformats.org/drawingml/2006/main" xmlns:r="http://schemas.openxmlformats.org/officeDocument/2006/relationships" xmlns:p="http://schemas.openxmlformats.org/presentationml/2006/main" type="title" preserve="1">
   <p:cSld name="Титульный слайд">
@@ -251,7 +4501,7 @@
           <a:p>
             <a:fld id="{E7B7E25D-B701-4EF9-B860-AA89C8003BBC}" type="datetimeFigureOut">
               <a:rPr lang="ru-RU" smtClean="0"/>
-              <a:t>16.05.2018</a:t>
+              <a:t>22.05.2018</a:t>
             </a:fld>
             <a:endParaRPr lang="ru-RU"/>
           </a:p>
@@ -428,7 +4678,7 @@
           <a:p>
             <a:fld id="{E7B7E25D-B701-4EF9-B860-AA89C8003BBC}" type="datetimeFigureOut">
               <a:rPr lang="ru-RU" smtClean="0"/>
-              <a:t>16.05.2018</a:t>
+              <a:t>22.05.2018</a:t>
             </a:fld>
             <a:endParaRPr lang="ru-RU"/>
           </a:p>
@@ -608,7 +4858,7 @@
           <a:p>
             <a:fld id="{E7B7E25D-B701-4EF9-B860-AA89C8003BBC}" type="datetimeFigureOut">
               <a:rPr lang="ru-RU" smtClean="0"/>
-              <a:t>16.05.2018</a:t>
+              <a:t>22.05.2018</a:t>
             </a:fld>
             <a:endParaRPr lang="ru-RU"/>
           </a:p>
@@ -841,7 +5091,7 @@
           <a:p>
             <a:fld id="{E7B7E25D-B701-4EF9-B860-AA89C8003BBC}" type="datetimeFigureOut">
               <a:rPr lang="ru-RU" smtClean="0"/>
-              <a:t>16.05.2018</a:t>
+              <a:t>22.05.2018</a:t>
             </a:fld>
             <a:endParaRPr lang="ru-RU"/>
           </a:p>
@@ -1094,7 +5344,7 @@
           <a:p>
             <a:fld id="{E7B7E25D-B701-4EF9-B860-AA89C8003BBC}" type="datetimeFigureOut">
               <a:rPr lang="ru-RU" smtClean="0"/>
-              <a:t>16.05.2018</a:t>
+              <a:t>22.05.2018</a:t>
             </a:fld>
             <a:endParaRPr lang="ru-RU"/>
           </a:p>
@@ -1333,7 +5583,7 @@
           <a:p>
             <a:fld id="{E7B7E25D-B701-4EF9-B860-AA89C8003BBC}" type="datetimeFigureOut">
               <a:rPr lang="ru-RU" smtClean="0"/>
-              <a:t>16.05.2018</a:t>
+              <a:t>22.05.2018</a:t>
             </a:fld>
             <a:endParaRPr lang="ru-RU"/>
           </a:p>
@@ -1707,7 +5957,7 @@
           <a:p>
             <a:fld id="{E7B7E25D-B701-4EF9-B860-AA89C8003BBC}" type="datetimeFigureOut">
               <a:rPr lang="ru-RU" smtClean="0"/>
-              <a:t>16.05.2018</a:t>
+              <a:t>22.05.2018</a:t>
             </a:fld>
             <a:endParaRPr lang="ru-RU"/>
           </a:p>
@@ -1832,7 +6082,7 @@
           <a:p>
             <a:fld id="{E7B7E25D-B701-4EF9-B860-AA89C8003BBC}" type="datetimeFigureOut">
               <a:rPr lang="ru-RU" smtClean="0"/>
-              <a:t>16.05.2018</a:t>
+              <a:t>22.05.2018</a:t>
             </a:fld>
             <a:endParaRPr lang="ru-RU"/>
           </a:p>
@@ -1934,7 +6184,7 @@
           <a:p>
             <a:fld id="{E7B7E25D-B701-4EF9-B860-AA89C8003BBC}" type="datetimeFigureOut">
               <a:rPr lang="ru-RU" smtClean="0"/>
-              <a:t>16.05.2018</a:t>
+              <a:t>22.05.2018</a:t>
             </a:fld>
             <a:endParaRPr lang="ru-RU"/>
           </a:p>
@@ -2211,7 +6461,7 @@
           <a:p>
             <a:fld id="{E7B7E25D-B701-4EF9-B860-AA89C8003BBC}" type="datetimeFigureOut">
               <a:rPr lang="ru-RU" smtClean="0"/>
-              <a:t>16.05.2018</a:t>
+              <a:t>22.05.2018</a:t>
             </a:fld>
             <a:endParaRPr lang="ru-RU"/>
           </a:p>
@@ -2464,7 +6714,7 @@
           <a:p>
             <a:fld id="{E7B7E25D-B701-4EF9-B860-AA89C8003BBC}" type="datetimeFigureOut">
               <a:rPr lang="ru-RU" smtClean="0"/>
-              <a:t>16.05.2018</a:t>
+              <a:t>22.05.2018</a:t>
             </a:fld>
             <a:endParaRPr lang="ru-RU"/>
           </a:p>
@@ -2695,7 +6945,7 @@
           <a:p>
             <a:fld id="{E7B7E25D-B701-4EF9-B860-AA89C8003BBC}" type="datetimeFigureOut">
               <a:rPr lang="ru-RU" smtClean="0"/>
-              <a:t>16.05.2018</a:t>
+              <a:t>22.05.2018</a:t>
             </a:fld>
             <a:endParaRPr lang="ru-RU"/>
           </a:p>
@@ -3201,27 +7451,7 @@
                   </a:schemeClr>
                 </a:solidFill>
               </a:rPr>
-              <a:t>Научный руководитель: (Ёжик</a:t>
-            </a:r>
-            <a:r>
-              <a:rPr lang="en-US" dirty="0" smtClean="0">
-                <a:solidFill>
-                  <a:schemeClr val="bg1">
-                    <a:lumMod val="50000"/>
-                  </a:schemeClr>
-                </a:solidFill>
-              </a:rPr>
-              <a:t>|</a:t>
-            </a:r>
-            <a:r>
-              <a:rPr lang="ru-RU" dirty="0" smtClean="0">
-                <a:solidFill>
-                  <a:schemeClr val="bg1">
-                    <a:lumMod val="50000"/>
-                  </a:schemeClr>
-                </a:solidFill>
-              </a:rPr>
-              <a:t>Александр Панин)</a:t>
+              <a:t>Научный руководитель: Ёжик, Иван Масленников</a:t>
             </a:r>
           </a:p>
         </p:txBody>
@@ -3230,6 +7460,871 @@
     <p:extLst>
       <p:ext uri="{BB962C8B-B14F-4D97-AF65-F5344CB8AC3E}">
         <p14:creationId xmlns:p14="http://schemas.microsoft.com/office/powerpoint/2010/main" val="2565253260"/>
+      </p:ext>
+    </p:extLst>
+  </p:cSld>
+  <p:clrMapOvr>
+    <a:masterClrMapping/>
+  </p:clrMapOvr>
+  <p:timing>
+    <p:tnLst>
+      <p:par>
+        <p:cTn id="1" dur="indefinite" restart="never" nodeType="tmRoot"/>
+      </p:par>
+    </p:tnLst>
+  </p:timing>
+</p:sld>
+</file>
+
+<file path=ppt/slides/slide10.xml><?xml version="1.0" encoding="utf-8"?>
+<p:sld xmlns:a="http://schemas.openxmlformats.org/drawingml/2006/main" xmlns:r="http://schemas.openxmlformats.org/officeDocument/2006/relationships" xmlns:p="http://schemas.openxmlformats.org/presentationml/2006/main">
+  <p:cSld>
+    <p:spTree>
+      <p:nvGrpSpPr>
+        <p:cNvPr id="1" name=""/>
+        <p:cNvGrpSpPr/>
+        <p:nvPr/>
+      </p:nvGrpSpPr>
+      <p:grpSpPr>
+        <a:xfrm>
+          <a:off x="0" y="0"/>
+          <a:ext cx="0" cy="0"/>
+          <a:chOff x="0" y="0"/>
+          <a:chExt cx="0" cy="0"/>
+        </a:xfrm>
+      </p:grpSpPr>
+      <p:sp>
+        <p:nvSpPr>
+          <p:cNvPr id="2" name="Заголовок 1"/>
+          <p:cNvSpPr>
+            <a:spLocks noGrp="1"/>
+          </p:cNvSpPr>
+          <p:nvPr>
+            <p:ph type="title"/>
+          </p:nvPr>
+        </p:nvSpPr>
+        <p:spPr/>
+        <p:txBody>
+          <a:bodyPr/>
+          <a:lstStyle/>
+          <a:p>
+            <a:r>
+              <a:rPr lang="ru-RU" dirty="0" smtClean="0"/>
+              <a:t>Обучение </a:t>
+            </a:r>
+            <a:r>
+              <a:rPr lang="ru-RU" dirty="0" smtClean="0"/>
+              <a:t>нейронной сети</a:t>
+            </a:r>
+            <a:endParaRPr lang="ru-RU" dirty="0"/>
+          </a:p>
+        </p:txBody>
+      </p:sp>
+      <p:sp>
+        <p:nvSpPr>
+          <p:cNvPr id="3" name="Объект 2"/>
+          <p:cNvSpPr>
+            <a:spLocks noGrp="1"/>
+          </p:cNvSpPr>
+          <p:nvPr>
+            <p:ph sz="half" idx="1"/>
+          </p:nvPr>
+        </p:nvSpPr>
+        <p:spPr/>
+        <p:txBody>
+          <a:bodyPr/>
+          <a:lstStyle/>
+          <a:p>
+            <a:r>
+              <a:rPr lang="ru-RU" dirty="0" smtClean="0"/>
+              <a:t>Нейронная сеть – функция от входной спектрограммы и параметров</a:t>
+            </a:r>
+          </a:p>
+          <a:p>
+            <a:r>
+              <a:rPr lang="ru-RU" dirty="0" smtClean="0"/>
+              <a:t>При уменьшении функции потерь точность модели возрастает</a:t>
+            </a:r>
+          </a:p>
+          <a:p>
+            <a:r>
+              <a:rPr lang="ru-RU" dirty="0" smtClean="0"/>
+              <a:t>Двигаемся в направлении наибольшего уменьшения функции потерь</a:t>
+            </a:r>
+            <a:endParaRPr lang="ru-RU" dirty="0"/>
+          </a:p>
+        </p:txBody>
+      </p:sp>
+      <p:sp>
+        <p:nvSpPr>
+          <p:cNvPr id="4" name="Объект 3"/>
+          <p:cNvSpPr>
+            <a:spLocks noGrp="1"/>
+          </p:cNvSpPr>
+          <p:nvPr>
+            <p:ph sz="half" idx="2"/>
+          </p:nvPr>
+        </p:nvSpPr>
+        <p:spPr/>
+        <p:txBody>
+          <a:bodyPr/>
+          <a:lstStyle/>
+          <a:p>
+            <a:endParaRPr lang="ru-RU"/>
+          </a:p>
+        </p:txBody>
+      </p:sp>
+    </p:spTree>
+    <p:extLst>
+      <p:ext uri="{BB962C8B-B14F-4D97-AF65-F5344CB8AC3E}">
+        <p14:creationId xmlns:p14="http://schemas.microsoft.com/office/powerpoint/2010/main" val="538751041"/>
+      </p:ext>
+    </p:extLst>
+  </p:cSld>
+  <p:clrMapOvr>
+    <a:masterClrMapping/>
+  </p:clrMapOvr>
+  <p:timing>
+    <p:tnLst>
+      <p:par>
+        <p:cTn id="1" dur="indefinite" restart="never" nodeType="tmRoot"/>
+      </p:par>
+    </p:tnLst>
+  </p:timing>
+</p:sld>
+</file>
+
+<file path=ppt/slides/slide11.xml><?xml version="1.0" encoding="utf-8"?>
+<p:sld xmlns:a="http://schemas.openxmlformats.org/drawingml/2006/main" xmlns:r="http://schemas.openxmlformats.org/officeDocument/2006/relationships" xmlns:p="http://schemas.openxmlformats.org/presentationml/2006/main">
+  <p:cSld>
+    <p:spTree>
+      <p:nvGrpSpPr>
+        <p:cNvPr id="1" name=""/>
+        <p:cNvGrpSpPr/>
+        <p:nvPr/>
+      </p:nvGrpSpPr>
+      <p:grpSpPr>
+        <a:xfrm>
+          <a:off x="0" y="0"/>
+          <a:ext cx="0" cy="0"/>
+          <a:chOff x="0" y="0"/>
+          <a:chExt cx="0" cy="0"/>
+        </a:xfrm>
+      </p:grpSpPr>
+      <p:sp>
+        <p:nvSpPr>
+          <p:cNvPr id="2" name="Заголовок 1"/>
+          <p:cNvSpPr>
+            <a:spLocks noGrp="1"/>
+          </p:cNvSpPr>
+          <p:nvPr>
+            <p:ph type="title"/>
+          </p:nvPr>
+        </p:nvSpPr>
+        <p:spPr/>
+        <p:txBody>
+          <a:bodyPr/>
+          <a:lstStyle/>
+          <a:p>
+            <a:r>
+              <a:rPr lang="ru-RU" dirty="0" smtClean="0"/>
+              <a:t>Точность предсказаний с помощью нейронной сети</a:t>
+            </a:r>
+            <a:endParaRPr lang="ru-RU" dirty="0"/>
+          </a:p>
+        </p:txBody>
+      </p:sp>
+      <p:sp>
+        <p:nvSpPr>
+          <p:cNvPr id="3" name="Объект 2"/>
+          <p:cNvSpPr>
+            <a:spLocks noGrp="1"/>
+          </p:cNvSpPr>
+          <p:nvPr>
+            <p:ph sz="half" idx="1"/>
+          </p:nvPr>
+        </p:nvSpPr>
+        <p:spPr>
+          <a:xfrm>
+            <a:off x="838200" y="1825625"/>
+            <a:ext cx="4563359" cy="4351338"/>
+          </a:xfrm>
+        </p:spPr>
+        <p:txBody>
+          <a:bodyPr>
+            <a:normAutofit/>
+          </a:bodyPr>
+          <a:lstStyle/>
+          <a:p>
+            <a:r>
+              <a:rPr lang="ru-RU" dirty="0" smtClean="0"/>
+              <a:t>Модель обучилась на выборке</a:t>
+            </a:r>
+            <a:r>
+              <a:rPr lang="en-US" dirty="0" smtClean="0"/>
+              <a:t> </a:t>
+            </a:r>
+            <a:r>
+              <a:rPr lang="ru-RU" dirty="0" smtClean="0"/>
+              <a:t>из </a:t>
+            </a:r>
+            <a:r>
+              <a:rPr lang="ru-RU" dirty="0" smtClean="0">
+                <a:solidFill>
+                  <a:schemeClr val="bg1"/>
+                </a:solidFill>
+              </a:rPr>
+              <a:t>2864</a:t>
+            </a:r>
+            <a:r>
+              <a:rPr lang="ru-RU" dirty="0" smtClean="0"/>
+              <a:t> </a:t>
+            </a:r>
+            <a:r>
+              <a:rPr lang="ru-RU" dirty="0" smtClean="0"/>
+              <a:t>файлов</a:t>
+            </a:r>
+            <a:r>
+              <a:rPr lang="en-US" dirty="0" smtClean="0"/>
+              <a:t> (</a:t>
+            </a:r>
+            <a:r>
+              <a:rPr lang="ru-RU" dirty="0" smtClean="0"/>
+              <a:t>та же выборка, на которой обучались деревья</a:t>
+            </a:r>
+            <a:r>
+              <a:rPr lang="en-US" dirty="0" smtClean="0"/>
+              <a:t>)</a:t>
+            </a:r>
+            <a:r>
+              <a:rPr lang="ru-RU" dirty="0" smtClean="0"/>
+              <a:t>, </a:t>
+            </a:r>
+            <a:r>
+              <a:rPr lang="ru-RU" dirty="0" smtClean="0"/>
+              <a:t>принадлежащих </a:t>
+            </a:r>
+            <a:r>
+              <a:rPr lang="ru-RU" dirty="0" smtClean="0">
+                <a:solidFill>
+                  <a:schemeClr val="bg1"/>
+                </a:solidFill>
+              </a:rPr>
+              <a:t>33</a:t>
+            </a:r>
+            <a:r>
+              <a:rPr lang="ru-RU" dirty="0" smtClean="0"/>
+              <a:t> людям </a:t>
+            </a:r>
+            <a:endParaRPr lang="en-US" dirty="0" smtClean="0"/>
+          </a:p>
+          <a:p>
+            <a:r>
+              <a:rPr lang="ru-RU" dirty="0" smtClean="0"/>
+              <a:t>На тестовой выборке модель определяет пол человека с точностью </a:t>
+            </a:r>
+            <a:r>
+              <a:rPr lang="ru-RU" dirty="0" smtClean="0">
+                <a:solidFill>
+                  <a:schemeClr val="bg1"/>
+                </a:solidFill>
+              </a:rPr>
+              <a:t>97%</a:t>
+            </a:r>
+            <a:r>
+              <a:rPr lang="ru-RU" dirty="0" smtClean="0"/>
+              <a:t>, на тренировочной – </a:t>
+            </a:r>
+            <a:r>
+              <a:rPr lang="en-US" dirty="0" smtClean="0">
+                <a:solidFill>
+                  <a:schemeClr val="bg1"/>
+                </a:solidFill>
+              </a:rPr>
+              <a:t>99%</a:t>
+            </a:r>
+            <a:endParaRPr lang="ru-RU" dirty="0">
+              <a:solidFill>
+                <a:schemeClr val="bg1"/>
+              </a:solidFill>
+            </a:endParaRPr>
+          </a:p>
+        </p:txBody>
+      </p:sp>
+      <p:graphicFrame>
+        <p:nvGraphicFramePr>
+          <p:cNvPr id="7" name="Объект 6"/>
+          <p:cNvGraphicFramePr>
+            <a:graphicFrameLocks noGrp="1"/>
+          </p:cNvGraphicFramePr>
+          <p:nvPr>
+            <p:ph sz="half" idx="2"/>
+            <p:extLst>
+              <p:ext uri="{D42A27DB-BD31-4B8C-83A1-F6EECF244321}">
+                <p14:modId xmlns:p14="http://schemas.microsoft.com/office/powerpoint/2010/main" val="2721525946"/>
+              </p:ext>
+            </p:extLst>
+          </p:nvPr>
+        </p:nvGraphicFramePr>
+        <p:xfrm>
+          <a:off x="5870542" y="1690688"/>
+          <a:ext cx="5181600" cy="4351338"/>
+        </p:xfrm>
+        <a:graphic>
+          <a:graphicData uri="http://schemas.openxmlformats.org/drawingml/2006/chart">
+            <c:chart xmlns:c="http://schemas.openxmlformats.org/drawingml/2006/chart" xmlns:r="http://schemas.openxmlformats.org/officeDocument/2006/relationships" r:id="rId2"/>
+          </a:graphicData>
+        </a:graphic>
+      </p:graphicFrame>
+    </p:spTree>
+    <p:extLst>
+      <p:ext uri="{BB962C8B-B14F-4D97-AF65-F5344CB8AC3E}">
+        <p14:creationId xmlns:p14="http://schemas.microsoft.com/office/powerpoint/2010/main" val="1692954"/>
+      </p:ext>
+    </p:extLst>
+  </p:cSld>
+  <p:clrMapOvr>
+    <a:masterClrMapping/>
+  </p:clrMapOvr>
+  <p:timing>
+    <p:tnLst>
+      <p:par>
+        <p:cTn id="1" dur="indefinite" restart="never" nodeType="tmRoot"/>
+      </p:par>
+    </p:tnLst>
+  </p:timing>
+</p:sld>
+</file>
+
+<file path=ppt/slides/slide12.xml><?xml version="1.0" encoding="utf-8"?>
+<p:sld xmlns:a="http://schemas.openxmlformats.org/drawingml/2006/main" xmlns:r="http://schemas.openxmlformats.org/officeDocument/2006/relationships" xmlns:p="http://schemas.openxmlformats.org/presentationml/2006/main">
+  <p:cSld>
+    <p:spTree>
+      <p:nvGrpSpPr>
+        <p:cNvPr id="1" name=""/>
+        <p:cNvGrpSpPr/>
+        <p:nvPr/>
+      </p:nvGrpSpPr>
+      <p:grpSpPr>
+        <a:xfrm>
+          <a:off x="0" y="0"/>
+          <a:ext cx="0" cy="0"/>
+          <a:chOff x="0" y="0"/>
+          <a:chExt cx="0" cy="0"/>
+        </a:xfrm>
+      </p:grpSpPr>
+      <p:sp>
+        <p:nvSpPr>
+          <p:cNvPr id="2" name="Заголовок 1"/>
+          <p:cNvSpPr>
+            <a:spLocks noGrp="1"/>
+          </p:cNvSpPr>
+          <p:nvPr>
+            <p:ph type="title"/>
+          </p:nvPr>
+        </p:nvSpPr>
+        <p:spPr/>
+        <p:txBody>
+          <a:bodyPr/>
+          <a:lstStyle/>
+          <a:p>
+            <a:r>
+              <a:rPr lang="ru-RU" dirty="0" smtClean="0"/>
+              <a:t>Следующая задача: определение человека по голосу</a:t>
+            </a:r>
+            <a:endParaRPr lang="ru-RU" dirty="0"/>
+          </a:p>
+        </p:txBody>
+      </p:sp>
+      <p:sp>
+        <p:nvSpPr>
+          <p:cNvPr id="3" name="Объект 2"/>
+          <p:cNvSpPr>
+            <a:spLocks noGrp="1"/>
+          </p:cNvSpPr>
+          <p:nvPr>
+            <p:ph sz="half" idx="1"/>
+          </p:nvPr>
+        </p:nvSpPr>
+        <p:spPr/>
+        <p:txBody>
+          <a:bodyPr/>
+          <a:lstStyle/>
+          <a:p>
+            <a:r>
+              <a:rPr lang="ru-RU" dirty="0" smtClean="0"/>
+              <a:t>Отличие от предыдущей задачи: неопределённое число классов</a:t>
+            </a:r>
+          </a:p>
+          <a:p>
+            <a:r>
+              <a:rPr lang="ru-RU" dirty="0" smtClean="0"/>
+              <a:t>Модель будет предсказывать многомерный вектор для голоса</a:t>
+            </a:r>
+          </a:p>
+          <a:p>
+            <a:r>
+              <a:rPr lang="ru-RU" dirty="0" smtClean="0"/>
+              <a:t>Обучаем модель так, чтобы вектора от одного человека были близки, а от разных – далеки</a:t>
+            </a:r>
+          </a:p>
+        </p:txBody>
+      </p:sp>
+      <p:sp>
+        <p:nvSpPr>
+          <p:cNvPr id="4" name="Объект 3"/>
+          <p:cNvSpPr>
+            <a:spLocks noGrp="1"/>
+          </p:cNvSpPr>
+          <p:nvPr>
+            <p:ph sz="half" idx="2"/>
+          </p:nvPr>
+        </p:nvSpPr>
+        <p:spPr/>
+        <p:txBody>
+          <a:bodyPr/>
+          <a:lstStyle/>
+          <a:p>
+            <a:r>
+              <a:rPr lang="ru-RU" dirty="0" err="1"/>
+              <a:t>м</a:t>
+            </a:r>
+            <a:r>
+              <a:rPr lang="ru-RU" dirty="0" err="1" smtClean="0"/>
+              <a:t>ем</a:t>
+            </a:r>
+            <a:r>
+              <a:rPr lang="ru-RU" dirty="0" smtClean="0"/>
+              <a:t> про многомерное пространство</a:t>
+            </a:r>
+            <a:endParaRPr lang="ru-RU" dirty="0"/>
+          </a:p>
+        </p:txBody>
+      </p:sp>
+    </p:spTree>
+    <p:extLst>
+      <p:ext uri="{BB962C8B-B14F-4D97-AF65-F5344CB8AC3E}">
+        <p14:creationId xmlns:p14="http://schemas.microsoft.com/office/powerpoint/2010/main" val="4041916253"/>
+      </p:ext>
+    </p:extLst>
+  </p:cSld>
+  <p:clrMapOvr>
+    <a:masterClrMapping/>
+  </p:clrMapOvr>
+  <p:timing>
+    <p:tnLst>
+      <p:par>
+        <p:cTn id="1" dur="indefinite" restart="never" nodeType="tmRoot"/>
+      </p:par>
+    </p:tnLst>
+  </p:timing>
+</p:sld>
+</file>
+
+<file path=ppt/slides/slide13.xml><?xml version="1.0" encoding="utf-8"?>
+<p:sld xmlns:a="http://schemas.openxmlformats.org/drawingml/2006/main" xmlns:r="http://schemas.openxmlformats.org/officeDocument/2006/relationships" xmlns:p="http://schemas.openxmlformats.org/presentationml/2006/main">
+  <p:cSld>
+    <p:spTree>
+      <p:nvGrpSpPr>
+        <p:cNvPr id="1" name=""/>
+        <p:cNvGrpSpPr/>
+        <p:nvPr/>
+      </p:nvGrpSpPr>
+      <p:grpSpPr>
+        <a:xfrm>
+          <a:off x="0" y="0"/>
+          <a:ext cx="0" cy="0"/>
+          <a:chOff x="0" y="0"/>
+          <a:chExt cx="0" cy="0"/>
+        </a:xfrm>
+      </p:grpSpPr>
+      <p:sp>
+        <p:nvSpPr>
+          <p:cNvPr id="2" name="Заголовок 1"/>
+          <p:cNvSpPr>
+            <a:spLocks noGrp="1"/>
+          </p:cNvSpPr>
+          <p:nvPr>
+            <p:ph type="title"/>
+          </p:nvPr>
+        </p:nvSpPr>
+        <p:spPr/>
+        <p:txBody>
+          <a:bodyPr>
+            <a:normAutofit/>
+          </a:bodyPr>
+          <a:lstStyle/>
+          <a:p>
+            <a:r>
+              <a:rPr lang="ru-RU" dirty="0"/>
+              <a:t>Определяем 2 вектора от одного человека или </a:t>
+            </a:r>
+            <a:r>
+              <a:rPr lang="ru-RU" dirty="0" smtClean="0"/>
+              <a:t>нет</a:t>
+            </a:r>
+            <a:endParaRPr lang="ru-RU" dirty="0"/>
+          </a:p>
+        </p:txBody>
+      </p:sp>
+      <p:sp>
+        <p:nvSpPr>
+          <p:cNvPr id="3" name="Объект 2"/>
+          <p:cNvSpPr>
+            <a:spLocks noGrp="1"/>
+          </p:cNvSpPr>
+          <p:nvPr>
+            <p:ph sz="half" idx="1"/>
+          </p:nvPr>
+        </p:nvSpPr>
+        <p:spPr/>
+        <p:txBody>
+          <a:bodyPr/>
+          <a:lstStyle/>
+          <a:p>
+            <a:r>
+              <a:rPr lang="ru-RU" dirty="0" smtClean="0"/>
+              <a:t>КАРТИНКА</a:t>
+            </a:r>
+            <a:endParaRPr lang="ru-RU" dirty="0"/>
+          </a:p>
+        </p:txBody>
+      </p:sp>
+      <p:sp>
+        <p:nvSpPr>
+          <p:cNvPr id="4" name="Объект 3"/>
+          <p:cNvSpPr>
+            <a:spLocks noGrp="1"/>
+          </p:cNvSpPr>
+          <p:nvPr>
+            <p:ph sz="half" idx="2"/>
+          </p:nvPr>
+        </p:nvSpPr>
+        <p:spPr/>
+        <p:txBody>
+          <a:bodyPr/>
+          <a:lstStyle/>
+          <a:p>
+            <a:endParaRPr lang="ru-RU"/>
+          </a:p>
+        </p:txBody>
+      </p:sp>
+    </p:spTree>
+    <p:extLst>
+      <p:ext uri="{BB962C8B-B14F-4D97-AF65-F5344CB8AC3E}">
+        <p14:creationId xmlns:p14="http://schemas.microsoft.com/office/powerpoint/2010/main" val="2948563628"/>
+      </p:ext>
+    </p:extLst>
+  </p:cSld>
+  <p:clrMapOvr>
+    <a:masterClrMapping/>
+  </p:clrMapOvr>
+  <p:timing>
+    <p:tnLst>
+      <p:par>
+        <p:cTn id="1" dur="indefinite" restart="never" nodeType="tmRoot"/>
+      </p:par>
+    </p:tnLst>
+  </p:timing>
+</p:sld>
+</file>
+
+<file path=ppt/slides/slide14.xml><?xml version="1.0" encoding="utf-8"?>
+<p:sld xmlns:a="http://schemas.openxmlformats.org/drawingml/2006/main" xmlns:r="http://schemas.openxmlformats.org/officeDocument/2006/relationships" xmlns:p="http://schemas.openxmlformats.org/presentationml/2006/main">
+  <p:cSld>
+    <p:spTree>
+      <p:nvGrpSpPr>
+        <p:cNvPr id="1" name=""/>
+        <p:cNvGrpSpPr/>
+        <p:nvPr/>
+      </p:nvGrpSpPr>
+      <p:grpSpPr>
+        <a:xfrm>
+          <a:off x="0" y="0"/>
+          <a:ext cx="0" cy="0"/>
+          <a:chOff x="0" y="0"/>
+          <a:chExt cx="0" cy="0"/>
+        </a:xfrm>
+      </p:grpSpPr>
+      <p:sp>
+        <p:nvSpPr>
+          <p:cNvPr id="2" name="Заголовок 1"/>
+          <p:cNvSpPr>
+            <a:spLocks noGrp="1"/>
+          </p:cNvSpPr>
+          <p:nvPr>
+            <p:ph type="title"/>
+          </p:nvPr>
+        </p:nvSpPr>
+        <p:spPr/>
+        <p:txBody>
+          <a:bodyPr/>
+          <a:lstStyle/>
+          <a:p>
+            <a:r>
+              <a:rPr lang="ru-RU" dirty="0" err="1" smtClean="0"/>
+              <a:t>Нейросеть</a:t>
+            </a:r>
+            <a:r>
+              <a:rPr lang="ru-RU" dirty="0" smtClean="0"/>
+              <a:t> сходства и отличия</a:t>
+            </a:r>
+            <a:endParaRPr lang="ru-RU" dirty="0"/>
+          </a:p>
+        </p:txBody>
+      </p:sp>
+      <p:sp>
+        <p:nvSpPr>
+          <p:cNvPr id="3" name="Объект 2"/>
+          <p:cNvSpPr>
+            <a:spLocks noGrp="1"/>
+          </p:cNvSpPr>
+          <p:nvPr>
+            <p:ph sz="half" idx="1"/>
+          </p:nvPr>
+        </p:nvSpPr>
+        <p:spPr/>
+        <p:txBody>
+          <a:bodyPr/>
+          <a:lstStyle/>
+          <a:p>
+            <a:r>
+              <a:rPr lang="ru-RU" dirty="0" err="1" smtClean="0"/>
+              <a:t>Аохитектура</a:t>
+            </a:r>
+            <a:endParaRPr lang="ru-RU" dirty="0"/>
+          </a:p>
+        </p:txBody>
+      </p:sp>
+      <p:sp>
+        <p:nvSpPr>
+          <p:cNvPr id="4" name="Объект 3"/>
+          <p:cNvSpPr>
+            <a:spLocks noGrp="1"/>
+          </p:cNvSpPr>
+          <p:nvPr>
+            <p:ph sz="half" idx="2"/>
+          </p:nvPr>
+        </p:nvSpPr>
+        <p:spPr/>
+        <p:txBody>
+          <a:bodyPr/>
+          <a:lstStyle/>
+          <a:p>
+            <a:endParaRPr lang="ru-RU" dirty="0"/>
+          </a:p>
+        </p:txBody>
+      </p:sp>
+    </p:spTree>
+    <p:extLst>
+      <p:ext uri="{BB962C8B-B14F-4D97-AF65-F5344CB8AC3E}">
+        <p14:creationId xmlns:p14="http://schemas.microsoft.com/office/powerpoint/2010/main" val="4071291975"/>
+      </p:ext>
+    </p:extLst>
+  </p:cSld>
+  <p:clrMapOvr>
+    <a:masterClrMapping/>
+  </p:clrMapOvr>
+  <p:timing>
+    <p:tnLst>
+      <p:par>
+        <p:cTn id="1" dur="indefinite" restart="never" nodeType="tmRoot"/>
+      </p:par>
+    </p:tnLst>
+  </p:timing>
+</p:sld>
+</file>
+
+<file path=ppt/slides/slide15.xml><?xml version="1.0" encoding="utf-8"?>
+<p:sld xmlns:a="http://schemas.openxmlformats.org/drawingml/2006/main" xmlns:r="http://schemas.openxmlformats.org/officeDocument/2006/relationships" xmlns:p="http://schemas.openxmlformats.org/presentationml/2006/main">
+  <p:cSld>
+    <p:spTree>
+      <p:nvGrpSpPr>
+        <p:cNvPr id="1" name=""/>
+        <p:cNvGrpSpPr/>
+        <p:nvPr/>
+      </p:nvGrpSpPr>
+      <p:grpSpPr>
+        <a:xfrm>
+          <a:off x="0" y="0"/>
+          <a:ext cx="0" cy="0"/>
+          <a:chOff x="0" y="0"/>
+          <a:chExt cx="0" cy="0"/>
+        </a:xfrm>
+      </p:grpSpPr>
+      <p:sp>
+        <p:nvSpPr>
+          <p:cNvPr id="2" name="Заголовок 1"/>
+          <p:cNvSpPr>
+            <a:spLocks noGrp="1"/>
+          </p:cNvSpPr>
+          <p:nvPr>
+            <p:ph type="title"/>
+          </p:nvPr>
+        </p:nvSpPr>
+        <p:spPr/>
+        <p:txBody>
+          <a:bodyPr/>
+          <a:lstStyle/>
+          <a:p>
+            <a:r>
+              <a:rPr lang="ru-RU" dirty="0" smtClean="0"/>
+              <a:t>Способ обучения</a:t>
+            </a:r>
+            <a:endParaRPr lang="ru-RU" dirty="0"/>
+          </a:p>
+        </p:txBody>
+      </p:sp>
+      <p:sp>
+        <p:nvSpPr>
+          <p:cNvPr id="3" name="Объект 2"/>
+          <p:cNvSpPr>
+            <a:spLocks noGrp="1"/>
+          </p:cNvSpPr>
+          <p:nvPr>
+            <p:ph sz="half" idx="1"/>
+          </p:nvPr>
+        </p:nvSpPr>
+        <p:spPr/>
+        <p:txBody>
+          <a:bodyPr/>
+          <a:lstStyle/>
+          <a:p>
+            <a:r>
+              <a:rPr lang="ru-RU" dirty="0" smtClean="0"/>
+              <a:t>Якорь, положительный пример, отрицательный пример</a:t>
+            </a:r>
+            <a:endParaRPr lang="ru-RU" dirty="0"/>
+          </a:p>
+        </p:txBody>
+      </p:sp>
+      <p:sp>
+        <p:nvSpPr>
+          <p:cNvPr id="4" name="Объект 3"/>
+          <p:cNvSpPr>
+            <a:spLocks noGrp="1"/>
+          </p:cNvSpPr>
+          <p:nvPr>
+            <p:ph sz="half" idx="2"/>
+          </p:nvPr>
+        </p:nvSpPr>
+        <p:spPr/>
+        <p:txBody>
+          <a:bodyPr/>
+          <a:lstStyle/>
+          <a:p>
+            <a:endParaRPr lang="ru-RU"/>
+          </a:p>
+        </p:txBody>
+      </p:sp>
+    </p:spTree>
+    <p:extLst>
+      <p:ext uri="{BB962C8B-B14F-4D97-AF65-F5344CB8AC3E}">
+        <p14:creationId xmlns:p14="http://schemas.microsoft.com/office/powerpoint/2010/main" val="1541928855"/>
+      </p:ext>
+    </p:extLst>
+  </p:cSld>
+  <p:clrMapOvr>
+    <a:masterClrMapping/>
+  </p:clrMapOvr>
+  <p:timing>
+    <p:tnLst>
+      <p:par>
+        <p:cTn id="1" dur="indefinite" restart="never" nodeType="tmRoot"/>
+      </p:par>
+    </p:tnLst>
+  </p:timing>
+</p:sld>
+</file>
+
+<file path=ppt/slides/slide16.xml><?xml version="1.0" encoding="utf-8"?>
+<p:sld xmlns:a="http://schemas.openxmlformats.org/drawingml/2006/main" xmlns:r="http://schemas.openxmlformats.org/officeDocument/2006/relationships" xmlns:p="http://schemas.openxmlformats.org/presentationml/2006/main">
+  <p:cSld>
+    <p:spTree>
+      <p:nvGrpSpPr>
+        <p:cNvPr id="1" name=""/>
+        <p:cNvGrpSpPr/>
+        <p:nvPr/>
+      </p:nvGrpSpPr>
+      <p:grpSpPr>
+        <a:xfrm>
+          <a:off x="0" y="0"/>
+          <a:ext cx="0" cy="0"/>
+          <a:chOff x="0" y="0"/>
+          <a:chExt cx="0" cy="0"/>
+        </a:xfrm>
+      </p:grpSpPr>
+      <p:sp>
+        <p:nvSpPr>
+          <p:cNvPr id="2" name="Заголовок 1"/>
+          <p:cNvSpPr>
+            <a:spLocks noGrp="1"/>
+          </p:cNvSpPr>
+          <p:nvPr>
+            <p:ph type="title"/>
+          </p:nvPr>
+        </p:nvSpPr>
+        <p:spPr/>
+        <p:txBody>
+          <a:bodyPr/>
+          <a:lstStyle/>
+          <a:p>
+            <a:r>
+              <a:rPr lang="ru-RU" dirty="0" smtClean="0"/>
+              <a:t>Результаты, точность</a:t>
+            </a:r>
+            <a:endParaRPr lang="ru-RU" dirty="0"/>
+          </a:p>
+        </p:txBody>
+      </p:sp>
+      <p:sp>
+        <p:nvSpPr>
+          <p:cNvPr id="3" name="Объект 2"/>
+          <p:cNvSpPr>
+            <a:spLocks noGrp="1"/>
+          </p:cNvSpPr>
+          <p:nvPr>
+            <p:ph sz="half" idx="1"/>
+          </p:nvPr>
+        </p:nvSpPr>
+        <p:spPr/>
+        <p:txBody>
+          <a:bodyPr/>
+          <a:lstStyle/>
+          <a:p>
+            <a:r>
+              <a:rPr lang="ru-RU" dirty="0" smtClean="0"/>
+              <a:t>Точность</a:t>
+            </a:r>
+          </a:p>
+          <a:p>
+            <a:endParaRPr lang="ru-RU" dirty="0"/>
+          </a:p>
+        </p:txBody>
+      </p:sp>
+      <p:sp>
+        <p:nvSpPr>
+          <p:cNvPr id="4" name="Объект 3"/>
+          <p:cNvSpPr>
+            <a:spLocks noGrp="1"/>
+          </p:cNvSpPr>
+          <p:nvPr>
+            <p:ph sz="half" idx="2"/>
+          </p:nvPr>
+        </p:nvSpPr>
+        <p:spPr/>
+        <p:txBody>
+          <a:bodyPr/>
+          <a:lstStyle/>
+          <a:p>
+            <a:endParaRPr lang="ru-RU"/>
+          </a:p>
+        </p:txBody>
+      </p:sp>
+    </p:spTree>
+    <p:extLst>
+      <p:ext uri="{BB962C8B-B14F-4D97-AF65-F5344CB8AC3E}">
+        <p14:creationId xmlns:p14="http://schemas.microsoft.com/office/powerpoint/2010/main" val="1926393006"/>
       </p:ext>
     </p:extLst>
   </p:cSld>
@@ -3595,27 +8690,7 @@
                   </a:schemeClr>
                 </a:solidFill>
               </a:rPr>
-              <a:t>Найти данные для обучения </a:t>
-            </a:r>
-            <a:r>
-              <a:rPr lang="ru-RU" dirty="0" smtClean="0">
-                <a:solidFill>
-                  <a:schemeClr val="bg1">
-                    <a:lumMod val="95000"/>
-                  </a:schemeClr>
-                </a:solidFill>
-              </a:rPr>
-              <a:t>программы </a:t>
-            </a:r>
-            <a:r>
-              <a:rPr lang="ru-RU" dirty="0" smtClean="0">
-                <a:solidFill>
-                  <a:schemeClr val="bg1">
-                    <a:lumMod val="95000"/>
-                  </a:schemeClr>
-                </a:solidFill>
-              </a:rPr>
-              <a:t>распознаванию человеческого голоса</a:t>
+              <a:t>Найти данные для обучения программы распознаванию человеческого голоса</a:t>
             </a:r>
           </a:p>
           <a:p>
@@ -4007,6 +9082,258 @@
       </p:grpSpPr>
       <p:sp>
         <p:nvSpPr>
+          <p:cNvPr id="3" name="Объект 2"/>
+          <p:cNvSpPr>
+            <a:spLocks noGrp="1"/>
+          </p:cNvSpPr>
+          <p:nvPr>
+            <p:ph idx="1"/>
+          </p:nvPr>
+        </p:nvSpPr>
+        <p:spPr/>
+        <p:txBody>
+          <a:bodyPr/>
+          <a:lstStyle/>
+          <a:p>
+            <a:r>
+              <a:rPr lang="ru-RU" dirty="0" smtClean="0"/>
+              <a:t>Задача 1: определить параметры человека (напр. </a:t>
+            </a:r>
+            <a:r>
+              <a:rPr lang="ru-RU" dirty="0"/>
+              <a:t>п</a:t>
+            </a:r>
+            <a:r>
+              <a:rPr lang="ru-RU" dirty="0" smtClean="0"/>
+              <a:t>ол)</a:t>
+            </a:r>
+          </a:p>
+          <a:p>
+            <a:pPr marL="0" indent="0" algn="ctr">
+              <a:buNone/>
+            </a:pPr>
+            <a:r>
+              <a:rPr lang="ru-RU" dirty="0" smtClean="0"/>
+              <a:t>(картинка</a:t>
+            </a:r>
+            <a:r>
+              <a:rPr lang="en-US" dirty="0" smtClean="0"/>
+              <a:t>?</a:t>
+            </a:r>
+            <a:r>
+              <a:rPr lang="ru-RU" dirty="0" smtClean="0"/>
+              <a:t>)</a:t>
+            </a:r>
+            <a:endParaRPr lang="ru-RU" dirty="0"/>
+          </a:p>
+          <a:p>
+            <a:endParaRPr lang="ru-RU" dirty="0" smtClean="0"/>
+          </a:p>
+          <a:p>
+            <a:r>
+              <a:rPr lang="ru-RU" dirty="0" smtClean="0"/>
+              <a:t>Задача 2: определить человека из базы данных</a:t>
+            </a:r>
+          </a:p>
+          <a:p>
+            <a:pPr marL="0" indent="0" algn="ctr">
+              <a:buNone/>
+            </a:pPr>
+            <a:r>
+              <a:rPr lang="ru-RU" dirty="0" smtClean="0"/>
+              <a:t>(картинка</a:t>
+            </a:r>
+            <a:r>
+              <a:rPr lang="en-US" dirty="0" smtClean="0"/>
+              <a:t>?</a:t>
+            </a:r>
+            <a:r>
+              <a:rPr lang="ru-RU" dirty="0" smtClean="0"/>
+              <a:t>)</a:t>
+            </a:r>
+          </a:p>
+        </p:txBody>
+      </p:sp>
+    </p:spTree>
+    <p:extLst>
+      <p:ext uri="{BB962C8B-B14F-4D97-AF65-F5344CB8AC3E}">
+        <p14:creationId xmlns:p14="http://schemas.microsoft.com/office/powerpoint/2010/main" val="3774952573"/>
+      </p:ext>
+    </p:extLst>
+  </p:cSld>
+  <p:clrMapOvr>
+    <a:masterClrMapping/>
+  </p:clrMapOvr>
+  <p:timing>
+    <p:tnLst>
+      <p:par>
+        <p:cTn id="1" dur="indefinite" restart="never" nodeType="tmRoot"/>
+      </p:par>
+    </p:tnLst>
+  </p:timing>
+</p:sld>
+</file>
+
+<file path=ppt/slides/slide4.xml><?xml version="1.0" encoding="utf-8"?>
+<p:sld xmlns:a="http://schemas.openxmlformats.org/drawingml/2006/main" xmlns:r="http://schemas.openxmlformats.org/officeDocument/2006/relationships" xmlns:p="http://schemas.openxmlformats.org/presentationml/2006/main">
+  <p:cSld>
+    <p:spTree>
+      <p:nvGrpSpPr>
+        <p:cNvPr id="1" name=""/>
+        <p:cNvGrpSpPr/>
+        <p:nvPr/>
+      </p:nvGrpSpPr>
+      <p:grpSpPr>
+        <a:xfrm>
+          <a:off x="0" y="0"/>
+          <a:ext cx="0" cy="0"/>
+          <a:chOff x="0" y="0"/>
+          <a:chExt cx="0" cy="0"/>
+        </a:xfrm>
+      </p:grpSpPr>
+      <p:sp>
+        <p:nvSpPr>
+          <p:cNvPr id="2" name="Заголовок 1"/>
+          <p:cNvSpPr>
+            <a:spLocks noGrp="1"/>
+          </p:cNvSpPr>
+          <p:nvPr>
+            <p:ph type="title"/>
+          </p:nvPr>
+        </p:nvSpPr>
+        <p:spPr/>
+        <p:txBody>
+          <a:bodyPr/>
+          <a:lstStyle/>
+          <a:p>
+            <a:r>
+              <a:rPr lang="ru-RU" dirty="0" smtClean="0"/>
+              <a:t>Способ обработки звука</a:t>
+            </a:r>
+            <a:endParaRPr lang="ru-RU" dirty="0"/>
+          </a:p>
+        </p:txBody>
+      </p:sp>
+      <p:sp>
+        <p:nvSpPr>
+          <p:cNvPr id="3" name="Объект 2"/>
+          <p:cNvSpPr>
+            <a:spLocks noGrp="1"/>
+          </p:cNvSpPr>
+          <p:nvPr>
+            <p:ph sz="half" idx="1"/>
+          </p:nvPr>
+        </p:nvSpPr>
+        <p:spPr>
+          <a:xfrm>
+            <a:off x="838200" y="1825625"/>
+            <a:ext cx="6281057" cy="4351338"/>
+          </a:xfrm>
+        </p:spPr>
+        <p:txBody>
+          <a:bodyPr>
+            <a:normAutofit/>
+          </a:bodyPr>
+          <a:lstStyle/>
+          <a:p>
+            <a:r>
+              <a:rPr lang="ru-RU" dirty="0"/>
+              <a:t>Любой звук можно представить как сумму гармонических </a:t>
+            </a:r>
+            <a:r>
+              <a:rPr lang="ru-RU" dirty="0" smtClean="0"/>
+              <a:t>колебаний</a:t>
+            </a:r>
+            <a:endParaRPr lang="en-US" dirty="0" smtClean="0"/>
+          </a:p>
+          <a:p>
+            <a:r>
+              <a:rPr lang="ru-RU" dirty="0" smtClean="0"/>
+              <a:t>Признаки звука: средняя </a:t>
+            </a:r>
+            <a:r>
+              <a:rPr lang="ru-RU" dirty="0"/>
+              <a:t>частота, медиана частот, дисперсия и т. д</a:t>
+            </a:r>
+            <a:r>
+              <a:rPr lang="ru-RU" dirty="0" smtClean="0"/>
+              <a:t>.</a:t>
+            </a:r>
+            <a:endParaRPr lang="ru-RU" dirty="0"/>
+          </a:p>
+          <a:p>
+            <a:r>
+              <a:rPr lang="ru-RU" dirty="0" smtClean="0"/>
+              <a:t>Данные о разложении звука на частоты будут использованы для определения пола</a:t>
+            </a:r>
+          </a:p>
+        </p:txBody>
+      </p:sp>
+      <p:pic>
+        <p:nvPicPr>
+          <p:cNvPr id="7" name="Объект 6"/>
+          <p:cNvPicPr>
+            <a:picLocks noGrp="1" noChangeAspect="1"/>
+          </p:cNvPicPr>
+          <p:nvPr>
+            <p:ph sz="half" idx="2"/>
+          </p:nvPr>
+        </p:nvPicPr>
+        <p:blipFill>
+          <a:blip r:embed="rId3"/>
+          <a:stretch>
+            <a:fillRect/>
+          </a:stretch>
+        </p:blipFill>
+        <p:spPr>
+          <a:xfrm>
+            <a:off x="7720496" y="1443124"/>
+            <a:ext cx="4298509" cy="4957676"/>
+          </a:xfrm>
+          <a:prstGeom prst="rect">
+            <a:avLst/>
+          </a:prstGeom>
+        </p:spPr>
+      </p:pic>
+    </p:spTree>
+    <p:extLst>
+      <p:ext uri="{BB962C8B-B14F-4D97-AF65-F5344CB8AC3E}">
+        <p14:creationId xmlns:p14="http://schemas.microsoft.com/office/powerpoint/2010/main" val="3830664239"/>
+      </p:ext>
+    </p:extLst>
+  </p:cSld>
+  <p:clrMapOvr>
+    <a:masterClrMapping/>
+  </p:clrMapOvr>
+  <p:timing>
+    <p:tnLst>
+      <p:par>
+        <p:cTn id="1" dur="indefinite" restart="never" nodeType="tmRoot"/>
+      </p:par>
+    </p:tnLst>
+  </p:timing>
+</p:sld>
+</file>
+
+<file path=ppt/slides/slide5.xml><?xml version="1.0" encoding="utf-8"?>
+<p:sld xmlns:a="http://schemas.openxmlformats.org/drawingml/2006/main" xmlns:r="http://schemas.openxmlformats.org/officeDocument/2006/relationships" xmlns:p="http://schemas.openxmlformats.org/presentationml/2006/main">
+  <p:cSld>
+    <p:spTree>
+      <p:nvGrpSpPr>
+        <p:cNvPr id="1" name=""/>
+        <p:cNvGrpSpPr/>
+        <p:nvPr/>
+      </p:nvGrpSpPr>
+      <p:grpSpPr>
+        <a:xfrm>
+          <a:off x="0" y="0"/>
+          <a:ext cx="0" cy="0"/>
+          <a:chOff x="0" y="0"/>
+          <a:chExt cx="0" cy="0"/>
+        </a:xfrm>
+      </p:grpSpPr>
+      <p:sp>
+        <p:nvSpPr>
           <p:cNvPr id="2" name="Заголовок 1"/>
           <p:cNvSpPr>
             <a:spLocks noGrp="1"/>
@@ -4041,23 +9368,17 @@
         <p:spPr>
           <a:xfrm>
             <a:off x="838201" y="1825625"/>
-            <a:ext cx="5646892" cy="4662121"/>
+            <a:ext cx="5646892" cy="4488089"/>
           </a:xfrm>
         </p:spPr>
         <p:txBody>
           <a:bodyPr>
-            <a:normAutofit fontScale="92500" lnSpcReduction="10000"/>
+            <a:normAutofit/>
           </a:bodyPr>
           <a:lstStyle/>
           <a:p>
             <a:r>
               <a:rPr lang="ru-RU" dirty="0" smtClean="0"/>
-              <a:t>Первая задача, которую будем решать,– распознавание пола человека по голосу</a:t>
-            </a:r>
-          </a:p>
-          <a:p>
-            <a:r>
-              <a:rPr lang="ru-RU" dirty="0" smtClean="0"/>
               <a:t>В качестве базовой модели использованы деревья принятия решений</a:t>
             </a:r>
           </a:p>
@@ -4071,7 +9392,15 @@
           <a:p>
             <a:r>
               <a:rPr lang="ru-RU" dirty="0" smtClean="0"/>
-              <a:t>Для обучения необходим набор данных с заранее известным правильным ответом (характеристики звука и пол говорящего)</a:t>
+              <a:t>Для обучения необходим набор данных с</a:t>
+            </a:r>
+            <a:r>
+              <a:rPr lang="en-US" dirty="0" smtClean="0"/>
+              <a:t> </a:t>
+            </a:r>
+            <a:r>
+              <a:rPr lang="ru-RU" dirty="0" smtClean="0"/>
+              <a:t>известным правильным ответом</a:t>
             </a:r>
             <a:endParaRPr lang="en-US" dirty="0" smtClean="0"/>
           </a:p>
@@ -4280,30 +9609,210 @@
           </a:p>
         </p:txBody>
       </p:sp>
-      <p:pic>
-        <p:nvPicPr>
-          <p:cNvPr id="7" name="Рисунок 6"/>
-          <p:cNvPicPr>
-            <a:picLocks noChangeAspect="1"/>
-          </p:cNvPicPr>
+      <p:sp>
+        <p:nvSpPr>
+          <p:cNvPr id="6" name="Объект 2"/>
+          <p:cNvSpPr txBox="1">
+            <a:spLocks/>
+          </p:cNvSpPr>
           <p:nvPr/>
-        </p:nvPicPr>
-        <p:blipFill>
-          <a:blip r:embed="rId2"/>
-          <a:stretch>
-            <a:fillRect/>
-          </a:stretch>
-        </p:blipFill>
+        </p:nvSpPr>
         <p:spPr>
           <a:xfrm>
-            <a:off x="7029958" y="1545579"/>
-            <a:ext cx="4827233" cy="4942167"/>
+            <a:off x="8284029" y="2804772"/>
+            <a:ext cx="2125364" cy="893709"/>
           </a:xfrm>
           <a:prstGeom prst="rect">
             <a:avLst/>
           </a:prstGeom>
         </p:spPr>
-      </p:pic>
+        <p:txBody>
+          <a:bodyPr vert="horz" lIns="91440" tIns="45720" rIns="91440" bIns="45720" rtlCol="0">
+            <a:normAutofit/>
+          </a:bodyPr>
+          <a:lstStyle>
+            <a:lvl1pPr marL="228600" indent="-228600" algn="l" defTabSz="914400" rtl="0" eaLnBrk="1" latinLnBrk="0" hangingPunct="1">
+              <a:lnSpc>
+                <a:spcPct val="90000"/>
+              </a:lnSpc>
+              <a:spcBef>
+                <a:spcPts val="1000"/>
+              </a:spcBef>
+              <a:buFont typeface="Arial" panose="020B0604020202020204" pitchFamily="34" charset="0"/>
+              <a:buChar char="•"/>
+              <a:defRPr sz="2800" kern="1200">
+                <a:solidFill>
+                  <a:schemeClr val="bg1">
+                    <a:lumMod val="95000"/>
+                  </a:schemeClr>
+                </a:solidFill>
+                <a:latin typeface="+mn-lt"/>
+                <a:ea typeface="+mn-ea"/>
+                <a:cs typeface="+mn-cs"/>
+              </a:defRPr>
+            </a:lvl1pPr>
+            <a:lvl2pPr marL="685800" indent="-228600" algn="l" defTabSz="914400" rtl="0" eaLnBrk="1" latinLnBrk="0" hangingPunct="1">
+              <a:lnSpc>
+                <a:spcPct val="90000"/>
+              </a:lnSpc>
+              <a:spcBef>
+                <a:spcPts val="500"/>
+              </a:spcBef>
+              <a:buFont typeface="Arial" panose="020B0604020202020204" pitchFamily="34" charset="0"/>
+              <a:buChar char="•"/>
+              <a:defRPr sz="2400" kern="1200">
+                <a:solidFill>
+                  <a:schemeClr val="bg1">
+                    <a:lumMod val="95000"/>
+                  </a:schemeClr>
+                </a:solidFill>
+                <a:latin typeface="+mn-lt"/>
+                <a:ea typeface="+mn-ea"/>
+                <a:cs typeface="+mn-cs"/>
+              </a:defRPr>
+            </a:lvl2pPr>
+            <a:lvl3pPr marL="1143000" indent="-228600" algn="l" defTabSz="914400" rtl="0" eaLnBrk="1" latinLnBrk="0" hangingPunct="1">
+              <a:lnSpc>
+                <a:spcPct val="90000"/>
+              </a:lnSpc>
+              <a:spcBef>
+                <a:spcPts val="500"/>
+              </a:spcBef>
+              <a:buFont typeface="Arial" panose="020B0604020202020204" pitchFamily="34" charset="0"/>
+              <a:buChar char="•"/>
+              <a:defRPr sz="2000" kern="1200">
+                <a:solidFill>
+                  <a:schemeClr val="bg1">
+                    <a:lumMod val="95000"/>
+                  </a:schemeClr>
+                </a:solidFill>
+                <a:latin typeface="+mn-lt"/>
+                <a:ea typeface="+mn-ea"/>
+                <a:cs typeface="+mn-cs"/>
+              </a:defRPr>
+            </a:lvl3pPr>
+            <a:lvl4pPr marL="1600200" indent="-228600" algn="l" defTabSz="914400" rtl="0" eaLnBrk="1" latinLnBrk="0" hangingPunct="1">
+              <a:lnSpc>
+                <a:spcPct val="90000"/>
+              </a:lnSpc>
+              <a:spcBef>
+                <a:spcPts val="500"/>
+              </a:spcBef>
+              <a:buFont typeface="Arial" panose="020B0604020202020204" pitchFamily="34" charset="0"/>
+              <a:buChar char="•"/>
+              <a:defRPr sz="1800" kern="1200">
+                <a:solidFill>
+                  <a:schemeClr val="bg1">
+                    <a:lumMod val="95000"/>
+                  </a:schemeClr>
+                </a:solidFill>
+                <a:latin typeface="+mn-lt"/>
+                <a:ea typeface="+mn-ea"/>
+                <a:cs typeface="+mn-cs"/>
+              </a:defRPr>
+            </a:lvl4pPr>
+            <a:lvl5pPr marL="2057400" indent="-228600" algn="l" defTabSz="914400" rtl="0" eaLnBrk="1" latinLnBrk="0" hangingPunct="1">
+              <a:lnSpc>
+                <a:spcPct val="90000"/>
+              </a:lnSpc>
+              <a:spcBef>
+                <a:spcPts val="500"/>
+              </a:spcBef>
+              <a:buFont typeface="Arial" panose="020B0604020202020204" pitchFamily="34" charset="0"/>
+              <a:buChar char="•"/>
+              <a:defRPr sz="1800" kern="1200">
+                <a:solidFill>
+                  <a:schemeClr val="bg1">
+                    <a:lumMod val="95000"/>
+                  </a:schemeClr>
+                </a:solidFill>
+                <a:latin typeface="+mn-lt"/>
+                <a:ea typeface="+mn-ea"/>
+                <a:cs typeface="+mn-cs"/>
+              </a:defRPr>
+            </a:lvl5pPr>
+            <a:lvl6pPr marL="2514600" indent="-228600" algn="l" defTabSz="914400" rtl="0" eaLnBrk="1" latinLnBrk="0" hangingPunct="1">
+              <a:lnSpc>
+                <a:spcPct val="90000"/>
+              </a:lnSpc>
+              <a:spcBef>
+                <a:spcPts val="500"/>
+              </a:spcBef>
+              <a:buFont typeface="Arial" panose="020B0604020202020204" pitchFamily="34" charset="0"/>
+              <a:buChar char="•"/>
+              <a:defRPr sz="1800" kern="1200">
+                <a:solidFill>
+                  <a:schemeClr val="tx1"/>
+                </a:solidFill>
+                <a:latin typeface="+mn-lt"/>
+                <a:ea typeface="+mn-ea"/>
+                <a:cs typeface="+mn-cs"/>
+              </a:defRPr>
+            </a:lvl6pPr>
+            <a:lvl7pPr marL="2971800" indent="-228600" algn="l" defTabSz="914400" rtl="0" eaLnBrk="1" latinLnBrk="0" hangingPunct="1">
+              <a:lnSpc>
+                <a:spcPct val="90000"/>
+              </a:lnSpc>
+              <a:spcBef>
+                <a:spcPts val="500"/>
+              </a:spcBef>
+              <a:buFont typeface="Arial" panose="020B0604020202020204" pitchFamily="34" charset="0"/>
+              <a:buChar char="•"/>
+              <a:defRPr sz="1800" kern="1200">
+                <a:solidFill>
+                  <a:schemeClr val="tx1"/>
+                </a:solidFill>
+                <a:latin typeface="+mn-lt"/>
+                <a:ea typeface="+mn-ea"/>
+                <a:cs typeface="+mn-cs"/>
+              </a:defRPr>
+            </a:lvl7pPr>
+            <a:lvl8pPr marL="3429000" indent="-228600" algn="l" defTabSz="914400" rtl="0" eaLnBrk="1" latinLnBrk="0" hangingPunct="1">
+              <a:lnSpc>
+                <a:spcPct val="90000"/>
+              </a:lnSpc>
+              <a:spcBef>
+                <a:spcPts val="500"/>
+              </a:spcBef>
+              <a:buFont typeface="Arial" panose="020B0604020202020204" pitchFamily="34" charset="0"/>
+              <a:buChar char="•"/>
+              <a:defRPr sz="1800" kern="1200">
+                <a:solidFill>
+                  <a:schemeClr val="tx1"/>
+                </a:solidFill>
+                <a:latin typeface="+mn-lt"/>
+                <a:ea typeface="+mn-ea"/>
+                <a:cs typeface="+mn-cs"/>
+              </a:defRPr>
+            </a:lvl8pPr>
+            <a:lvl9pPr marL="3886200" indent="-228600" algn="l" defTabSz="914400" rtl="0" eaLnBrk="1" latinLnBrk="0" hangingPunct="1">
+              <a:lnSpc>
+                <a:spcPct val="90000"/>
+              </a:lnSpc>
+              <a:spcBef>
+                <a:spcPts val="500"/>
+              </a:spcBef>
+              <a:buFont typeface="Arial" panose="020B0604020202020204" pitchFamily="34" charset="0"/>
+              <a:buChar char="•"/>
+              <a:defRPr sz="1800" kern="1200">
+                <a:solidFill>
+                  <a:schemeClr val="tx1"/>
+                </a:solidFill>
+                <a:latin typeface="+mn-lt"/>
+                <a:ea typeface="+mn-ea"/>
+                <a:cs typeface="+mn-cs"/>
+              </a:defRPr>
+            </a:lvl9pPr>
+          </a:lstStyle>
+          <a:p>
+            <a:r>
+              <a:rPr lang="ru-RU" dirty="0" smtClean="0"/>
+              <a:t>Картинка</a:t>
+            </a:r>
+            <a:endParaRPr lang="en-US" dirty="0" smtClean="0"/>
+          </a:p>
+        </p:txBody>
+      </p:sp>
     </p:spTree>
     <p:extLst>
       <p:ext uri="{BB962C8B-B14F-4D97-AF65-F5344CB8AC3E}">
@@ -4324,7 +9833,7 @@
 </p:sld>
 </file>
 
-<file path=ppt/slides/slide4.xml><?xml version="1.0" encoding="utf-8"?>
+<file path=ppt/slides/slide6.xml><?xml version="1.0" encoding="utf-8"?>
 <p:sld xmlns:a="http://schemas.openxmlformats.org/drawingml/2006/main" xmlns:r="http://schemas.openxmlformats.org/officeDocument/2006/relationships" xmlns:p="http://schemas.openxmlformats.org/presentationml/2006/main">
   <p:cSld>
     <p:spTree>
@@ -5589,355 +11098,6 @@
 </p:sld>
 </file>
 
-<file path=ppt/slides/slide5.xml><?xml version="1.0" encoding="utf-8"?>
-<p:sld xmlns:a="http://schemas.openxmlformats.org/drawingml/2006/main" xmlns:r="http://schemas.openxmlformats.org/officeDocument/2006/relationships" xmlns:p="http://schemas.openxmlformats.org/presentationml/2006/main">
-  <p:cSld>
-    <p:spTree>
-      <p:nvGrpSpPr>
-        <p:cNvPr id="1" name=""/>
-        <p:cNvGrpSpPr/>
-        <p:nvPr/>
-      </p:nvGrpSpPr>
-      <p:grpSpPr>
-        <a:xfrm>
-          <a:off x="0" y="0"/>
-          <a:ext cx="0" cy="0"/>
-          <a:chOff x="0" y="0"/>
-          <a:chExt cx="0" cy="0"/>
-        </a:xfrm>
-      </p:grpSpPr>
-      <p:sp>
-        <p:nvSpPr>
-          <p:cNvPr id="2" name="Заголовок 1"/>
-          <p:cNvSpPr>
-            <a:spLocks noGrp="1"/>
-          </p:cNvSpPr>
-          <p:nvPr>
-            <p:ph type="title"/>
-          </p:nvPr>
-        </p:nvSpPr>
-        <p:spPr/>
-        <p:txBody>
-          <a:bodyPr/>
-          <a:lstStyle/>
-          <a:p>
-            <a:r>
-              <a:rPr lang="ru-RU" dirty="0" smtClean="0"/>
-              <a:t>Способ обработки звука</a:t>
-            </a:r>
-            <a:endParaRPr lang="ru-RU" dirty="0"/>
-          </a:p>
-        </p:txBody>
-      </p:sp>
-      <p:sp>
-        <p:nvSpPr>
-          <p:cNvPr id="3" name="Объект 2"/>
-          <p:cNvSpPr>
-            <a:spLocks noGrp="1"/>
-          </p:cNvSpPr>
-          <p:nvPr>
-            <p:ph sz="half" idx="1"/>
-          </p:nvPr>
-        </p:nvSpPr>
-        <p:spPr>
-          <a:xfrm>
-            <a:off x="838200" y="1825625"/>
-            <a:ext cx="6477000" cy="4351338"/>
-          </a:xfrm>
-        </p:spPr>
-        <p:txBody>
-          <a:bodyPr>
-            <a:normAutofit/>
-          </a:bodyPr>
-          <a:lstStyle/>
-          <a:p>
-            <a:r>
-              <a:rPr lang="ru-RU" dirty="0"/>
-              <a:t>Любой звук можно представить как сумму гармонических колебаний с разными частотами и фазами</a:t>
-            </a:r>
-          </a:p>
-          <a:p>
-            <a:r>
-              <a:rPr lang="ru-RU" dirty="0" smtClean="0"/>
-              <a:t>Деревья </a:t>
-            </a:r>
-            <a:r>
-              <a:rPr lang="ru-RU" dirty="0"/>
-              <a:t>решений для предсказания пола использовали такие признаки звука как средняя частота, медиана частот, дисперсия и т. д</a:t>
-            </a:r>
-            <a:r>
-              <a:rPr lang="ru-RU" dirty="0" smtClean="0"/>
-              <a:t>.</a:t>
-            </a:r>
-          </a:p>
-        </p:txBody>
-      </p:sp>
-      <p:pic>
-        <p:nvPicPr>
-          <p:cNvPr id="7" name="Объект 6"/>
-          <p:cNvPicPr>
-            <a:picLocks noGrp="1" noChangeAspect="1"/>
-          </p:cNvPicPr>
-          <p:nvPr>
-            <p:ph sz="half" idx="2"/>
-          </p:nvPr>
-        </p:nvPicPr>
-        <p:blipFill>
-          <a:blip r:embed="rId2"/>
-          <a:stretch>
-            <a:fillRect/>
-          </a:stretch>
-        </p:blipFill>
-        <p:spPr>
-          <a:xfrm>
-            <a:off x="7720496" y="1443124"/>
-            <a:ext cx="4298509" cy="4957676"/>
-          </a:xfrm>
-          <a:prstGeom prst="rect">
-            <a:avLst/>
-          </a:prstGeom>
-        </p:spPr>
-      </p:pic>
-    </p:spTree>
-    <p:extLst>
-      <p:ext uri="{BB962C8B-B14F-4D97-AF65-F5344CB8AC3E}">
-        <p14:creationId xmlns:p14="http://schemas.microsoft.com/office/powerpoint/2010/main" val="3830664239"/>
-      </p:ext>
-    </p:extLst>
-  </p:cSld>
-  <p:clrMapOvr>
-    <a:masterClrMapping/>
-  </p:clrMapOvr>
-</p:sld>
-</file>
-
-<file path=ppt/slides/slide6.xml><?xml version="1.0" encoding="utf-8"?>
-<p:sld xmlns:a="http://schemas.openxmlformats.org/drawingml/2006/main" xmlns:r="http://schemas.openxmlformats.org/officeDocument/2006/relationships" xmlns:p="http://schemas.openxmlformats.org/presentationml/2006/main">
-  <p:cSld>
-    <p:spTree>
-      <p:nvGrpSpPr>
-        <p:cNvPr id="1" name=""/>
-        <p:cNvGrpSpPr/>
-        <p:nvPr/>
-      </p:nvGrpSpPr>
-      <p:grpSpPr>
-        <a:xfrm>
-          <a:off x="0" y="0"/>
-          <a:ext cx="0" cy="0"/>
-          <a:chOff x="0" y="0"/>
-          <a:chExt cx="0" cy="0"/>
-        </a:xfrm>
-      </p:grpSpPr>
-      <p:sp>
-        <p:nvSpPr>
-          <p:cNvPr id="2" name="Заголовок 1"/>
-          <p:cNvSpPr>
-            <a:spLocks noGrp="1"/>
-          </p:cNvSpPr>
-          <p:nvPr>
-            <p:ph type="title"/>
-          </p:nvPr>
-        </p:nvSpPr>
-        <p:spPr/>
-        <p:txBody>
-          <a:bodyPr/>
-          <a:lstStyle/>
-          <a:p>
-            <a:r>
-              <a:rPr lang="ru-RU" dirty="0" smtClean="0"/>
-              <a:t>Точность предсказаний деревьями решений</a:t>
-            </a:r>
-            <a:endParaRPr lang="ru-RU" dirty="0"/>
-          </a:p>
-        </p:txBody>
-      </p:sp>
-      <p:sp>
-        <p:nvSpPr>
-          <p:cNvPr id="3" name="Объект 2"/>
-          <p:cNvSpPr>
-            <a:spLocks noGrp="1"/>
-          </p:cNvSpPr>
-          <p:nvPr>
-            <p:ph sz="half" idx="1"/>
-          </p:nvPr>
-        </p:nvSpPr>
-        <p:spPr>
-          <a:xfrm>
-            <a:off x="838200" y="1825625"/>
-            <a:ext cx="5084805" cy="4351338"/>
-          </a:xfrm>
-        </p:spPr>
-        <p:txBody>
-          <a:bodyPr>
-            <a:normAutofit fontScale="85000" lnSpcReduction="20000"/>
-          </a:bodyPr>
-          <a:lstStyle/>
-          <a:p>
-            <a:r>
-              <a:rPr lang="ru-RU" dirty="0" smtClean="0"/>
-              <a:t>Модель может «</a:t>
-            </a:r>
-            <a:r>
-              <a:rPr lang="ru-RU" sz="2900" b="1" dirty="0">
-                <a:solidFill>
-                  <a:schemeClr val="bg1"/>
-                </a:solidFill>
-              </a:rPr>
-              <a:t>переобучиться</a:t>
-            </a:r>
-            <a:r>
-              <a:rPr lang="ru-RU" dirty="0" smtClean="0"/>
-              <a:t>», т. е. вызубрить примеры из выборки, при этом не выучив полезные для выполнения задачи в общем случае признаки</a:t>
-            </a:r>
-          </a:p>
-          <a:p>
-            <a:r>
-              <a:rPr lang="ru-RU" dirty="0" smtClean="0"/>
-              <a:t>Для оценки качества модели данные разбиваются на две выборки: </a:t>
-            </a:r>
-            <a:r>
-              <a:rPr lang="ru-RU" sz="2900" b="1" dirty="0" smtClean="0">
-                <a:solidFill>
-                  <a:schemeClr val="bg1"/>
-                </a:solidFill>
-              </a:rPr>
-              <a:t>тренировочную</a:t>
-            </a:r>
-            <a:r>
-              <a:rPr lang="en-US" sz="3300" dirty="0" smtClean="0">
-                <a:solidFill>
-                  <a:schemeClr val="bg1"/>
-                </a:solidFill>
-              </a:rPr>
-              <a:t> </a:t>
-            </a:r>
-            <a:r>
-              <a:rPr lang="en-US" dirty="0" smtClean="0"/>
-              <a:t>(90%)</a:t>
-            </a:r>
-            <a:r>
-              <a:rPr lang="ru-RU" dirty="0" smtClean="0"/>
-              <a:t> и </a:t>
-            </a:r>
-            <a:r>
-              <a:rPr lang="ru-RU" sz="2900" b="1" dirty="0" smtClean="0">
-                <a:solidFill>
-                  <a:schemeClr val="bg1"/>
-                </a:solidFill>
-              </a:rPr>
-              <a:t>тестовую</a:t>
-            </a:r>
-            <a:r>
-              <a:rPr lang="ru-RU" dirty="0" smtClean="0">
-                <a:solidFill>
-                  <a:schemeClr val="bg1"/>
-                </a:solidFill>
-              </a:rPr>
-              <a:t> </a:t>
-            </a:r>
-            <a:r>
-              <a:rPr lang="en-US" dirty="0" smtClean="0"/>
-              <a:t>(10%)</a:t>
-            </a:r>
-            <a:r>
-              <a:rPr lang="ru-RU" dirty="0" smtClean="0"/>
-              <a:t>. Если </a:t>
-            </a:r>
-            <a:r>
-              <a:rPr lang="ru-RU" dirty="0"/>
-              <a:t>точность модели на тестовой выборке гораздо ниже, чем на тренировочной, то это признак </a:t>
-            </a:r>
-            <a:r>
-              <a:rPr lang="ru-RU" dirty="0" smtClean="0"/>
-              <a:t>переобучения</a:t>
-            </a:r>
-          </a:p>
-          <a:p>
-            <a:endParaRPr lang="ru-RU" dirty="0"/>
-          </a:p>
-        </p:txBody>
-      </p:sp>
-      <p:sp>
-        <p:nvSpPr>
-          <p:cNvPr id="4" name="Объект 3"/>
-          <p:cNvSpPr>
-            <a:spLocks noGrp="1"/>
-          </p:cNvSpPr>
-          <p:nvPr>
-            <p:ph sz="half" idx="2"/>
-          </p:nvPr>
-        </p:nvSpPr>
-        <p:spPr>
-          <a:xfrm>
-            <a:off x="6705600" y="1825625"/>
-            <a:ext cx="4648200" cy="4351338"/>
-          </a:xfrm>
-        </p:spPr>
-        <p:txBody>
-          <a:bodyPr>
-            <a:normAutofit fontScale="85000" lnSpcReduction="20000"/>
-          </a:bodyPr>
-          <a:lstStyle/>
-          <a:p>
-            <a:r>
-              <a:rPr lang="ru-RU" dirty="0"/>
-              <a:t>Деревья решений предсказывают пол человека из тестовой выборки с точностью </a:t>
-            </a:r>
-            <a:r>
-              <a:rPr lang="ru-RU" b="1" dirty="0">
-                <a:solidFill>
-                  <a:schemeClr val="bg1"/>
-                </a:solidFill>
-              </a:rPr>
-              <a:t>86%</a:t>
-            </a:r>
-            <a:r>
-              <a:rPr lang="ru-RU" dirty="0"/>
-              <a:t>, из тренировочной – </a:t>
-            </a:r>
-            <a:r>
-              <a:rPr lang="ru-RU" b="1" dirty="0">
-                <a:solidFill>
-                  <a:schemeClr val="bg1"/>
-                </a:solidFill>
-              </a:rPr>
-              <a:t>99%</a:t>
-            </a:r>
-            <a:endParaRPr lang="ru-RU" b="1" dirty="0" smtClean="0">
-              <a:solidFill>
-                <a:schemeClr val="bg1"/>
-              </a:solidFill>
-            </a:endParaRPr>
-          </a:p>
-          <a:p>
-            <a:r>
-              <a:rPr lang="ru-RU" dirty="0" smtClean="0"/>
-              <a:t>Деревья сильно чувствительны к постороннему шуму</a:t>
-            </a:r>
-            <a:endParaRPr lang="ru-RU" dirty="0"/>
-          </a:p>
-          <a:p>
-            <a:r>
-              <a:rPr lang="ru-RU" dirty="0" smtClean="0"/>
-              <a:t>Обработка всех частот плоха тем, что человеческий голос расположен в довольно узком интервале частот, поэтому высокочастотные и низкочастотные шумы отрицательно сказываются на точности предсказаний модели</a:t>
-            </a:r>
-            <a:endParaRPr lang="ru-RU" dirty="0"/>
-          </a:p>
-        </p:txBody>
-      </p:sp>
-    </p:spTree>
-    <p:extLst>
-      <p:ext uri="{BB962C8B-B14F-4D97-AF65-F5344CB8AC3E}">
-        <p14:creationId xmlns:p14="http://schemas.microsoft.com/office/powerpoint/2010/main" val="3274510999"/>
-      </p:ext>
-    </p:extLst>
-  </p:cSld>
-  <p:clrMapOvr>
-    <a:masterClrMapping/>
-  </p:clrMapOvr>
-</p:sld>
-</file>
-
 <file path=ppt/slides/slide7.xml><?xml version="1.0" encoding="utf-8"?>
 <p:sld xmlns:a="http://schemas.openxmlformats.org/drawingml/2006/main" xmlns:r="http://schemas.openxmlformats.org/officeDocument/2006/relationships" xmlns:p="http://schemas.openxmlformats.org/presentationml/2006/main">
   <p:cSld>
@@ -5972,6 +11132,217 @@
           <a:p>
             <a:r>
               <a:rPr lang="ru-RU" dirty="0" smtClean="0"/>
+              <a:t>Точность предсказаний деревьями решений</a:t>
+            </a:r>
+            <a:endParaRPr lang="ru-RU" dirty="0"/>
+          </a:p>
+        </p:txBody>
+      </p:sp>
+      <p:sp>
+        <p:nvSpPr>
+          <p:cNvPr id="3" name="Объект 2"/>
+          <p:cNvSpPr>
+            <a:spLocks noGrp="1"/>
+          </p:cNvSpPr>
+          <p:nvPr>
+            <p:ph sz="half" idx="1"/>
+          </p:nvPr>
+        </p:nvSpPr>
+        <p:spPr>
+          <a:xfrm>
+            <a:off x="838199" y="1825625"/>
+            <a:ext cx="4397829" cy="3758746"/>
+          </a:xfrm>
+        </p:spPr>
+        <p:txBody>
+          <a:bodyPr>
+            <a:normAutofit fontScale="92500" lnSpcReduction="20000"/>
+          </a:bodyPr>
+          <a:lstStyle/>
+          <a:p>
+            <a:r>
+              <a:rPr lang="ru-RU" dirty="0" smtClean="0"/>
+              <a:t>Модель может «</a:t>
+            </a:r>
+            <a:r>
+              <a:rPr lang="ru-RU" sz="2900" b="1" dirty="0">
+                <a:solidFill>
+                  <a:schemeClr val="bg1"/>
+                </a:solidFill>
+              </a:rPr>
+              <a:t>переобучиться</a:t>
+            </a:r>
+            <a:r>
+              <a:rPr lang="ru-RU" dirty="0"/>
+              <a:t>», т. е. вызубрить примеры из </a:t>
+            </a:r>
+            <a:r>
+              <a:rPr lang="ru-RU" dirty="0" smtClean="0"/>
+              <a:t>выборки</a:t>
+            </a:r>
+          </a:p>
+          <a:p>
+            <a:r>
+              <a:rPr lang="ru-RU" dirty="0" smtClean="0"/>
+              <a:t>Для оценки качества модели данные разбиваются на две выборки: </a:t>
+            </a:r>
+            <a:r>
+              <a:rPr lang="ru-RU" sz="2900" b="1" dirty="0" smtClean="0">
+                <a:solidFill>
+                  <a:schemeClr val="bg1"/>
+                </a:solidFill>
+              </a:rPr>
+              <a:t>тренировочную</a:t>
+            </a:r>
+            <a:r>
+              <a:rPr lang="en-US" sz="3300" dirty="0" smtClean="0">
+                <a:solidFill>
+                  <a:schemeClr val="bg1"/>
+                </a:solidFill>
+              </a:rPr>
+              <a:t> </a:t>
+            </a:r>
+            <a:r>
+              <a:rPr lang="en-US" dirty="0" smtClean="0"/>
+              <a:t>(</a:t>
+            </a:r>
+            <a:r>
+              <a:rPr lang="en-US" dirty="0" smtClean="0">
+                <a:solidFill>
+                  <a:schemeClr val="bg1"/>
+                </a:solidFill>
+              </a:rPr>
+              <a:t>90%</a:t>
+            </a:r>
+            <a:r>
+              <a:rPr lang="en-US" dirty="0" smtClean="0"/>
+              <a:t>)</a:t>
+            </a:r>
+            <a:r>
+              <a:rPr lang="ru-RU" dirty="0" smtClean="0"/>
+              <a:t> и </a:t>
+            </a:r>
+            <a:r>
+              <a:rPr lang="ru-RU" sz="2900" b="1" dirty="0" smtClean="0">
+                <a:solidFill>
+                  <a:schemeClr val="bg1"/>
+                </a:solidFill>
+              </a:rPr>
+              <a:t>тестовую</a:t>
+            </a:r>
+            <a:r>
+              <a:rPr lang="ru-RU" dirty="0" smtClean="0">
+                <a:solidFill>
+                  <a:schemeClr val="bg1"/>
+                </a:solidFill>
+              </a:rPr>
+              <a:t> </a:t>
+            </a:r>
+            <a:r>
+              <a:rPr lang="en-US" dirty="0" smtClean="0"/>
+              <a:t>(</a:t>
+            </a:r>
+            <a:r>
+              <a:rPr lang="en-US" dirty="0" smtClean="0">
+                <a:solidFill>
+                  <a:schemeClr val="bg1"/>
+                </a:solidFill>
+              </a:rPr>
+              <a:t>10%</a:t>
+            </a:r>
+            <a:r>
+              <a:rPr lang="en-US" dirty="0" smtClean="0"/>
+              <a:t>)</a:t>
+            </a:r>
+            <a:endParaRPr lang="ru-RU" dirty="0" smtClean="0"/>
+          </a:p>
+          <a:p>
+            <a:r>
+              <a:rPr lang="ru-RU" dirty="0" smtClean="0"/>
+              <a:t>Деревья решений сильно чувствительны к шуму</a:t>
+            </a:r>
+          </a:p>
+        </p:txBody>
+      </p:sp>
+      <p:graphicFrame>
+        <p:nvGraphicFramePr>
+          <p:cNvPr id="12" name="Объект 11"/>
+          <p:cNvGraphicFramePr>
+            <a:graphicFrameLocks noGrp="1"/>
+          </p:cNvGraphicFramePr>
+          <p:nvPr>
+            <p:ph sz="half" idx="2"/>
+            <p:extLst>
+              <p:ext uri="{D42A27DB-BD31-4B8C-83A1-F6EECF244321}">
+                <p14:modId xmlns:p14="http://schemas.microsoft.com/office/powerpoint/2010/main" val="3798125979"/>
+              </p:ext>
+            </p:extLst>
+          </p:nvPr>
+        </p:nvGraphicFramePr>
+        <p:xfrm>
+          <a:off x="6172200" y="1825625"/>
+          <a:ext cx="5181600" cy="4351338"/>
+        </p:xfrm>
+        <a:graphic>
+          <a:graphicData uri="http://schemas.openxmlformats.org/drawingml/2006/chart">
+            <c:chart xmlns:c="http://schemas.openxmlformats.org/drawingml/2006/chart" xmlns:r="http://schemas.openxmlformats.org/officeDocument/2006/relationships" r:id="rId3"/>
+          </a:graphicData>
+        </a:graphic>
+      </p:graphicFrame>
+    </p:spTree>
+    <p:extLst>
+      <p:ext uri="{BB962C8B-B14F-4D97-AF65-F5344CB8AC3E}">
+        <p14:creationId xmlns:p14="http://schemas.microsoft.com/office/powerpoint/2010/main" val="3274510999"/>
+      </p:ext>
+    </p:extLst>
+  </p:cSld>
+  <p:clrMapOvr>
+    <a:masterClrMapping/>
+  </p:clrMapOvr>
+  <p:timing>
+    <p:tnLst>
+      <p:par>
+        <p:cTn id="1" dur="indefinite" restart="never" nodeType="tmRoot"/>
+      </p:par>
+    </p:tnLst>
+  </p:timing>
+</p:sld>
+</file>
+
+<file path=ppt/slides/slide8.xml><?xml version="1.0" encoding="utf-8"?>
+<p:sld xmlns:a="http://schemas.openxmlformats.org/drawingml/2006/main" xmlns:r="http://schemas.openxmlformats.org/officeDocument/2006/relationships" xmlns:p="http://schemas.openxmlformats.org/presentationml/2006/main">
+  <p:cSld>
+    <p:spTree>
+      <p:nvGrpSpPr>
+        <p:cNvPr id="1" name=""/>
+        <p:cNvGrpSpPr/>
+        <p:nvPr/>
+      </p:nvGrpSpPr>
+      <p:grpSpPr>
+        <a:xfrm>
+          <a:off x="0" y="0"/>
+          <a:ext cx="0" cy="0"/>
+          <a:chOff x="0" y="0"/>
+          <a:chExt cx="0" cy="0"/>
+        </a:xfrm>
+      </p:grpSpPr>
+      <p:sp>
+        <p:nvSpPr>
+          <p:cNvPr id="2" name="Заголовок 1"/>
+          <p:cNvSpPr>
+            <a:spLocks noGrp="1"/>
+          </p:cNvSpPr>
+          <p:nvPr>
+            <p:ph type="title"/>
+          </p:nvPr>
+        </p:nvSpPr>
+        <p:spPr/>
+        <p:txBody>
+          <a:bodyPr/>
+          <a:lstStyle/>
+          <a:p>
+            <a:r>
+              <a:rPr lang="ru-RU" dirty="0" smtClean="0"/>
               <a:t>Улучшенная обработка</a:t>
             </a:r>
             <a:r>
@@ -6005,12 +11376,12 @@
         <p:spPr>
           <a:xfrm>
             <a:off x="838200" y="1825625"/>
-            <a:ext cx="4714102" cy="4351338"/>
+            <a:ext cx="4714102" cy="3595461"/>
           </a:xfrm>
         </p:spPr>
         <p:txBody>
           <a:bodyPr>
-            <a:normAutofit fontScale="85000" lnSpcReduction="20000"/>
+            <a:normAutofit fontScale="92500"/>
           </a:bodyPr>
           <a:lstStyle/>
           <a:p>
@@ -6022,11 +11393,11 @@
                   </a:schemeClr>
                 </a:solidFill>
               </a:rPr>
-              <a:t>Для человека сила ощущения</a:t>
+              <a:t>Человек воспринимает раздражитель </a:t>
             </a:r>
             <a:r>
               <a:rPr lang="ru-RU" dirty="0" smtClean="0"/>
-              <a:t> какого-либо раздражителя пропорциональна </a:t>
+              <a:t>пропорционально </a:t>
             </a:r>
             <a:r>
               <a:rPr lang="ru-RU" b="1" dirty="0" smtClean="0">
@@ -6038,15 +11409,7 @@
             </a:r>
             <a:r>
               <a:rPr lang="ru-RU" dirty="0" smtClean="0"/>
-              <a:t> интенсивности раздражителя</a:t>
-            </a:r>
-            <a:r>
-              <a:rPr lang="ru-RU" dirty="0"/>
-              <a:t> </a:t>
-            </a:r>
-            <a:r>
-              <a:rPr lang="ru-RU" dirty="0" smtClean="0"/>
-              <a:t>(закон Вебера-</a:t>
+              <a:t> его интенсивности (закон Вебера-</a:t>
             </a:r>
             <a:r>
               <a:rPr lang="ru-RU" dirty="0" err="1" smtClean="0"/>
@@ -6060,25 +11423,15 @@
           <a:p>
             <a:r>
               <a:rPr lang="ru-RU" dirty="0" smtClean="0"/>
-              <a:t>Поэтому для человека естественна логарифмическая шкала как частот, так и громкости звука (децибелы)</a:t>
-            </a:r>
-          </a:p>
-          <a:p>
+              <a:t>Будем использовать логарифмическая шкалу как частот, так и громкости звука </a:t>
+            </a:r>
             <a:r>
               <a:rPr lang="ru-RU" dirty="0"/>
-              <a:t>Для соответствия человеческому восприятию используется мел-спектрограмма</a:t>
-            </a:r>
-            <a:r>
-              <a:rPr lang="en-US" dirty="0"/>
-              <a:t> – </a:t>
-            </a:r>
-            <a:r>
-              <a:rPr lang="ru-RU" dirty="0"/>
-              <a:t>спектрограмма с логарифмической шкалой как частот, так и </a:t>
+              <a:t>(мел-спектрограмма</a:t>
             </a:r>
             <a:r>
               <a:rPr lang="ru-RU" dirty="0" smtClean="0"/>
-              <a:t>амплитуд</a:t>
+              <a:t>)</a:t>
             </a:r>
             <a:endParaRPr lang="ru-RU" dirty="0"/>
           </a:p>
@@ -6307,7 +11660,7 @@
             <p:nvPr/>
           </p:nvPicPr>
           <p:blipFill rotWithShape="1">
-            <a:blip r:embed="rId2"/>
+            <a:blip r:embed="rId3"/>
             <a:srcRect r="3768"/>
             <a:stretch/>
           </p:blipFill>
@@ -6370,7 +11723,7 @@
             <p:nvPr/>
           </p:nvPicPr>
           <p:blipFill>
-            <a:blip r:embed="rId3"/>
+            <a:blip r:embed="rId4"/>
             <a:stretch>
               <a:fillRect/>
             </a:stretch>
@@ -6406,117 +11759,6 @@
 </p:sld>
 </file>
 
-<file path=ppt/slides/slide8.xml><?xml version="1.0" encoding="utf-8"?>
-<p:sld xmlns:a="http://schemas.openxmlformats.org/drawingml/2006/main" xmlns:r="http://schemas.openxmlformats.org/officeDocument/2006/relationships" xmlns:p="http://schemas.openxmlformats.org/presentationml/2006/main">
-  <p:cSld>
-    <p:spTree>
-      <p:nvGrpSpPr>
-        <p:cNvPr id="1" name=""/>
-        <p:cNvGrpSpPr/>
-        <p:nvPr/>
-      </p:nvGrpSpPr>
-      <p:grpSpPr>
-        <a:xfrm>
-          <a:off x="0" y="0"/>
-          <a:ext cx="0" cy="0"/>
-          <a:chOff x="0" y="0"/>
-          <a:chExt cx="0" cy="0"/>
-        </a:xfrm>
-      </p:grpSpPr>
-      <p:sp>
-        <p:nvSpPr>
-          <p:cNvPr id="2" name="Заголовок 1"/>
-          <p:cNvSpPr>
-            <a:spLocks noGrp="1"/>
-          </p:cNvSpPr>
-          <p:nvPr>
-            <p:ph type="title"/>
-          </p:nvPr>
-        </p:nvSpPr>
-        <p:spPr/>
-        <p:txBody>
-          <a:bodyPr/>
-          <a:lstStyle/>
-          <a:p>
-            <a:r>
-              <a:rPr lang="ru-RU" dirty="0" smtClean="0"/>
-              <a:t>Вторая модель – </a:t>
-            </a:r>
-            <a:r>
-              <a:rPr lang="ru-RU" dirty="0" err="1" smtClean="0"/>
-              <a:t>свёрточные</a:t>
-            </a:r>
-            <a:r>
-              <a:rPr lang="ru-RU" dirty="0" smtClean="0"/>
-              <a:t> нейронные сети</a:t>
-            </a:r>
-            <a:endParaRPr lang="ru-RU" dirty="0"/>
-          </a:p>
-        </p:txBody>
-      </p:sp>
-      <p:sp>
-        <p:nvSpPr>
-          <p:cNvPr id="3" name="Объект 2"/>
-          <p:cNvSpPr>
-            <a:spLocks noGrp="1"/>
-          </p:cNvSpPr>
-          <p:nvPr>
-            <p:ph sz="half" idx="1"/>
-          </p:nvPr>
-        </p:nvSpPr>
-        <p:spPr/>
-        <p:txBody>
-          <a:bodyPr>
-            <a:normAutofit/>
-          </a:bodyPr>
-          <a:lstStyle/>
-          <a:p>
-            <a:r>
-              <a:rPr lang="ru-RU" sz="4000" dirty="0" smtClean="0"/>
-              <a:t>АААААААЫЫЫЫЫЫЫЫЫ  СВЁРТКИИИИИИ</a:t>
-            </a:r>
-          </a:p>
-          <a:p>
-            <a:r>
-              <a:rPr lang="ru-RU" sz="4000" dirty="0" smtClean="0"/>
-              <a:t> СТАК МОР ЛЭЙЕРС</a:t>
-            </a:r>
-            <a:endParaRPr lang="ru-RU" sz="4000" dirty="0"/>
-          </a:p>
-        </p:txBody>
-      </p:sp>
-      <p:sp>
-        <p:nvSpPr>
-          <p:cNvPr id="4" name="Объект 3"/>
-          <p:cNvSpPr>
-            <a:spLocks noGrp="1"/>
-          </p:cNvSpPr>
-          <p:nvPr>
-            <p:ph sz="half" idx="2"/>
-          </p:nvPr>
-        </p:nvSpPr>
-        <p:spPr/>
-        <p:txBody>
-          <a:bodyPr/>
-          <a:lstStyle/>
-          <a:p>
-            <a:endParaRPr lang="ru-RU"/>
-          </a:p>
-        </p:txBody>
-      </p:sp>
-    </p:spTree>
-    <p:extLst>
-      <p:ext uri="{BB962C8B-B14F-4D97-AF65-F5344CB8AC3E}">
-        <p14:creationId xmlns:p14="http://schemas.microsoft.com/office/powerpoint/2010/main" val="4292354942"/>
-      </p:ext>
-    </p:extLst>
-  </p:cSld>
-  <p:clrMapOvr>
-    <a:masterClrMapping/>
-  </p:clrMapOvr>
-</p:sld>
-</file>
-
 <file path=ppt/slides/slide9.xml><?xml version="1.0" encoding="utf-8"?>
 <p:sld xmlns:a="http://schemas.openxmlformats.org/drawingml/2006/main" xmlns:r="http://schemas.openxmlformats.org/officeDocument/2006/relationships" xmlns:p="http://schemas.openxmlformats.org/presentationml/2006/main">
   <p:cSld>
@@ -6551,11 +11793,7 @@
           <a:p>
             <a:r>
               <a:rPr lang="ru-RU" dirty="0" smtClean="0"/>
-              <a:t>Точность предсказаний с помощью нейронно</a:t>
-            </a:r>
-            <a:r>
-              <a:rPr lang="ru-RU" dirty="0" smtClean="0"/>
-              <a:t>й сети</a:t>
+              <a:t>Вторая модель – свёрточные нейронные сети</a:t>
             </a:r>
             <a:endParaRPr lang="ru-RU" dirty="0"/>
           </a:p>
@@ -6563,7 +11801,7 @@
       </p:sp>
       <p:sp>
         <p:nvSpPr>
-          <p:cNvPr id="3" name="Объект 2"/>
+          <p:cNvPr id="22" name="Объект 21"/>
           <p:cNvSpPr>
             <a:spLocks noGrp="1"/>
           </p:cNvSpPr>
@@ -6571,111 +11809,1461 @@
             <p:ph sz="half" idx="1"/>
           </p:nvPr>
         </p:nvSpPr>
-        <p:spPr/>
+        <p:spPr>
+          <a:xfrm>
+            <a:off x="612735" y="1863773"/>
+            <a:ext cx="3724275" cy="645432"/>
+          </a:xfrm>
+        </p:spPr>
         <p:txBody>
-          <a:bodyPr/>
+          <a:bodyPr>
+            <a:normAutofit/>
+          </a:bodyPr>
           <a:lstStyle/>
           <a:p>
             <a:r>
-              <a:rPr lang="ru-RU" dirty="0" smtClean="0"/>
-              <a:t>Модель обучилась на выборке</a:t>
-            </a:r>
-            <a:r>
-              <a:rPr lang="en-US" dirty="0" smtClean="0"/>
-              <a:t> </a:t>
-            </a:r>
-            <a:r>
-              <a:rPr lang="ru-RU" dirty="0" smtClean="0"/>
-              <a:t>из </a:t>
-            </a:r>
-            <a:r>
-              <a:rPr lang="ru-RU" dirty="0" smtClean="0">
-                <a:solidFill>
-                  <a:schemeClr val="bg1"/>
-                </a:solidFill>
-              </a:rPr>
-              <a:t>2864</a:t>
-            </a:r>
-            <a:r>
-              <a:rPr lang="ru-RU" dirty="0" smtClean="0"/>
-              <a:t> файлов, принадлежащих </a:t>
-            </a:r>
-            <a:r>
-              <a:rPr lang="ru-RU" dirty="0" smtClean="0">
-                <a:solidFill>
-                  <a:schemeClr val="bg1"/>
-                </a:solidFill>
-              </a:rPr>
-              <a:t>33</a:t>
-            </a:r>
-            <a:r>
-              <a:rPr lang="ru-RU" dirty="0" smtClean="0"/>
-              <a:t> людям </a:t>
-            </a:r>
-            <a:endParaRPr lang="en-US" dirty="0" smtClean="0"/>
-          </a:p>
-          <a:p>
-            <a:r>
-              <a:rPr lang="ru-RU" dirty="0" smtClean="0"/>
-              <a:t>На тестовой выборке модель определяет пол человека с точностью </a:t>
-            </a:r>
-            <a:r>
-              <a:rPr lang="ru-RU" dirty="0" smtClean="0">
-                <a:solidFill>
-                  <a:schemeClr val="bg1"/>
-                </a:solidFill>
-              </a:rPr>
-              <a:t>97%</a:t>
-            </a:r>
-            <a:r>
-              <a:rPr lang="ru-RU" dirty="0" smtClean="0"/>
-              <a:t>, на тренировочной – </a:t>
-            </a:r>
-            <a:r>
-              <a:rPr lang="en-US" dirty="0" smtClean="0">
-                <a:solidFill>
-                  <a:schemeClr val="bg1"/>
-                </a:solidFill>
-              </a:rPr>
-              <a:t>99%</a:t>
-            </a:r>
-            <a:endParaRPr lang="ru-RU" dirty="0">
-              <a:solidFill>
-                <a:schemeClr val="bg1"/>
-              </a:solidFill>
-            </a:endParaRPr>
+              <a:rPr lang="ru-RU" sz="2000" dirty="0" smtClean="0"/>
+              <a:t>Операция </a:t>
+            </a:r>
+            <a:r>
+              <a:rPr lang="ru-RU" sz="2000" dirty="0" smtClean="0"/>
+              <a:t>свёртки</a:t>
+            </a:r>
+            <a:endParaRPr lang="ru-RU" sz="2000" dirty="0"/>
           </a:p>
         </p:txBody>
       </p:sp>
-      <p:sp>
-        <p:nvSpPr>
-          <p:cNvPr id="4" name="Объект 3"/>
-          <p:cNvSpPr>
-            <a:spLocks noGrp="1"/>
-          </p:cNvSpPr>
-          <p:nvPr>
-            <p:ph sz="half" idx="2"/>
-          </p:nvPr>
-        </p:nvSpPr>
-        <p:spPr/>
-        <p:txBody>
-          <a:bodyPr/>
-          <a:lstStyle/>
-          <a:p>
-            <a:endParaRPr lang="ru-RU" dirty="0"/>
-          </a:p>
-        </p:txBody>
-      </p:sp>
+      <p:pic>
+        <p:nvPicPr>
+          <p:cNvPr id="34" name="Рисунок 33"/>
+          <p:cNvPicPr>
+            <a:picLocks noChangeAspect="1"/>
+          </p:cNvPicPr>
+          <p:nvPr/>
+        </p:nvPicPr>
+        <p:blipFill rotWithShape="1">
+          <a:blip r:embed="rId3"/>
+          <a:srcRect l="4962" t="5092" r="11630" b="9961"/>
+          <a:stretch/>
+        </p:blipFill>
+        <p:spPr>
+          <a:xfrm>
+            <a:off x="10657022" y="-292030"/>
+            <a:ext cx="2546232" cy="1504915"/>
+          </a:xfrm>
+          <a:prstGeom prst="rect">
+            <a:avLst/>
+          </a:prstGeom>
+        </p:spPr>
+      </p:pic>
+      <p:pic>
+        <p:nvPicPr>
+          <p:cNvPr id="6" name="Рисунок 5"/>
+          <p:cNvPicPr>
+            <a:picLocks noChangeAspect="1"/>
+          </p:cNvPicPr>
+          <p:nvPr/>
+        </p:nvPicPr>
+        <p:blipFill>
+          <a:blip r:embed="rId4">
+            <a:extLst>
+              <a:ext uri="{28A0092B-C50C-407E-A947-70E740481C1C}">
+                <a14:useLocalDpi xmlns:a14="http://schemas.microsoft.com/office/drawing/2010/main" val="0"/>
+              </a:ext>
+            </a:extLst>
+          </a:blip>
+          <a:stretch>
+            <a:fillRect/>
+          </a:stretch>
+        </p:blipFill>
+        <p:spPr>
+          <a:xfrm>
+            <a:off x="-3762117" y="3363096"/>
+            <a:ext cx="3180893" cy="2813867"/>
+          </a:xfrm>
+          <a:prstGeom prst="rect">
+            <a:avLst/>
+          </a:prstGeom>
+        </p:spPr>
+      </p:pic>
+      <p:grpSp>
+        <p:nvGrpSpPr>
+          <p:cNvPr id="38" name="Группа 37"/>
+          <p:cNvGrpSpPr/>
+          <p:nvPr/>
+        </p:nvGrpSpPr>
+        <p:grpSpPr>
+          <a:xfrm>
+            <a:off x="612734" y="2444997"/>
+            <a:ext cx="3724276" cy="1984390"/>
+            <a:chOff x="838199" y="2570832"/>
+            <a:chExt cx="3724276" cy="2202504"/>
+          </a:xfrm>
+        </p:grpSpPr>
+        <p:grpSp>
+          <p:nvGrpSpPr>
+            <p:cNvPr id="3" name="Группа 2"/>
+            <p:cNvGrpSpPr/>
+            <p:nvPr/>
+          </p:nvGrpSpPr>
+          <p:grpSpPr>
+            <a:xfrm>
+              <a:off x="838199" y="2570832"/>
+              <a:ext cx="3724276" cy="1799832"/>
+              <a:chOff x="838200" y="2786737"/>
+              <a:chExt cx="4016834" cy="1489988"/>
+            </a:xfrm>
+          </p:grpSpPr>
+          <p:sp>
+            <p:nvSpPr>
+              <p:cNvPr id="7" name="Прямоугольник 6"/>
+              <p:cNvSpPr/>
+              <p:nvPr/>
+            </p:nvSpPr>
+            <p:spPr>
+              <a:xfrm>
+                <a:off x="838200" y="2786741"/>
+                <a:ext cx="504355" cy="389795"/>
+              </a:xfrm>
+              <a:prstGeom prst="rect">
+                <a:avLst/>
+              </a:prstGeom>
+              <a:ln>
+                <a:solidFill>
+                  <a:schemeClr val="tx1"/>
+                </a:solidFill>
+              </a:ln>
+            </p:spPr>
+            <p:style>
+              <a:lnRef idx="2">
+                <a:schemeClr val="accent2">
+                  <a:shade val="50000"/>
+                </a:schemeClr>
+              </a:lnRef>
+              <a:fillRef idx="1">
+                <a:schemeClr val="accent2"/>
+              </a:fillRef>
+              <a:effectRef idx="0">
+                <a:schemeClr val="accent2"/>
+              </a:effectRef>
+              <a:fontRef idx="minor">
+                <a:schemeClr val="lt1"/>
+              </a:fontRef>
+            </p:style>
+            <p:txBody>
+              <a:bodyPr rtlCol="0" anchor="ctr"/>
+              <a:lstStyle/>
+              <a:p>
+                <a:pPr algn="ctr"/>
+                <a:r>
+                  <a:rPr lang="en-US" sz="2000" dirty="0"/>
+                  <a:t>0</a:t>
+                </a:r>
+                <a:endParaRPr lang="ru-RU" sz="1600" dirty="0"/>
+              </a:p>
+            </p:txBody>
+          </p:sp>
+          <p:sp>
+            <p:nvSpPr>
+              <p:cNvPr id="9" name="Прямоугольник 8"/>
+              <p:cNvSpPr/>
+              <p:nvPr/>
+            </p:nvSpPr>
+            <p:spPr>
+              <a:xfrm>
+                <a:off x="1342556" y="2786739"/>
+                <a:ext cx="504355" cy="389795"/>
+              </a:xfrm>
+              <a:prstGeom prst="rect">
+                <a:avLst/>
+              </a:prstGeom>
+              <a:ln>
+                <a:solidFill>
+                  <a:schemeClr val="tx1"/>
+                </a:solidFill>
+              </a:ln>
+            </p:spPr>
+            <p:style>
+              <a:lnRef idx="2">
+                <a:schemeClr val="accent2">
+                  <a:shade val="50000"/>
+                </a:schemeClr>
+              </a:lnRef>
+              <a:fillRef idx="1">
+                <a:schemeClr val="accent2"/>
+              </a:fillRef>
+              <a:effectRef idx="0">
+                <a:schemeClr val="accent2"/>
+              </a:effectRef>
+              <a:fontRef idx="minor">
+                <a:schemeClr val="lt1"/>
+              </a:fontRef>
+            </p:style>
+            <p:txBody>
+              <a:bodyPr rtlCol="0" anchor="ctr"/>
+              <a:lstStyle/>
+              <a:p>
+                <a:pPr algn="ctr"/>
+                <a:r>
+                  <a:rPr lang="en-US" sz="2000" dirty="0"/>
+                  <a:t>2</a:t>
+                </a:r>
+                <a:endParaRPr lang="ru-RU" sz="1600" dirty="0"/>
+              </a:p>
+            </p:txBody>
+          </p:sp>
+          <p:sp>
+            <p:nvSpPr>
+              <p:cNvPr id="10" name="Прямоугольник 9"/>
+              <p:cNvSpPr/>
+              <p:nvPr/>
+            </p:nvSpPr>
+            <p:spPr>
+              <a:xfrm>
+                <a:off x="1846911" y="2786741"/>
+                <a:ext cx="504355" cy="389795"/>
+              </a:xfrm>
+              <a:prstGeom prst="rect">
+                <a:avLst/>
+              </a:prstGeom>
+              <a:ln>
+                <a:solidFill>
+                  <a:schemeClr val="tx1"/>
+                </a:solidFill>
+              </a:ln>
+            </p:spPr>
+            <p:style>
+              <a:lnRef idx="2">
+                <a:schemeClr val="accent2">
+                  <a:shade val="50000"/>
+                </a:schemeClr>
+              </a:lnRef>
+              <a:fillRef idx="1">
+                <a:schemeClr val="accent2"/>
+              </a:fillRef>
+              <a:effectRef idx="0">
+                <a:schemeClr val="accent2"/>
+              </a:effectRef>
+              <a:fontRef idx="minor">
+                <a:schemeClr val="lt1"/>
+              </a:fontRef>
+            </p:style>
+            <p:txBody>
+              <a:bodyPr rtlCol="0" anchor="ctr"/>
+              <a:lstStyle/>
+              <a:p>
+                <a:pPr algn="ctr"/>
+                <a:r>
+                  <a:rPr lang="en-US" sz="2000" dirty="0" smtClean="0"/>
+                  <a:t>3</a:t>
+                </a:r>
+                <a:endParaRPr lang="ru-RU" sz="2000" dirty="0"/>
+              </a:p>
+            </p:txBody>
+          </p:sp>
+          <p:sp>
+            <p:nvSpPr>
+              <p:cNvPr id="11" name="Прямоугольник 10"/>
+              <p:cNvSpPr/>
+              <p:nvPr/>
+            </p:nvSpPr>
+            <p:spPr>
+              <a:xfrm>
+                <a:off x="2351267" y="2786739"/>
+                <a:ext cx="504355" cy="389795"/>
+              </a:xfrm>
+              <a:prstGeom prst="rect">
+                <a:avLst/>
+              </a:prstGeom>
+              <a:ln>
+                <a:solidFill>
+                  <a:schemeClr val="tx1"/>
+                </a:solidFill>
+              </a:ln>
+            </p:spPr>
+            <p:style>
+              <a:lnRef idx="2">
+                <a:schemeClr val="accent2">
+                  <a:shade val="50000"/>
+                </a:schemeClr>
+              </a:lnRef>
+              <a:fillRef idx="1">
+                <a:schemeClr val="accent2"/>
+              </a:fillRef>
+              <a:effectRef idx="0">
+                <a:schemeClr val="accent2"/>
+              </a:effectRef>
+              <a:fontRef idx="minor">
+                <a:schemeClr val="lt1"/>
+              </a:fontRef>
+            </p:style>
+            <p:txBody>
+              <a:bodyPr rtlCol="0" anchor="ctr"/>
+              <a:lstStyle/>
+              <a:p>
+                <a:pPr algn="ctr"/>
+                <a:r>
+                  <a:rPr lang="en-US" sz="2000" dirty="0" smtClean="0"/>
+                  <a:t>2</a:t>
+                </a:r>
+                <a:endParaRPr lang="ru-RU" sz="2000" dirty="0"/>
+              </a:p>
+            </p:txBody>
+          </p:sp>
+          <p:sp>
+            <p:nvSpPr>
+              <p:cNvPr id="12" name="Прямоугольник 11"/>
+              <p:cNvSpPr/>
+              <p:nvPr/>
+            </p:nvSpPr>
+            <p:spPr>
+              <a:xfrm>
+                <a:off x="2837611" y="2786739"/>
+                <a:ext cx="504355" cy="389795"/>
+              </a:xfrm>
+              <a:prstGeom prst="rect">
+                <a:avLst/>
+              </a:prstGeom>
+              <a:ln>
+                <a:solidFill>
+                  <a:schemeClr val="tx1"/>
+                </a:solidFill>
+              </a:ln>
+            </p:spPr>
+            <p:style>
+              <a:lnRef idx="2">
+                <a:schemeClr val="accent2">
+                  <a:shade val="50000"/>
+                </a:schemeClr>
+              </a:lnRef>
+              <a:fillRef idx="1">
+                <a:schemeClr val="accent2"/>
+              </a:fillRef>
+              <a:effectRef idx="0">
+                <a:schemeClr val="accent2"/>
+              </a:effectRef>
+              <a:fontRef idx="minor">
+                <a:schemeClr val="lt1"/>
+              </a:fontRef>
+            </p:style>
+            <p:txBody>
+              <a:bodyPr rtlCol="0" anchor="ctr"/>
+              <a:lstStyle/>
+              <a:p>
+                <a:pPr algn="ctr"/>
+                <a:r>
+                  <a:rPr lang="en-US" sz="2000" dirty="0"/>
+                  <a:t>1</a:t>
+                </a:r>
+                <a:endParaRPr lang="ru-RU" sz="2000" dirty="0"/>
+              </a:p>
+            </p:txBody>
+          </p:sp>
+          <p:sp>
+            <p:nvSpPr>
+              <p:cNvPr id="13" name="Прямоугольник 12"/>
+              <p:cNvSpPr/>
+              <p:nvPr/>
+            </p:nvSpPr>
+            <p:spPr>
+              <a:xfrm>
+                <a:off x="3341967" y="2786737"/>
+                <a:ext cx="504355" cy="389795"/>
+              </a:xfrm>
+              <a:prstGeom prst="rect">
+                <a:avLst/>
+              </a:prstGeom>
+              <a:ln>
+                <a:solidFill>
+                  <a:schemeClr val="tx1"/>
+                </a:solidFill>
+              </a:ln>
+            </p:spPr>
+            <p:style>
+              <a:lnRef idx="2">
+                <a:schemeClr val="accent2">
+                  <a:shade val="50000"/>
+                </a:schemeClr>
+              </a:lnRef>
+              <a:fillRef idx="1">
+                <a:schemeClr val="accent2"/>
+              </a:fillRef>
+              <a:effectRef idx="0">
+                <a:schemeClr val="accent2"/>
+              </a:effectRef>
+              <a:fontRef idx="minor">
+                <a:schemeClr val="lt1"/>
+              </a:fontRef>
+            </p:style>
+            <p:txBody>
+              <a:bodyPr rtlCol="0" anchor="ctr"/>
+              <a:lstStyle/>
+              <a:p>
+                <a:pPr algn="ctr"/>
+                <a:r>
+                  <a:rPr lang="en-US" sz="2000" dirty="0" smtClean="0"/>
+                  <a:t>4</a:t>
+                </a:r>
+                <a:endParaRPr lang="ru-RU" sz="2000" dirty="0"/>
+              </a:p>
+            </p:txBody>
+          </p:sp>
+          <p:sp>
+            <p:nvSpPr>
+              <p:cNvPr id="14" name="Прямоугольник 13"/>
+              <p:cNvSpPr/>
+              <p:nvPr/>
+            </p:nvSpPr>
+            <p:spPr>
+              <a:xfrm>
+                <a:off x="3846323" y="2786739"/>
+                <a:ext cx="504355" cy="389795"/>
+              </a:xfrm>
+              <a:prstGeom prst="rect">
+                <a:avLst/>
+              </a:prstGeom>
+              <a:ln>
+                <a:solidFill>
+                  <a:schemeClr val="tx1"/>
+                </a:solidFill>
+              </a:ln>
+            </p:spPr>
+            <p:style>
+              <a:lnRef idx="2">
+                <a:schemeClr val="accent2">
+                  <a:shade val="50000"/>
+                </a:schemeClr>
+              </a:lnRef>
+              <a:fillRef idx="1">
+                <a:schemeClr val="accent2"/>
+              </a:fillRef>
+              <a:effectRef idx="0">
+                <a:schemeClr val="accent2"/>
+              </a:effectRef>
+              <a:fontRef idx="minor">
+                <a:schemeClr val="lt1"/>
+              </a:fontRef>
+            </p:style>
+            <p:txBody>
+              <a:bodyPr rtlCol="0" anchor="ctr"/>
+              <a:lstStyle/>
+              <a:p>
+                <a:pPr algn="ctr"/>
+                <a:r>
+                  <a:rPr lang="en-US" sz="2000" dirty="0" smtClean="0"/>
+                  <a:t>1</a:t>
+                </a:r>
+                <a:endParaRPr lang="ru-RU" sz="2000" dirty="0"/>
+              </a:p>
+            </p:txBody>
+          </p:sp>
+          <p:sp>
+            <p:nvSpPr>
+              <p:cNvPr id="15" name="Прямоугольник 14"/>
+              <p:cNvSpPr/>
+              <p:nvPr/>
+            </p:nvSpPr>
+            <p:spPr>
+              <a:xfrm>
+                <a:off x="4350679" y="2786737"/>
+                <a:ext cx="504355" cy="389795"/>
+              </a:xfrm>
+              <a:prstGeom prst="rect">
+                <a:avLst/>
+              </a:prstGeom>
+              <a:ln>
+                <a:solidFill>
+                  <a:schemeClr val="tx1"/>
+                </a:solidFill>
+              </a:ln>
+            </p:spPr>
+            <p:style>
+              <a:lnRef idx="2">
+                <a:schemeClr val="accent2">
+                  <a:shade val="50000"/>
+                </a:schemeClr>
+              </a:lnRef>
+              <a:fillRef idx="1">
+                <a:schemeClr val="accent2"/>
+              </a:fillRef>
+              <a:effectRef idx="0">
+                <a:schemeClr val="accent2"/>
+              </a:effectRef>
+              <a:fontRef idx="minor">
+                <a:schemeClr val="lt1"/>
+              </a:fontRef>
+            </p:style>
+            <p:txBody>
+              <a:bodyPr rtlCol="0" anchor="ctr"/>
+              <a:lstStyle/>
+              <a:p>
+                <a:pPr algn="ctr"/>
+                <a:r>
+                  <a:rPr lang="en-US" sz="2000" dirty="0" smtClean="0"/>
+                  <a:t>2</a:t>
+                </a:r>
+                <a:endParaRPr lang="ru-RU" sz="1600" dirty="0"/>
+              </a:p>
+            </p:txBody>
+          </p:sp>
+          <p:sp>
+            <p:nvSpPr>
+              <p:cNvPr id="18" name="Прямоугольник 17"/>
+              <p:cNvSpPr/>
+              <p:nvPr/>
+            </p:nvSpPr>
+            <p:spPr>
+              <a:xfrm>
+                <a:off x="1342557" y="3336836"/>
+                <a:ext cx="504355" cy="389795"/>
+              </a:xfrm>
+              <a:prstGeom prst="rect">
+                <a:avLst/>
+              </a:prstGeom>
+              <a:ln>
+                <a:solidFill>
+                  <a:schemeClr val="tx1"/>
+                </a:solidFill>
+              </a:ln>
+            </p:spPr>
+            <p:style>
+              <a:lnRef idx="2">
+                <a:schemeClr val="accent1">
+                  <a:shade val="50000"/>
+                </a:schemeClr>
+              </a:lnRef>
+              <a:fillRef idx="1">
+                <a:schemeClr val="accent1"/>
+              </a:fillRef>
+              <a:effectRef idx="0">
+                <a:schemeClr val="accent1"/>
+              </a:effectRef>
+              <a:fontRef idx="minor">
+                <a:schemeClr val="lt1"/>
+              </a:fontRef>
+            </p:style>
+            <p:txBody>
+              <a:bodyPr rtlCol="0" anchor="ctr"/>
+              <a:lstStyle/>
+              <a:p>
+                <a:pPr algn="ctr"/>
+                <a:r>
+                  <a:rPr lang="en-US" sz="2000" dirty="0"/>
+                  <a:t>1</a:t>
+                </a:r>
+                <a:endParaRPr lang="ru-RU" sz="2000" dirty="0"/>
+              </a:p>
+            </p:txBody>
+          </p:sp>
+          <p:sp>
+            <p:nvSpPr>
+              <p:cNvPr id="19" name="Прямоугольник 18"/>
+              <p:cNvSpPr/>
+              <p:nvPr/>
+            </p:nvSpPr>
+            <p:spPr>
+              <a:xfrm>
+                <a:off x="1846912" y="3336832"/>
+                <a:ext cx="504355" cy="389795"/>
+              </a:xfrm>
+              <a:prstGeom prst="rect">
+                <a:avLst/>
+              </a:prstGeom>
+              <a:ln>
+                <a:solidFill>
+                  <a:schemeClr val="tx1"/>
+                </a:solidFill>
+              </a:ln>
+            </p:spPr>
+            <p:style>
+              <a:lnRef idx="2">
+                <a:schemeClr val="accent1">
+                  <a:shade val="50000"/>
+                </a:schemeClr>
+              </a:lnRef>
+              <a:fillRef idx="1">
+                <a:schemeClr val="accent1"/>
+              </a:fillRef>
+              <a:effectRef idx="0">
+                <a:schemeClr val="accent1"/>
+              </a:effectRef>
+              <a:fontRef idx="minor">
+                <a:schemeClr val="lt1"/>
+              </a:fontRef>
+            </p:style>
+            <p:txBody>
+              <a:bodyPr rtlCol="0" anchor="ctr"/>
+              <a:lstStyle/>
+              <a:p>
+                <a:pPr algn="ctr"/>
+                <a:r>
+                  <a:rPr lang="en-US" sz="2000" dirty="0"/>
+                  <a:t>2</a:t>
+                </a:r>
+                <a:endParaRPr lang="ru-RU" sz="2000" dirty="0"/>
+              </a:p>
+            </p:txBody>
+          </p:sp>
+          <p:sp>
+            <p:nvSpPr>
+              <p:cNvPr id="20" name="Прямоугольник 19"/>
+              <p:cNvSpPr/>
+              <p:nvPr/>
+            </p:nvSpPr>
+            <p:spPr>
+              <a:xfrm>
+                <a:off x="2351268" y="3336832"/>
+                <a:ext cx="504355" cy="389795"/>
+              </a:xfrm>
+              <a:prstGeom prst="rect">
+                <a:avLst/>
+              </a:prstGeom>
+              <a:ln>
+                <a:solidFill>
+                  <a:schemeClr val="tx1"/>
+                </a:solidFill>
+              </a:ln>
+            </p:spPr>
+            <p:style>
+              <a:lnRef idx="2">
+                <a:schemeClr val="accent1">
+                  <a:shade val="50000"/>
+                </a:schemeClr>
+              </a:lnRef>
+              <a:fillRef idx="1">
+                <a:schemeClr val="accent1"/>
+              </a:fillRef>
+              <a:effectRef idx="0">
+                <a:schemeClr val="accent1"/>
+              </a:effectRef>
+              <a:fontRef idx="minor">
+                <a:schemeClr val="lt1"/>
+              </a:fontRef>
+            </p:style>
+            <p:txBody>
+              <a:bodyPr rtlCol="0" anchor="ctr"/>
+              <a:lstStyle/>
+              <a:p>
+                <a:pPr algn="ctr"/>
+                <a:r>
+                  <a:rPr lang="en-US" sz="2000" dirty="0"/>
+                  <a:t>1</a:t>
+                </a:r>
+                <a:endParaRPr lang="ru-RU" sz="2000" dirty="0"/>
+              </a:p>
+            </p:txBody>
+          </p:sp>
+          <p:sp>
+            <p:nvSpPr>
+              <p:cNvPr id="23" name="Прямоугольник 22"/>
+              <p:cNvSpPr/>
+              <p:nvPr/>
+            </p:nvSpPr>
+            <p:spPr>
+              <a:xfrm>
+                <a:off x="1342555" y="3886930"/>
+                <a:ext cx="504355" cy="389795"/>
+              </a:xfrm>
+              <a:prstGeom prst="rect">
+                <a:avLst/>
+              </a:prstGeom>
+              <a:ln>
+                <a:solidFill>
+                  <a:schemeClr val="tx1"/>
+                </a:solidFill>
+              </a:ln>
+            </p:spPr>
+            <p:style>
+              <a:lnRef idx="2">
+                <a:schemeClr val="accent6">
+                  <a:shade val="50000"/>
+                </a:schemeClr>
+              </a:lnRef>
+              <a:fillRef idx="1">
+                <a:schemeClr val="accent6"/>
+              </a:fillRef>
+              <a:effectRef idx="0">
+                <a:schemeClr val="accent6"/>
+              </a:effectRef>
+              <a:fontRef idx="minor">
+                <a:schemeClr val="lt1"/>
+              </a:fontRef>
+            </p:style>
+            <p:txBody>
+              <a:bodyPr rtlCol="0" anchor="ctr"/>
+              <a:lstStyle/>
+              <a:p>
+                <a:pPr algn="ctr"/>
+                <a:r>
+                  <a:rPr lang="ru-RU" sz="2000" dirty="0" smtClean="0"/>
+                  <a:t>7</a:t>
+                </a:r>
+                <a:endParaRPr lang="ru-RU" sz="1600" dirty="0"/>
+              </a:p>
+            </p:txBody>
+          </p:sp>
+          <p:sp>
+            <p:nvSpPr>
+              <p:cNvPr id="24" name="Прямоугольник 23"/>
+              <p:cNvSpPr/>
+              <p:nvPr/>
+            </p:nvSpPr>
+            <p:spPr>
+              <a:xfrm>
+                <a:off x="1846910" y="3886930"/>
+                <a:ext cx="504355" cy="389795"/>
+              </a:xfrm>
+              <a:prstGeom prst="rect">
+                <a:avLst/>
+              </a:prstGeom>
+              <a:ln>
+                <a:solidFill>
+                  <a:schemeClr val="tx1"/>
+                </a:solidFill>
+              </a:ln>
+            </p:spPr>
+            <p:style>
+              <a:lnRef idx="2">
+                <a:schemeClr val="accent6">
+                  <a:shade val="50000"/>
+                </a:schemeClr>
+              </a:lnRef>
+              <a:fillRef idx="1">
+                <a:schemeClr val="accent6"/>
+              </a:fillRef>
+              <a:effectRef idx="0">
+                <a:schemeClr val="accent6"/>
+              </a:effectRef>
+              <a:fontRef idx="minor">
+                <a:schemeClr val="lt1"/>
+              </a:fontRef>
+            </p:style>
+            <p:txBody>
+              <a:bodyPr rtlCol="0" anchor="ctr"/>
+              <a:lstStyle/>
+              <a:p>
+                <a:pPr algn="ctr"/>
+                <a:r>
+                  <a:rPr lang="ru-RU" sz="2000" dirty="0" smtClean="0"/>
+                  <a:t>10</a:t>
+                </a:r>
+                <a:endParaRPr lang="ru-RU" sz="1200" dirty="0"/>
+              </a:p>
+            </p:txBody>
+          </p:sp>
+          <p:sp>
+            <p:nvSpPr>
+              <p:cNvPr id="25" name="Прямоугольник 24"/>
+              <p:cNvSpPr/>
+              <p:nvPr/>
+            </p:nvSpPr>
+            <p:spPr>
+              <a:xfrm>
+                <a:off x="2351265" y="3886926"/>
+                <a:ext cx="504355" cy="389795"/>
+              </a:xfrm>
+              <a:prstGeom prst="rect">
+                <a:avLst/>
+              </a:prstGeom>
+              <a:ln>
+                <a:solidFill>
+                  <a:schemeClr val="tx1"/>
+                </a:solidFill>
+              </a:ln>
+            </p:spPr>
+            <p:style>
+              <a:lnRef idx="2">
+                <a:schemeClr val="accent6">
+                  <a:shade val="50000"/>
+                </a:schemeClr>
+              </a:lnRef>
+              <a:fillRef idx="1">
+                <a:schemeClr val="accent6"/>
+              </a:fillRef>
+              <a:effectRef idx="0">
+                <a:schemeClr val="accent6"/>
+              </a:effectRef>
+              <a:fontRef idx="minor">
+                <a:schemeClr val="lt1"/>
+              </a:fontRef>
+            </p:style>
+            <p:txBody>
+              <a:bodyPr rtlCol="0" anchor="ctr"/>
+              <a:lstStyle/>
+              <a:p>
+                <a:pPr algn="ctr"/>
+                <a:r>
+                  <a:rPr lang="en-US" sz="2000" dirty="0" smtClean="0"/>
+                  <a:t>8</a:t>
+                </a:r>
+                <a:endParaRPr lang="ru-RU" sz="1600" dirty="0"/>
+              </a:p>
+            </p:txBody>
+          </p:sp>
+          <p:sp>
+            <p:nvSpPr>
+              <p:cNvPr id="26" name="Прямоугольник 25"/>
+              <p:cNvSpPr/>
+              <p:nvPr/>
+            </p:nvSpPr>
+            <p:spPr>
+              <a:xfrm>
+                <a:off x="2855621" y="3886926"/>
+                <a:ext cx="504355" cy="389795"/>
+              </a:xfrm>
+              <a:prstGeom prst="rect">
+                <a:avLst/>
+              </a:prstGeom>
+              <a:ln>
+                <a:solidFill>
+                  <a:schemeClr val="tx1"/>
+                </a:solidFill>
+              </a:ln>
+            </p:spPr>
+            <p:style>
+              <a:lnRef idx="2">
+                <a:schemeClr val="accent6">
+                  <a:shade val="50000"/>
+                </a:schemeClr>
+              </a:lnRef>
+              <a:fillRef idx="1">
+                <a:schemeClr val="accent6"/>
+              </a:fillRef>
+              <a:effectRef idx="0">
+                <a:schemeClr val="accent6"/>
+              </a:effectRef>
+              <a:fontRef idx="minor">
+                <a:schemeClr val="lt1"/>
+              </a:fontRef>
+            </p:style>
+            <p:txBody>
+              <a:bodyPr rtlCol="0" anchor="ctr"/>
+              <a:lstStyle/>
+              <a:p>
+                <a:pPr algn="ctr"/>
+                <a:r>
+                  <a:rPr lang="en-US" sz="2000" dirty="0" smtClean="0"/>
+                  <a:t>8</a:t>
+                </a:r>
+                <a:endParaRPr lang="ru-RU" sz="1600" dirty="0"/>
+              </a:p>
+            </p:txBody>
+          </p:sp>
+          <p:sp>
+            <p:nvSpPr>
+              <p:cNvPr id="27" name="Прямоугольник 26"/>
+              <p:cNvSpPr/>
+              <p:nvPr/>
+            </p:nvSpPr>
+            <p:spPr>
+              <a:xfrm>
+                <a:off x="3346464" y="3886924"/>
+                <a:ext cx="504355" cy="389795"/>
+              </a:xfrm>
+              <a:prstGeom prst="rect">
+                <a:avLst/>
+              </a:prstGeom>
+              <a:ln>
+                <a:solidFill>
+                  <a:schemeClr val="tx1"/>
+                </a:solidFill>
+              </a:ln>
+            </p:spPr>
+            <p:style>
+              <a:lnRef idx="2">
+                <a:schemeClr val="accent6">
+                  <a:shade val="50000"/>
+                </a:schemeClr>
+              </a:lnRef>
+              <a:fillRef idx="1">
+                <a:schemeClr val="accent6"/>
+              </a:fillRef>
+              <a:effectRef idx="0">
+                <a:schemeClr val="accent6"/>
+              </a:effectRef>
+              <a:fontRef idx="minor">
+                <a:schemeClr val="lt1"/>
+              </a:fontRef>
+            </p:style>
+            <p:txBody>
+              <a:bodyPr rtlCol="0" anchor="ctr"/>
+              <a:lstStyle/>
+              <a:p>
+                <a:pPr algn="ctr"/>
+                <a:r>
+                  <a:rPr lang="en-US" sz="2000" dirty="0" smtClean="0"/>
+                  <a:t>10</a:t>
+                </a:r>
+                <a:endParaRPr lang="ru-RU" sz="1200" dirty="0"/>
+              </a:p>
+            </p:txBody>
+          </p:sp>
+          <p:sp>
+            <p:nvSpPr>
+              <p:cNvPr id="28" name="Прямоугольник 27"/>
+              <p:cNvSpPr/>
+              <p:nvPr/>
+            </p:nvSpPr>
+            <p:spPr>
+              <a:xfrm>
+                <a:off x="3850819" y="3886924"/>
+                <a:ext cx="504355" cy="389795"/>
+              </a:xfrm>
+              <a:prstGeom prst="rect">
+                <a:avLst/>
+              </a:prstGeom>
+              <a:ln>
+                <a:solidFill>
+                  <a:schemeClr val="tx1"/>
+                </a:solidFill>
+              </a:ln>
+            </p:spPr>
+            <p:style>
+              <a:lnRef idx="2">
+                <a:schemeClr val="accent6">
+                  <a:shade val="50000"/>
+                </a:schemeClr>
+              </a:lnRef>
+              <a:fillRef idx="1">
+                <a:schemeClr val="accent6"/>
+              </a:fillRef>
+              <a:effectRef idx="0">
+                <a:schemeClr val="accent6"/>
+              </a:effectRef>
+              <a:fontRef idx="minor">
+                <a:schemeClr val="lt1"/>
+              </a:fontRef>
+            </p:style>
+            <p:txBody>
+              <a:bodyPr rtlCol="0" anchor="ctr"/>
+              <a:lstStyle/>
+              <a:p>
+                <a:pPr algn="ctr"/>
+                <a:r>
+                  <a:rPr lang="en-US" sz="2000" dirty="0" smtClean="0"/>
+                  <a:t>8</a:t>
+                </a:r>
+                <a:endParaRPr lang="ru-RU" sz="1600" dirty="0"/>
+              </a:p>
+            </p:txBody>
+          </p:sp>
+          <p:sp>
+            <p:nvSpPr>
+              <p:cNvPr id="31" name="Трапеция 30"/>
+              <p:cNvSpPr/>
+              <p:nvPr/>
+            </p:nvSpPr>
+            <p:spPr>
+              <a:xfrm rot="10800000">
+                <a:off x="1342555" y="3726626"/>
+                <a:ext cx="1495057" cy="160295"/>
+              </a:xfrm>
+              <a:prstGeom prst="trapezoid">
+                <a:avLst>
+                  <a:gd name="adj" fmla="val 239279"/>
+                </a:avLst>
+              </a:prstGeom>
+            </p:spPr>
+            <p:style>
+              <a:lnRef idx="2">
+                <a:schemeClr val="accent3">
+                  <a:shade val="50000"/>
+                </a:schemeClr>
+              </a:lnRef>
+              <a:fillRef idx="1">
+                <a:schemeClr val="accent3"/>
+              </a:fillRef>
+              <a:effectRef idx="0">
+                <a:schemeClr val="accent3"/>
+              </a:effectRef>
+              <a:fontRef idx="minor">
+                <a:schemeClr val="lt1"/>
+              </a:fontRef>
+            </p:style>
+            <p:txBody>
+              <a:bodyPr rtlCol="0" anchor="ctr"/>
+              <a:lstStyle/>
+              <a:p>
+                <a:pPr algn="ctr"/>
+                <a:endParaRPr lang="ru-RU"/>
+              </a:p>
+            </p:txBody>
+          </p:sp>
+          <p:sp>
+            <p:nvSpPr>
+              <p:cNvPr id="32" name="Трапеция 31"/>
+              <p:cNvSpPr/>
+              <p:nvPr/>
+            </p:nvSpPr>
+            <p:spPr>
+              <a:xfrm rot="10800000">
+                <a:off x="1342554" y="3176533"/>
+                <a:ext cx="1495056" cy="160295"/>
+              </a:xfrm>
+              <a:prstGeom prst="trapezoid">
+                <a:avLst>
+                  <a:gd name="adj" fmla="val 0"/>
+                </a:avLst>
+              </a:prstGeom>
+            </p:spPr>
+            <p:style>
+              <a:lnRef idx="2">
+                <a:schemeClr val="accent3">
+                  <a:shade val="50000"/>
+                </a:schemeClr>
+              </a:lnRef>
+              <a:fillRef idx="1">
+                <a:schemeClr val="accent3"/>
+              </a:fillRef>
+              <a:effectRef idx="0">
+                <a:schemeClr val="accent3"/>
+              </a:effectRef>
+              <a:fontRef idx="minor">
+                <a:schemeClr val="lt1"/>
+              </a:fontRef>
+            </p:style>
+            <p:txBody>
+              <a:bodyPr rtlCol="0" anchor="ctr"/>
+              <a:lstStyle/>
+              <a:p>
+                <a:pPr algn="ctr"/>
+                <a:endParaRPr lang="ru-RU"/>
+              </a:p>
+            </p:txBody>
+          </p:sp>
+        </p:grpSp>
+        <p:sp>
+          <p:nvSpPr>
+            <p:cNvPr id="35" name="Объект 21"/>
+            <p:cNvSpPr txBox="1">
+              <a:spLocks/>
+            </p:cNvSpPr>
+            <p:nvPr/>
+          </p:nvSpPr>
+          <p:spPr>
+            <a:xfrm>
+              <a:off x="2708684" y="3285834"/>
+              <a:ext cx="1515992" cy="369818"/>
+            </a:xfrm>
+            <a:prstGeom prst="rect">
+              <a:avLst/>
+            </a:prstGeom>
+          </p:spPr>
+          <p:txBody>
+            <a:bodyPr vert="horz" lIns="91440" tIns="45720" rIns="91440" bIns="45720" rtlCol="0">
+              <a:normAutofit lnSpcReduction="10000"/>
+            </a:bodyPr>
+            <a:lstStyle>
+              <a:lvl1pPr marL="228600" indent="-228600" algn="l" defTabSz="914400" rtl="0" eaLnBrk="1" latinLnBrk="0" hangingPunct="1">
+                <a:lnSpc>
+                  <a:spcPct val="90000"/>
+                </a:lnSpc>
+                <a:spcBef>
+                  <a:spcPts val="1000"/>
+                </a:spcBef>
+                <a:buFont typeface="Arial" panose="020B0604020202020204" pitchFamily="34" charset="0"/>
+                <a:buChar char="•"/>
+                <a:defRPr sz="2800" kern="1200">
+                  <a:solidFill>
+                    <a:schemeClr val="bg1">
+                      <a:lumMod val="95000"/>
+                    </a:schemeClr>
+                  </a:solidFill>
+                  <a:latin typeface="+mn-lt"/>
+                  <a:ea typeface="+mn-ea"/>
+                  <a:cs typeface="+mn-cs"/>
+                </a:defRPr>
+              </a:lvl1pPr>
+              <a:lvl2pPr marL="685800" indent="-228600" algn="l" defTabSz="914400" rtl="0" eaLnBrk="1" latinLnBrk="0" hangingPunct="1">
+                <a:lnSpc>
+                  <a:spcPct val="90000"/>
+                </a:lnSpc>
+                <a:spcBef>
+                  <a:spcPts val="500"/>
+                </a:spcBef>
+                <a:buFont typeface="Arial" panose="020B0604020202020204" pitchFamily="34" charset="0"/>
+                <a:buChar char="•"/>
+                <a:defRPr sz="2400" kern="1200">
+                  <a:solidFill>
+                    <a:schemeClr val="bg1">
+                      <a:lumMod val="95000"/>
+                    </a:schemeClr>
+                  </a:solidFill>
+                  <a:latin typeface="+mn-lt"/>
+                  <a:ea typeface="+mn-ea"/>
+                  <a:cs typeface="+mn-cs"/>
+                </a:defRPr>
+              </a:lvl2pPr>
+              <a:lvl3pPr marL="1143000" indent="-228600" algn="l" defTabSz="914400" rtl="0" eaLnBrk="1" latinLnBrk="0" hangingPunct="1">
+                <a:lnSpc>
+                  <a:spcPct val="90000"/>
+                </a:lnSpc>
+                <a:spcBef>
+                  <a:spcPts val="500"/>
+                </a:spcBef>
+                <a:buFont typeface="Arial" panose="020B0604020202020204" pitchFamily="34" charset="0"/>
+                <a:buChar char="•"/>
+                <a:defRPr sz="2000" kern="1200">
+                  <a:solidFill>
+                    <a:schemeClr val="bg1">
+                      <a:lumMod val="95000"/>
+                    </a:schemeClr>
+                  </a:solidFill>
+                  <a:latin typeface="+mn-lt"/>
+                  <a:ea typeface="+mn-ea"/>
+                  <a:cs typeface="+mn-cs"/>
+                </a:defRPr>
+              </a:lvl3pPr>
+              <a:lvl4pPr marL="1600200" indent="-228600" algn="l" defTabSz="914400" rtl="0" eaLnBrk="1" latinLnBrk="0" hangingPunct="1">
+                <a:lnSpc>
+                  <a:spcPct val="90000"/>
+                </a:lnSpc>
+                <a:spcBef>
+                  <a:spcPts val="500"/>
+                </a:spcBef>
+                <a:buFont typeface="Arial" panose="020B0604020202020204" pitchFamily="34" charset="0"/>
+                <a:buChar char="•"/>
+                <a:defRPr sz="1800" kern="1200">
+                  <a:solidFill>
+                    <a:schemeClr val="bg1">
+                      <a:lumMod val="95000"/>
+                    </a:schemeClr>
+                  </a:solidFill>
+                  <a:latin typeface="+mn-lt"/>
+                  <a:ea typeface="+mn-ea"/>
+                  <a:cs typeface="+mn-cs"/>
+                </a:defRPr>
+              </a:lvl4pPr>
+              <a:lvl5pPr marL="2057400" indent="-228600" algn="l" defTabSz="914400" rtl="0" eaLnBrk="1" latinLnBrk="0" hangingPunct="1">
+                <a:lnSpc>
+                  <a:spcPct val="90000"/>
+                </a:lnSpc>
+                <a:spcBef>
+                  <a:spcPts val="500"/>
+                </a:spcBef>
+                <a:buFont typeface="Arial" panose="020B0604020202020204" pitchFamily="34" charset="0"/>
+                <a:buChar char="•"/>
+                <a:defRPr sz="1800" kern="1200">
+                  <a:solidFill>
+                    <a:schemeClr val="bg1">
+                      <a:lumMod val="95000"/>
+                    </a:schemeClr>
+                  </a:solidFill>
+                  <a:latin typeface="+mn-lt"/>
+                  <a:ea typeface="+mn-ea"/>
+                  <a:cs typeface="+mn-cs"/>
+                </a:defRPr>
+              </a:lvl5pPr>
+              <a:lvl6pPr marL="2514600" indent="-228600" algn="l" defTabSz="914400" rtl="0" eaLnBrk="1" latinLnBrk="0" hangingPunct="1">
+                <a:lnSpc>
+                  <a:spcPct val="90000"/>
+                </a:lnSpc>
+                <a:spcBef>
+                  <a:spcPts val="500"/>
+                </a:spcBef>
+                <a:buFont typeface="Arial" panose="020B0604020202020204" pitchFamily="34" charset="0"/>
+                <a:buChar char="•"/>
+                <a:defRPr sz="1800" kern="1200">
+                  <a:solidFill>
+                    <a:schemeClr val="tx1"/>
+                  </a:solidFill>
+                  <a:latin typeface="+mn-lt"/>
+                  <a:ea typeface="+mn-ea"/>
+                  <a:cs typeface="+mn-cs"/>
+                </a:defRPr>
+              </a:lvl6pPr>
+              <a:lvl7pPr marL="2971800" indent="-228600" algn="l" defTabSz="914400" rtl="0" eaLnBrk="1" latinLnBrk="0" hangingPunct="1">
+                <a:lnSpc>
+                  <a:spcPct val="90000"/>
+                </a:lnSpc>
+                <a:spcBef>
+                  <a:spcPts val="500"/>
+                </a:spcBef>
+                <a:buFont typeface="Arial" panose="020B0604020202020204" pitchFamily="34" charset="0"/>
+                <a:buChar char="•"/>
+                <a:defRPr sz="1800" kern="1200">
+                  <a:solidFill>
+                    <a:schemeClr val="tx1"/>
+                  </a:solidFill>
+                  <a:latin typeface="+mn-lt"/>
+                  <a:ea typeface="+mn-ea"/>
+                  <a:cs typeface="+mn-cs"/>
+                </a:defRPr>
+              </a:lvl7pPr>
+              <a:lvl8pPr marL="3429000" indent="-228600" algn="l" defTabSz="914400" rtl="0" eaLnBrk="1" latinLnBrk="0" hangingPunct="1">
+                <a:lnSpc>
+                  <a:spcPct val="90000"/>
+                </a:lnSpc>
+                <a:spcBef>
+                  <a:spcPts val="500"/>
+                </a:spcBef>
+                <a:buFont typeface="Arial" panose="020B0604020202020204" pitchFamily="34" charset="0"/>
+                <a:buChar char="•"/>
+                <a:defRPr sz="1800" kern="1200">
+                  <a:solidFill>
+                    <a:schemeClr val="tx1"/>
+                  </a:solidFill>
+                  <a:latin typeface="+mn-lt"/>
+                  <a:ea typeface="+mn-ea"/>
+                  <a:cs typeface="+mn-cs"/>
+                </a:defRPr>
+              </a:lvl8pPr>
+              <a:lvl9pPr marL="3886200" indent="-228600" algn="l" defTabSz="914400" rtl="0" eaLnBrk="1" latinLnBrk="0" hangingPunct="1">
+                <a:lnSpc>
+                  <a:spcPct val="90000"/>
+                </a:lnSpc>
+                <a:spcBef>
+                  <a:spcPts val="500"/>
+                </a:spcBef>
+                <a:buFont typeface="Arial" panose="020B0604020202020204" pitchFamily="34" charset="0"/>
+                <a:buChar char="•"/>
+                <a:defRPr sz="1800" kern="1200">
+                  <a:solidFill>
+                    <a:schemeClr val="tx1"/>
+                  </a:solidFill>
+                  <a:latin typeface="+mn-lt"/>
+                  <a:ea typeface="+mn-ea"/>
+                  <a:cs typeface="+mn-cs"/>
+                </a:defRPr>
+              </a:lvl9pPr>
+            </a:lstStyle>
+            <a:p>
+              <a:pPr marL="0" indent="0">
+                <a:buNone/>
+              </a:pPr>
+              <a:r>
+                <a:rPr lang="ru-RU" sz="1800" dirty="0" smtClean="0"/>
+                <a:t>Ядро свёртки</a:t>
+              </a:r>
+              <a:endParaRPr lang="ru-RU" sz="1800" dirty="0"/>
+            </a:p>
+          </p:txBody>
+        </p:sp>
+        <p:sp>
+          <p:nvSpPr>
+            <p:cNvPr id="36" name="Объект 21"/>
+            <p:cNvSpPr txBox="1">
+              <a:spLocks/>
+            </p:cNvSpPr>
+            <p:nvPr/>
+          </p:nvSpPr>
+          <p:spPr>
+            <a:xfrm>
+              <a:off x="1206401" y="4395602"/>
+              <a:ext cx="1585002" cy="377734"/>
+            </a:xfrm>
+            <a:prstGeom prst="rect">
+              <a:avLst/>
+            </a:prstGeom>
+          </p:spPr>
+          <p:txBody>
+            <a:bodyPr vert="horz" lIns="91440" tIns="45720" rIns="91440" bIns="45720" rtlCol="0">
+              <a:normAutofit fontScale="92500"/>
+            </a:bodyPr>
+            <a:lstStyle>
+              <a:lvl1pPr marL="228600" indent="-228600" algn="l" defTabSz="914400" rtl="0" eaLnBrk="1" latinLnBrk="0" hangingPunct="1">
+                <a:lnSpc>
+                  <a:spcPct val="90000"/>
+                </a:lnSpc>
+                <a:spcBef>
+                  <a:spcPts val="1000"/>
+                </a:spcBef>
+                <a:buFont typeface="Arial" panose="020B0604020202020204" pitchFamily="34" charset="0"/>
+                <a:buChar char="•"/>
+                <a:defRPr sz="2800" kern="1200">
+                  <a:solidFill>
+                    <a:schemeClr val="bg1">
+                      <a:lumMod val="95000"/>
+                    </a:schemeClr>
+                  </a:solidFill>
+                  <a:latin typeface="+mn-lt"/>
+                  <a:ea typeface="+mn-ea"/>
+                  <a:cs typeface="+mn-cs"/>
+                </a:defRPr>
+              </a:lvl1pPr>
+              <a:lvl2pPr marL="685800" indent="-228600" algn="l" defTabSz="914400" rtl="0" eaLnBrk="1" latinLnBrk="0" hangingPunct="1">
+                <a:lnSpc>
+                  <a:spcPct val="90000"/>
+                </a:lnSpc>
+                <a:spcBef>
+                  <a:spcPts val="500"/>
+                </a:spcBef>
+                <a:buFont typeface="Arial" panose="020B0604020202020204" pitchFamily="34" charset="0"/>
+                <a:buChar char="•"/>
+                <a:defRPr sz="2400" kern="1200">
+                  <a:solidFill>
+                    <a:schemeClr val="bg1">
+                      <a:lumMod val="95000"/>
+                    </a:schemeClr>
+                  </a:solidFill>
+                  <a:latin typeface="+mn-lt"/>
+                  <a:ea typeface="+mn-ea"/>
+                  <a:cs typeface="+mn-cs"/>
+                </a:defRPr>
+              </a:lvl2pPr>
+              <a:lvl3pPr marL="1143000" indent="-228600" algn="l" defTabSz="914400" rtl="0" eaLnBrk="1" latinLnBrk="0" hangingPunct="1">
+                <a:lnSpc>
+                  <a:spcPct val="90000"/>
+                </a:lnSpc>
+                <a:spcBef>
+                  <a:spcPts val="500"/>
+                </a:spcBef>
+                <a:buFont typeface="Arial" panose="020B0604020202020204" pitchFamily="34" charset="0"/>
+                <a:buChar char="•"/>
+                <a:defRPr sz="2000" kern="1200">
+                  <a:solidFill>
+                    <a:schemeClr val="bg1">
+                      <a:lumMod val="95000"/>
+                    </a:schemeClr>
+                  </a:solidFill>
+                  <a:latin typeface="+mn-lt"/>
+                  <a:ea typeface="+mn-ea"/>
+                  <a:cs typeface="+mn-cs"/>
+                </a:defRPr>
+              </a:lvl3pPr>
+              <a:lvl4pPr marL="1600200" indent="-228600" algn="l" defTabSz="914400" rtl="0" eaLnBrk="1" latinLnBrk="0" hangingPunct="1">
+                <a:lnSpc>
+                  <a:spcPct val="90000"/>
+                </a:lnSpc>
+                <a:spcBef>
+                  <a:spcPts val="500"/>
+                </a:spcBef>
+                <a:buFont typeface="Arial" panose="020B0604020202020204" pitchFamily="34" charset="0"/>
+                <a:buChar char="•"/>
+                <a:defRPr sz="1800" kern="1200">
+                  <a:solidFill>
+                    <a:schemeClr val="bg1">
+                      <a:lumMod val="95000"/>
+                    </a:schemeClr>
+                  </a:solidFill>
+                  <a:latin typeface="+mn-lt"/>
+                  <a:ea typeface="+mn-ea"/>
+                  <a:cs typeface="+mn-cs"/>
+                </a:defRPr>
+              </a:lvl4pPr>
+              <a:lvl5pPr marL="2057400" indent="-228600" algn="l" defTabSz="914400" rtl="0" eaLnBrk="1" latinLnBrk="0" hangingPunct="1">
+                <a:lnSpc>
+                  <a:spcPct val="90000"/>
+                </a:lnSpc>
+                <a:spcBef>
+                  <a:spcPts val="500"/>
+                </a:spcBef>
+                <a:buFont typeface="Arial" panose="020B0604020202020204" pitchFamily="34" charset="0"/>
+                <a:buChar char="•"/>
+                <a:defRPr sz="1800" kern="1200">
+                  <a:solidFill>
+                    <a:schemeClr val="bg1">
+                      <a:lumMod val="95000"/>
+                    </a:schemeClr>
+                  </a:solidFill>
+                  <a:latin typeface="+mn-lt"/>
+                  <a:ea typeface="+mn-ea"/>
+                  <a:cs typeface="+mn-cs"/>
+                </a:defRPr>
+              </a:lvl5pPr>
+              <a:lvl6pPr marL="2514600" indent="-228600" algn="l" defTabSz="914400" rtl="0" eaLnBrk="1" latinLnBrk="0" hangingPunct="1">
+                <a:lnSpc>
+                  <a:spcPct val="90000"/>
+                </a:lnSpc>
+                <a:spcBef>
+                  <a:spcPts val="500"/>
+                </a:spcBef>
+                <a:buFont typeface="Arial" panose="020B0604020202020204" pitchFamily="34" charset="0"/>
+                <a:buChar char="•"/>
+                <a:defRPr sz="1800" kern="1200">
+                  <a:solidFill>
+                    <a:schemeClr val="tx1"/>
+                  </a:solidFill>
+                  <a:latin typeface="+mn-lt"/>
+                  <a:ea typeface="+mn-ea"/>
+                  <a:cs typeface="+mn-cs"/>
+                </a:defRPr>
+              </a:lvl6pPr>
+              <a:lvl7pPr marL="2971800" indent="-228600" algn="l" defTabSz="914400" rtl="0" eaLnBrk="1" latinLnBrk="0" hangingPunct="1">
+                <a:lnSpc>
+                  <a:spcPct val="90000"/>
+                </a:lnSpc>
+                <a:spcBef>
+                  <a:spcPts val="500"/>
+                </a:spcBef>
+                <a:buFont typeface="Arial" panose="020B0604020202020204" pitchFamily="34" charset="0"/>
+                <a:buChar char="•"/>
+                <a:defRPr sz="1800" kern="1200">
+                  <a:solidFill>
+                    <a:schemeClr val="tx1"/>
+                  </a:solidFill>
+                  <a:latin typeface="+mn-lt"/>
+                  <a:ea typeface="+mn-ea"/>
+                  <a:cs typeface="+mn-cs"/>
+                </a:defRPr>
+              </a:lvl7pPr>
+              <a:lvl8pPr marL="3429000" indent="-228600" algn="l" defTabSz="914400" rtl="0" eaLnBrk="1" latinLnBrk="0" hangingPunct="1">
+                <a:lnSpc>
+                  <a:spcPct val="90000"/>
+                </a:lnSpc>
+                <a:spcBef>
+                  <a:spcPts val="500"/>
+                </a:spcBef>
+                <a:buFont typeface="Arial" panose="020B0604020202020204" pitchFamily="34" charset="0"/>
+                <a:buChar char="•"/>
+                <a:defRPr sz="1800" kern="1200">
+                  <a:solidFill>
+                    <a:schemeClr val="tx1"/>
+                  </a:solidFill>
+                  <a:latin typeface="+mn-lt"/>
+                  <a:ea typeface="+mn-ea"/>
+                  <a:cs typeface="+mn-cs"/>
+                </a:defRPr>
+              </a:lvl8pPr>
+              <a:lvl9pPr marL="3886200" indent="-228600" algn="l" defTabSz="914400" rtl="0" eaLnBrk="1" latinLnBrk="0" hangingPunct="1">
+                <a:lnSpc>
+                  <a:spcPct val="90000"/>
+                </a:lnSpc>
+                <a:spcBef>
+                  <a:spcPts val="500"/>
+                </a:spcBef>
+                <a:buFont typeface="Arial" panose="020B0604020202020204" pitchFamily="34" charset="0"/>
+                <a:buChar char="•"/>
+                <a:defRPr sz="1800" kern="1200">
+                  <a:solidFill>
+                    <a:schemeClr val="tx1"/>
+                  </a:solidFill>
+                  <a:latin typeface="+mn-lt"/>
+                  <a:ea typeface="+mn-ea"/>
+                  <a:cs typeface="+mn-cs"/>
+                </a:defRPr>
+              </a:lvl9pPr>
+            </a:lstStyle>
+            <a:p>
+              <a:pPr marL="0" indent="0">
+                <a:buNone/>
+              </a:pPr>
+              <a:r>
+                <a:rPr lang="ru-RU" sz="1800" dirty="0" smtClean="0"/>
+                <a:t>Выход свёртки</a:t>
+              </a:r>
+              <a:endParaRPr lang="ru-RU" sz="1800" dirty="0"/>
+            </a:p>
+          </p:txBody>
+        </p:sp>
+      </p:grpSp>
     </p:spTree>
     <p:extLst>
       <p:ext uri="{BB962C8B-B14F-4D97-AF65-F5344CB8AC3E}">
-        <p14:creationId xmlns:p14="http://schemas.microsoft.com/office/powerpoint/2010/main" val="1692954"/>
+        <p14:creationId xmlns:p14="http://schemas.microsoft.com/office/powerpoint/2010/main" val="4292354942"/>
       </p:ext>
     </p:extLst>
   </p:cSld>
   <p:clrMapOvr>
     <a:masterClrMapping/>
   </p:clrMapOvr>
+  <p:timing>
+    <p:tnLst>
+      <p:par>
+        <p:cTn id="1" dur="indefinite" restart="never" nodeType="tmRoot"/>
+      </p:par>
+    </p:tnLst>
+  </p:timing>
 </p:sld>
 </file>
 
@@ -6938,4 +13526,265 @@
     </a:ext>
   </a:extLst>
 </a:theme>
+</file>
+
+<file path=ppt/theme/theme2.xml><?xml version="1.0" encoding="utf-8"?>
+<a:theme xmlns:a="http://schemas.openxmlformats.org/drawingml/2006/main" name="Тема Office">
+  <a:themeElements>
+    <a:clrScheme name="Стандартная">
+      <a:dk1>
+        <a:sysClr val="windowText" lastClr="000000"/>
+      </a:dk1>
+      <a:lt1>
+        <a:sysClr val="window" lastClr="FFFFFF"/>
+      </a:lt1>
+      <a:dk2>
+        <a:srgbClr val="44546A"/>
+      </a:dk2>
+      <a:lt2>
+        <a:srgbClr val="E7E6E6"/>
+      </a:lt2>
+      <a:accent1>
+        <a:srgbClr val="5B9BD5"/>
+      </a:accent1>
+      <a:accent2>
+        <a:srgbClr val="ED7D31"/>
+      </a:accent2>
+      <a:accent3>
+        <a:srgbClr val="A5A5A5"/>
+      </a:accent3>
+      <a:accent4>
+        <a:srgbClr val="FFC000"/>
+      </a:accent4>
+      <a:accent5>
+        <a:srgbClr val="4472C4"/>
+      </a:accent5>
+      <a:accent6>
+        <a:srgbClr val="70AD47"/>
+      </a:accent6>
+      <a:hlink>
+        <a:srgbClr val="0563C1"/>
+      </a:hlink>
+      <a:folHlink>
+        <a:srgbClr val="954F72"/>
+      </a:folHlink>
+    </a:clrScheme>
+    <a:fontScheme name="Стандартная">
+      <a:majorFont>
+        <a:latin typeface="Calibri Light" panose="020F0302020204030204"/>
+        <a:ea typeface=""/>
+        <a:cs typeface=""/>
+        <a:font script="Jpan" typeface="ＭＳ Ｐゴシック"/>
+        <a:font script="Hang" typeface="맑은 고딕"/>
+        <a:font script="Hans" typeface="宋体"/>
+        <a:font script="Hant" typeface="新細明體"/>
+        <a:font script="Arab" typeface="Times New Roman"/>
+        <a:font script="Hebr" typeface="Times New Roman"/>
+        <a:font script="Thai" typeface="Angsana New"/>
+        <a:font script="Ethi" typeface="Nyala"/>
+        <a:font script="Beng" typeface="Vrinda"/>
+        <a:font script="Gujr" typeface="Shruti"/>
+        <a:font script="Khmr" typeface="MoolBoran"/>
+        <a:font script="Knda" typeface="Tunga"/>
+        <a:font script="Guru" typeface="Raavi"/>
+        <a:font script="Cans" typeface="Euphemia"/>
+        <a:font script="Cher" typeface="Plantagenet Cherokee"/>
+        <a:font script="Yiii" typeface="Microsoft Yi Baiti"/>
+        <a:font script="Tibt" typeface="Microsoft Himalaya"/>
+        <a:font script="Thaa" typeface="MV Boli"/>
+        <a:font script="Deva" typeface="Mangal"/>
+        <a:font script="Telu" typeface="Gautami"/>
+        <a:font script="Taml" typeface="Latha"/>
+        <a:font script="Syrc" typeface="Estrangelo Edessa"/>
+        <a:font script="Orya" typeface="Kalinga"/>
+        <a:font script="Mlym" typeface="Kartika"/>
+        <a:font script="Laoo" typeface="DokChampa"/>
+        <a:font script="Sinh" typeface="Iskoola Pota"/>
+        <a:font script="Mong" typeface="Mongolian Baiti"/>
+        <a:font script="Viet" typeface="Times New Roman"/>
+        <a:font script="Uigh" typeface="Microsoft Uighur"/>
+        <a:font script="Geor" typeface="Sylfaen"/>
+      </a:majorFont>
+      <a:minorFont>
+        <a:latin typeface="Calibri" panose="020F0502020204030204"/>
+        <a:ea typeface=""/>
+        <a:cs typeface=""/>
+        <a:font script="Jpan" typeface="ＭＳ Ｐゴシック"/>
+        <a:font script="Hang" typeface="맑은 고딕"/>
+        <a:font script="Hans" typeface="宋体"/>
+        <a:font script="Hant" typeface="新細明體"/>
+        <a:font script="Arab" typeface="Arial"/>
+        <a:font script="Hebr" typeface="Arial"/>
+        <a:font script="Thai" typeface="Cordia New"/>
+        <a:font script="Ethi" typeface="Nyala"/>
+        <a:font script="Beng" typeface="Vrinda"/>
+        <a:font script="Gujr" typeface="Shruti"/>
+        <a:font script="Khmr" typeface="DaunPenh"/>
+        <a:font script="Knda" typeface="Tunga"/>
+        <a:font script="Guru" typeface="Raavi"/>
+        <a:font script="Cans" typeface="Euphemia"/>
+        <a:font script="Cher" typeface="Plantagenet Cherokee"/>
+        <a:font script="Yiii" typeface="Microsoft Yi Baiti"/>
+        <a:font script="Tibt" typeface="Microsoft Himalaya"/>
+        <a:font script="Thaa" typeface="MV Boli"/>
+        <a:font script="Deva" typeface="Mangal"/>
+        <a:font script="Telu" typeface="Gautami"/>
+        <a:font script="Taml" typeface="Latha"/>
+        <a:font script="Syrc" typeface="Estrangelo Edessa"/>
+        <a:font script="Orya" typeface="Kalinga"/>
+        <a:font script="Mlym" typeface="Kartika"/>
+        <a:font script="Laoo" typeface="DokChampa"/>
+        <a:font script="Sinh" typeface="Iskoola Pota"/>
+        <a:font script="Mong" typeface="Mongolian Baiti"/>
+        <a:font script="Viet" typeface="Arial"/>
+        <a:font script="Uigh" typeface="Microsoft Uighur"/>
+        <a:font script="Geor" typeface="Sylfaen"/>
+      </a:minorFont>
+    </a:fontScheme>
+    <a:fmtScheme name="Стандартная">
+      <a:fillStyleLst>
+        <a:solidFill>
+          <a:schemeClr val="phClr"/>
+        </a:solidFill>
+        <a:gradFill rotWithShape="1">
+          <a:gsLst>
+            <a:gs pos="0">
+              <a:schemeClr val="phClr">
+                <a:lumMod val="110000"/>
+                <a:satMod val="105000"/>
+                <a:tint val="67000"/>
+              </a:schemeClr>
+            </a:gs>
+            <a:gs pos="50000">
+              <a:schemeClr val="phClr">
+                <a:lumMod val="105000"/>
+                <a:satMod val="103000"/>
+                <a:tint val="73000"/>
+              </a:schemeClr>
+            </a:gs>
+            <a:gs pos="100000">
+              <a:schemeClr val="phClr">
+                <a:lumMod val="105000"/>
+                <a:satMod val="109000"/>
+                <a:tint val="81000"/>
+              </a:schemeClr>
+            </a:gs>
+          </a:gsLst>
+          <a:lin ang="5400000" scaled="0"/>
+        </a:gradFill>
+        <a:gradFill rotWithShape="1">
+          <a:gsLst>
+            <a:gs pos="0">
+              <a:schemeClr val="phClr">
+                <a:satMod val="103000"/>
+                <a:lumMod val="102000"/>
+                <a:tint val="94000"/>
+              </a:schemeClr>
+            </a:gs>
+            <a:gs pos="50000">
+              <a:schemeClr val="phClr">
+                <a:satMod val="110000"/>
+                <a:lumMod val="100000"/>
+                <a:shade val="100000"/>
+              </a:schemeClr>
+            </a:gs>
+            <a:gs pos="100000">
+              <a:schemeClr val="phClr">
+                <a:lumMod val="99000"/>
+                <a:satMod val="120000"/>
+                <a:shade val="78000"/>
+              </a:schemeClr>
+            </a:gs>
+          </a:gsLst>
+          <a:lin ang="5400000" scaled="0"/>
+        </a:gradFill>
+      </a:fillStyleLst>
+      <a:lnStyleLst>
+        <a:ln w="6350" cap="flat" cmpd="sng" algn="ctr">
+          <a:solidFill>
+            <a:schemeClr val="phClr"/>
+          </a:solidFill>
+          <a:prstDash val="solid"/>
+          <a:miter lim="800000"/>
+        </a:ln>
+        <a:ln w="12700" cap="flat" cmpd="sng" algn="ctr">
+          <a:solidFill>
+            <a:schemeClr val="phClr"/>
+          </a:solidFill>
+          <a:prstDash val="solid"/>
+          <a:miter lim="800000"/>
+        </a:ln>
+        <a:ln w="19050" cap="flat" cmpd="sng" algn="ctr">
+          <a:solidFill>
+            <a:schemeClr val="phClr"/>
+          </a:solidFill>
+          <a:prstDash val="solid"/>
+          <a:miter lim="800000"/>
+        </a:ln>
+      </a:lnStyleLst>
+      <a:effectStyleLst>
+        <a:effectStyle>
+          <a:effectLst/>
+        </a:effectStyle>
+        <a:effectStyle>
+          <a:effectLst/>
+        </a:effectStyle>
+        <a:effectStyle>
+          <a:effectLst>
+            <a:outerShdw blurRad="57150" dist="19050" dir="5400000" algn="ctr" rotWithShape="0">
+              <a:srgbClr val="000000">
+                <a:alpha val="63000"/>
+              </a:srgbClr>
+            </a:outerShdw>
+          </a:effectLst>
+        </a:effectStyle>
+      </a:effectStyleLst>
+      <a:bgFillStyleLst>
+        <a:solidFill>
+          <a:schemeClr val="phClr"/>
+        </a:solidFill>
+        <a:solidFill>
+          <a:schemeClr val="phClr">
+            <a:tint val="95000"/>
+            <a:satMod val="170000"/>
+          </a:schemeClr>
+        </a:solidFill>
+        <a:gradFill rotWithShape="1">
+          <a:gsLst>
+            <a:gs pos="0">
+              <a:schemeClr val="phClr">
+                <a:tint val="93000"/>
+                <a:satMod val="150000"/>
+                <a:shade val="98000"/>
+                <a:lumMod val="102000"/>
+              </a:schemeClr>
+            </a:gs>
+            <a:gs pos="50000">
+              <a:schemeClr val="phClr">
+                <a:tint val="98000"/>
+                <a:satMod val="130000"/>
+                <a:shade val="90000"/>
+                <a:lumMod val="103000"/>
+              </a:schemeClr>
+            </a:gs>
+            <a:gs pos="100000">
+              <a:schemeClr val="phClr">
+                <a:shade val="63000"/>
+                <a:satMod val="120000"/>
+              </a:schemeClr>
+            </a:gs>
+          </a:gsLst>
+          <a:lin ang="5400000" scaled="0"/>
+        </a:gradFill>
+      </a:bgFillStyleLst>
+    </a:fmtScheme>
+  </a:themeElements>
+  <a:objectDefaults/>
+  <a:extraClrSchemeLst/>
+  <a:extLst>
+    <a:ext uri="{05A4C25C-085E-4340-85A3-A5531E510DB2}">
+      <thm15:themeFamily xmlns:thm15="http://schemas.microsoft.com/office/thememl/2012/main" name="Office Theme" id="{62F939B6-93AF-4DB8-9C6B-D6C7DFDC589F}" vid="{4A3C46E8-61CC-4603-A589-7422A47A8E4A}"/>
+    </a:ext>
+  </a:extLst>
+</a:theme>
 </file>